--- a/Presentation/Team_4-Restaurant_Density_Analysis..pptx
+++ b/Presentation/Team_4-Restaurant_Density_Analysis..pptx
@@ -6,8 +6,13 @@
   </p:sldMasterIdLst>
   <p:sldIdLst>
     <p:sldId id="256" r:id="rId2"/>
-    <p:sldId id="257" r:id="rId3"/>
-    <p:sldId id="258" r:id="rId4"/>
+    <p:sldId id="259" r:id="rId3"/>
+    <p:sldId id="257" r:id="rId4"/>
+    <p:sldId id="260" r:id="rId5"/>
+    <p:sldId id="261" r:id="rId6"/>
+    <p:sldId id="262" r:id="rId7"/>
+    <p:sldId id="263" r:id="rId8"/>
+    <p:sldId id="258" r:id="rId9"/>
   </p:sldIdLst>
   <p:sldSz cx="12192000" cy="6858000"/>
   <p:notesSz cx="6858000" cy="9144000"/>
@@ -261,7 +266,7 @@
           <a:p>
             <a:fld id="{851CE510-E3F9-40A0-9716-0ED21D197C8A}" type="datetimeFigureOut">
               <a:rPr lang="en-US" smtClean="0"/>
-              <a:t>10/17/2020</a:t>
+              <a:t>10/26/2020</a:t>
             </a:fld>
             <a:endParaRPr lang="en-US"/>
           </a:p>
@@ -459,7 +464,7 @@
           <a:p>
             <a:fld id="{851CE510-E3F9-40A0-9716-0ED21D197C8A}" type="datetimeFigureOut">
               <a:rPr lang="en-US" smtClean="0"/>
-              <a:t>10/17/2020</a:t>
+              <a:t>10/26/2020</a:t>
             </a:fld>
             <a:endParaRPr lang="en-US"/>
           </a:p>
@@ -667,7 +672,7 @@
           <a:p>
             <a:fld id="{851CE510-E3F9-40A0-9716-0ED21D197C8A}" type="datetimeFigureOut">
               <a:rPr lang="en-US" smtClean="0"/>
-              <a:t>10/17/2020</a:t>
+              <a:t>10/26/2020</a:t>
             </a:fld>
             <a:endParaRPr lang="en-US"/>
           </a:p>
@@ -865,7 +870,7 @@
           <a:p>
             <a:fld id="{851CE510-E3F9-40A0-9716-0ED21D197C8A}" type="datetimeFigureOut">
               <a:rPr lang="en-US" smtClean="0"/>
-              <a:t>10/17/2020</a:t>
+              <a:t>10/26/2020</a:t>
             </a:fld>
             <a:endParaRPr lang="en-US"/>
           </a:p>
@@ -1140,7 +1145,7 @@
           <a:p>
             <a:fld id="{851CE510-E3F9-40A0-9716-0ED21D197C8A}" type="datetimeFigureOut">
               <a:rPr lang="en-US" smtClean="0"/>
-              <a:t>10/17/2020</a:t>
+              <a:t>10/26/2020</a:t>
             </a:fld>
             <a:endParaRPr lang="en-US"/>
           </a:p>
@@ -1405,7 +1410,7 @@
           <a:p>
             <a:fld id="{851CE510-E3F9-40A0-9716-0ED21D197C8A}" type="datetimeFigureOut">
               <a:rPr lang="en-US" smtClean="0"/>
-              <a:t>10/17/2020</a:t>
+              <a:t>10/26/2020</a:t>
             </a:fld>
             <a:endParaRPr lang="en-US"/>
           </a:p>
@@ -1817,7 +1822,7 @@
           <a:p>
             <a:fld id="{851CE510-E3F9-40A0-9716-0ED21D197C8A}" type="datetimeFigureOut">
               <a:rPr lang="en-US" smtClean="0"/>
-              <a:t>10/17/2020</a:t>
+              <a:t>10/26/2020</a:t>
             </a:fld>
             <a:endParaRPr lang="en-US"/>
           </a:p>
@@ -1958,7 +1963,7 @@
           <a:p>
             <a:fld id="{851CE510-E3F9-40A0-9716-0ED21D197C8A}" type="datetimeFigureOut">
               <a:rPr lang="en-US" smtClean="0"/>
-              <a:t>10/17/2020</a:t>
+              <a:t>10/26/2020</a:t>
             </a:fld>
             <a:endParaRPr lang="en-US"/>
           </a:p>
@@ -2071,7 +2076,7 @@
           <a:p>
             <a:fld id="{851CE510-E3F9-40A0-9716-0ED21D197C8A}" type="datetimeFigureOut">
               <a:rPr lang="en-US" smtClean="0"/>
-              <a:t>10/17/2020</a:t>
+              <a:t>10/26/2020</a:t>
             </a:fld>
             <a:endParaRPr lang="en-US"/>
           </a:p>
@@ -2382,7 +2387,7 @@
           <a:p>
             <a:fld id="{851CE510-E3F9-40A0-9716-0ED21D197C8A}" type="datetimeFigureOut">
               <a:rPr lang="en-US" smtClean="0"/>
-              <a:t>10/17/2020</a:t>
+              <a:t>10/26/2020</a:t>
             </a:fld>
             <a:endParaRPr lang="en-US"/>
           </a:p>
@@ -2670,7 +2675,7 @@
           <a:p>
             <a:fld id="{851CE510-E3F9-40A0-9716-0ED21D197C8A}" type="datetimeFigureOut">
               <a:rPr lang="en-US" smtClean="0"/>
-              <a:t>10/17/2020</a:t>
+              <a:t>10/26/2020</a:t>
             </a:fld>
             <a:endParaRPr lang="en-US"/>
           </a:p>
@@ -2911,7 +2916,7 @@
           <a:p>
             <a:fld id="{851CE510-E3F9-40A0-9716-0ED21D197C8A}" type="datetimeFigureOut">
               <a:rPr lang="en-US" smtClean="0"/>
-              <a:t>10/17/2020</a:t>
+              <a:t>10/26/2020</a:t>
             </a:fld>
             <a:endParaRPr lang="en-US"/>
           </a:p>
@@ -3346,13 +3351,17 @@
         </p:nvSpPr>
         <p:spPr/>
         <p:txBody>
-          <a:bodyPr/>
+          <a:bodyPr anchor="ctr"/>
           <a:lstStyle/>
           <a:p>
             <a:r>
               <a:rPr lang="en-US" dirty="0"/>
               <a:t>PROJECT 1</a:t>
             </a:r>
+            <a:br>
+              <a:rPr lang="en-US" dirty="0"/>
+            </a:br>
+            <a:endParaRPr lang="en-US" dirty="0"/>
           </a:p>
         </p:txBody>
       </p:sp>
@@ -3379,7 +3388,7 @@
           <a:p>
             <a:r>
               <a:rPr lang="en-US" dirty="0"/>
-              <a:t>Restaurant density analysis.</a:t>
+              <a:t>NFL Restaurant density analysis.</a:t>
             </a:r>
           </a:p>
         </p:txBody>
@@ -3399,7 +3408,7 @@
         <p:spPr>
           <a:xfrm>
             <a:off x="957569" y="5925940"/>
-            <a:ext cx="6110006" cy="369332"/>
+            <a:ext cx="6983130" cy="369332"/>
           </a:xfrm>
           <a:prstGeom prst="rect">
             <a:avLst/>
@@ -3414,7 +3423,7 @@
           <a:p>
             <a:r>
               <a:rPr lang="en-US" dirty="0"/>
-              <a:t>Christopher Williams, Eric Farrell, Justin Ying, Francisco J. Perez </a:t>
+              <a:t>Group 4: Christopher Williams, Eric Farrell, Justin Ying, Francisco J. Perez </a:t>
             </a:r>
           </a:p>
         </p:txBody>
@@ -3454,7 +3463,7 @@
           <p:cNvPr id="2" name="Title 1">
             <a:extLst>
               <a:ext uri="{FF2B5EF4-FFF2-40B4-BE49-F238E27FC236}">
-                <a16:creationId xmlns:a16="http://schemas.microsoft.com/office/drawing/2014/main" id="{BDF7CB9F-FC86-41D6-A508-C8909CB85B37}"/>
+                <a16:creationId xmlns:a16="http://schemas.microsoft.com/office/drawing/2014/main" id="{D1D6093A-B5E7-4EE0-974B-A4F21F6C6838}"/>
               </a:ext>
             </a:extLst>
           </p:cNvPr>
@@ -3472,7 +3481,7 @@
           <a:p>
             <a:r>
               <a:rPr lang="en-US" dirty="0"/>
-              <a:t>Introduction</a:t>
+              <a:t>Table of contents.</a:t>
             </a:r>
           </a:p>
         </p:txBody>
@@ -3482,7 +3491,7 @@
           <p:cNvPr id="3" name="Content Placeholder 2">
             <a:extLst>
               <a:ext uri="{FF2B5EF4-FFF2-40B4-BE49-F238E27FC236}">
-                <a16:creationId xmlns:a16="http://schemas.microsoft.com/office/drawing/2014/main" id="{49BBDD05-379B-476E-ADF1-FFE68B7EC2C0}"/>
+                <a16:creationId xmlns:a16="http://schemas.microsoft.com/office/drawing/2014/main" id="{02E95412-8A63-48E2-9A05-BAB35BD788FB}"/>
               </a:ext>
             </a:extLst>
           </p:cNvPr>
@@ -3495,152 +3504,78 @@
         </p:nvSpPr>
         <p:spPr/>
         <p:txBody>
-          <a:bodyPr>
-            <a:normAutofit fontScale="92500" lnSpcReduction="20000"/>
-          </a:bodyPr>
-          <a:lstStyle/>
-          <a:p>
-            <a:r>
-              <a:rPr lang="en-US" sz="1600" dirty="0"/>
-              <a:t>Hypothesis: We believe the density of restaurants/bars around stadiums are greater than in other parts of the city.</a:t>
-            </a:r>
-          </a:p>
-          <a:p>
-            <a:r>
-              <a:rPr lang="en-US" sz="1600" dirty="0"/>
-              <a:t>Data source:</a:t>
-            </a:r>
-          </a:p>
-          <a:p>
-            <a:pPr lvl="1"/>
-            <a:r>
-              <a:rPr lang="en-US" sz="1400" dirty="0"/>
-              <a:t>{Wikipedia} NFL stadiums locations.</a:t>
-            </a:r>
-          </a:p>
-          <a:p>
-            <a:pPr lvl="1"/>
-            <a:r>
-              <a:rPr lang="en-US" sz="1400" dirty="0"/>
-              <a:t>{Yelp API} bars &amp; restaurants.</a:t>
-            </a:r>
-          </a:p>
-          <a:p>
-            <a:pPr lvl="1"/>
-            <a:r>
-              <a:rPr lang="en-US" sz="1400" dirty="0"/>
-              <a:t>{</a:t>
-            </a:r>
-            <a:r>
-              <a:rPr lang="en-US" sz="1400" dirty="0">
-                <a:hlinkClick r:id="rId2"/>
-              </a:rPr>
-              <a:t>CSV</a:t>
-            </a:r>
-            <a:r>
-              <a:rPr lang="en-US" sz="1400" dirty="0"/>
-              <a:t>} US cities dataset.</a:t>
-            </a:r>
-          </a:p>
-          <a:p>
-            <a:r>
-              <a:rPr lang="en-US" sz="1600" dirty="0"/>
-              <a:t>Questions:</a:t>
-            </a:r>
-          </a:p>
-          <a:p>
-            <a:pPr lvl="1"/>
-            <a:r>
-              <a:rPr lang="en-US" sz="1400" dirty="0"/>
-              <a:t>How many restaurants (restaurants types, number of restaurants, etc.) are around the stadiums?</a:t>
-            </a:r>
-          </a:p>
-          <a:p>
-            <a:pPr lvl="1"/>
-            <a:r>
-              <a:rPr lang="en-US" sz="1400" dirty="0"/>
-              <a:t>How the restaurants (number, type, price, etc.) differ between cities?</a:t>
-            </a:r>
-          </a:p>
-          <a:p>
-            <a:pPr lvl="1"/>
-            <a:r>
-              <a:rPr lang="en-US" sz="1400" dirty="0"/>
-              <a:t>How the restaurants reviews compare before game day to the after game day?</a:t>
-            </a:r>
-          </a:p>
-          <a:p>
-            <a:pPr lvl="1"/>
-            <a:r>
-              <a:rPr lang="en-US" sz="1400" dirty="0"/>
-              <a:t>Are restaurants/bars around stadiums more expensive in more populated cities (note: consider income)?</a:t>
-            </a:r>
-          </a:p>
-          <a:p>
-            <a:pPr lvl="1"/>
-            <a:r>
-              <a:rPr lang="en-US" sz="1400" dirty="0"/>
-              <a:t>How do restaurants/bars score in cities with more popular franchises compare to less popular ones?</a:t>
-            </a:r>
-          </a:p>
-          <a:p>
-            <a:pPr marL="457200" lvl="1" indent="0">
-              <a:buNone/>
+          <a:bodyPr/>
+          <a:lstStyle/>
+          <a:p>
+            <a:pPr marL="571500" indent="-571500">
+              <a:buFont typeface="+mj-lt"/>
+              <a:buAutoNum type="romanUcPeriod"/>
             </a:pPr>
-            <a:endParaRPr lang="en-US" sz="1400" dirty="0"/>
-          </a:p>
-          <a:p>
-            <a:r>
-              <a:rPr lang="en-US" sz="1600" dirty="0"/>
-              <a:t>Analysis:</a:t>
-            </a:r>
-          </a:p>
-          <a:p>
-            <a:pPr lvl="1"/>
-            <a:r>
-              <a:rPr lang="en-US" sz="1400" dirty="0"/>
-              <a:t>Density/type around stadiums per city:</a:t>
-            </a:r>
-          </a:p>
-          <a:p>
-            <a:pPr lvl="2"/>
-            <a:r>
-              <a:rPr lang="en-US" sz="1200" dirty="0"/>
-              <a:t>Compare density/type around stadiums vs density per city.</a:t>
-            </a:r>
-          </a:p>
-          <a:p>
-            <a:pPr lvl="2"/>
-            <a:r>
-              <a:rPr lang="en-US" sz="1200" dirty="0"/>
-              <a:t>Compare density/type around stadiums between cities (normalized by population, income, etc.)</a:t>
-            </a:r>
-          </a:p>
-          <a:p>
-            <a:pPr lvl="1"/>
-            <a:r>
-              <a:rPr lang="en-US" sz="1400" dirty="0"/>
-              <a:t> Restaurant prices around stadiums per city:</a:t>
-            </a:r>
-          </a:p>
-          <a:p>
-            <a:pPr lvl="2"/>
-            <a:r>
-              <a:rPr lang="en-US" sz="1200" dirty="0"/>
-              <a:t>Compare prices around stadiums vs rest of the city (per city)</a:t>
-            </a:r>
-          </a:p>
-          <a:p>
-            <a:pPr lvl="2"/>
-            <a:r>
-              <a:rPr lang="en-US" sz="1200" dirty="0"/>
-              <a:t>Compare prices around stadiums by city (normalized by population, income, etc.)</a:t>
-            </a:r>
-          </a:p>
-          <a:p>
-            <a:pPr marL="914400" lvl="2" indent="0">
-              <a:buNone/>
+            <a:r>
+              <a:rPr lang="en-US" dirty="0"/>
+              <a:t>Introduction.</a:t>
+            </a:r>
+          </a:p>
+          <a:p>
+            <a:pPr marL="571500" indent="-571500">
+              <a:buFont typeface="+mj-lt"/>
+              <a:buAutoNum type="romanUcPeriod"/>
             </a:pPr>
+            <a:r>
+              <a:rPr lang="en-US" dirty="0"/>
+              <a:t>Data request and coding challenges.</a:t>
+            </a:r>
+          </a:p>
+          <a:p>
+            <a:pPr marL="571500" indent="-571500">
+              <a:buFont typeface="+mj-lt"/>
+              <a:buAutoNum type="romanUcPeriod"/>
+            </a:pPr>
+            <a:r>
+              <a:rPr lang="en-US" dirty="0"/>
+              <a:t>Restaurant analysis in 2 miles radius around the Stadiums.</a:t>
+            </a:r>
+          </a:p>
+          <a:p>
+            <a:pPr marL="571500" indent="-571500">
+              <a:buFont typeface="+mj-lt"/>
+              <a:buAutoNum type="romanUcPeriod"/>
+            </a:pPr>
+            <a:r>
+              <a:rPr lang="en-US" dirty="0"/>
+              <a:t>Restaurant analysis before and after game day.</a:t>
+            </a:r>
+          </a:p>
+          <a:p>
+            <a:pPr marL="571500" indent="-571500">
+              <a:buFont typeface="+mj-lt"/>
+              <a:buAutoNum type="romanUcPeriod"/>
+            </a:pPr>
+            <a:r>
+              <a:rPr lang="en-US" dirty="0"/>
+              <a:t>Restaurants in most popular cities in the US vs most and least popular NFL teams.</a:t>
+            </a:r>
+          </a:p>
+          <a:p>
+            <a:pPr marL="571500" indent="-571500">
+              <a:buFont typeface="+mj-lt"/>
+              <a:buAutoNum type="romanUcPeriod"/>
+            </a:pPr>
+            <a:r>
+              <a:rPr lang="en-US" dirty="0"/>
+              <a:t>Team.</a:t>
+            </a:r>
+          </a:p>
+          <a:p>
+            <a:endParaRPr lang="en-US" dirty="0"/>
+          </a:p>
+          <a:p>
+            <a:endParaRPr lang="en-US" dirty="0"/>
+          </a:p>
+          <a:p>
+            <a:endParaRPr lang="en-US" dirty="0"/>
+          </a:p>
+          <a:p>
             <a:endParaRPr lang="en-US" dirty="0"/>
           </a:p>
           <a:p>
@@ -3651,7 +3586,7 @@
     </p:spTree>
     <p:extLst>
       <p:ext uri="{BB962C8B-B14F-4D97-AF65-F5344CB8AC3E}">
-        <p14:creationId xmlns:p14="http://schemas.microsoft.com/office/powerpoint/2010/main" val="1658508770"/>
+        <p14:creationId xmlns:p14="http://schemas.microsoft.com/office/powerpoint/2010/main" val="692838755"/>
       </p:ext>
     </p:extLst>
   </p:cSld>
@@ -3683,6 +3618,579 @@
           <p:cNvPr id="2" name="Title 1">
             <a:extLst>
               <a:ext uri="{FF2B5EF4-FFF2-40B4-BE49-F238E27FC236}">
+                <a16:creationId xmlns:a16="http://schemas.microsoft.com/office/drawing/2014/main" id="{BDF7CB9F-FC86-41D6-A508-C8909CB85B37}"/>
+              </a:ext>
+            </a:extLst>
+          </p:cNvPr>
+          <p:cNvSpPr>
+            <a:spLocks noGrp="1"/>
+          </p:cNvSpPr>
+          <p:nvPr>
+            <p:ph type="title"/>
+          </p:nvPr>
+        </p:nvSpPr>
+        <p:spPr/>
+        <p:txBody>
+          <a:bodyPr>
+            <a:normAutofit/>
+          </a:bodyPr>
+          <a:lstStyle/>
+          <a:p>
+            <a:r>
+              <a:rPr lang="en-US" sz="3200" dirty="0"/>
+              <a:t>I. Introduction.</a:t>
+            </a:r>
+          </a:p>
+        </p:txBody>
+      </p:sp>
+      <p:sp>
+        <p:nvSpPr>
+          <p:cNvPr id="3" name="Content Placeholder 2">
+            <a:extLst>
+              <a:ext uri="{FF2B5EF4-FFF2-40B4-BE49-F238E27FC236}">
+                <a16:creationId xmlns:a16="http://schemas.microsoft.com/office/drawing/2014/main" id="{49BBDD05-379B-476E-ADF1-FFE68B7EC2C0}"/>
+              </a:ext>
+            </a:extLst>
+          </p:cNvPr>
+          <p:cNvSpPr>
+            <a:spLocks noGrp="1"/>
+          </p:cNvSpPr>
+          <p:nvPr>
+            <p:ph idx="1"/>
+          </p:nvPr>
+        </p:nvSpPr>
+        <p:spPr/>
+        <p:txBody>
+          <a:bodyPr>
+            <a:normAutofit lnSpcReduction="10000"/>
+          </a:bodyPr>
+          <a:lstStyle/>
+          <a:p>
+            <a:r>
+              <a:rPr lang="en-US" sz="1600" dirty="0"/>
+              <a:t>Hypothesis: We believe the density of restaurants/bars around stadiums amount to a significant percentage of the total restaurants of the country (Justin).</a:t>
+            </a:r>
+          </a:p>
+          <a:p>
+            <a:r>
+              <a:rPr lang="en-US" sz="1600" dirty="0"/>
+              <a:t>Data source:</a:t>
+            </a:r>
+          </a:p>
+          <a:p>
+            <a:pPr lvl="1"/>
+            <a:r>
+              <a:rPr lang="en-US" sz="1400" dirty="0"/>
+              <a:t>{Wikipedia} NFL stadiums locations.</a:t>
+            </a:r>
+          </a:p>
+          <a:p>
+            <a:pPr lvl="1"/>
+            <a:r>
+              <a:rPr lang="en-US" sz="1400" dirty="0"/>
+              <a:t>{Yelp API} bars &amp; restaurants.</a:t>
+            </a:r>
+          </a:p>
+          <a:p>
+            <a:pPr lvl="1"/>
+            <a:r>
+              <a:rPr lang="en-US" sz="1400" dirty="0"/>
+              <a:t>{</a:t>
+            </a:r>
+            <a:r>
+              <a:rPr lang="en-US" sz="1400" dirty="0">
+                <a:hlinkClick r:id="rId2"/>
+              </a:rPr>
+              <a:t>CSV</a:t>
+            </a:r>
+            <a:r>
+              <a:rPr lang="en-US" sz="1400" dirty="0"/>
+              <a:t>} US cities dataset.</a:t>
+            </a:r>
+          </a:p>
+          <a:p>
+            <a:r>
+              <a:rPr lang="en-US" sz="1600" dirty="0"/>
+              <a:t>Questions:</a:t>
+            </a:r>
+          </a:p>
+          <a:p>
+            <a:pPr marL="800100" lvl="1" indent="-342900">
+              <a:buFont typeface="+mj-lt"/>
+              <a:buAutoNum type="arabicPeriod"/>
+            </a:pPr>
+            <a:r>
+              <a:rPr lang="en-US" sz="1400" dirty="0"/>
+              <a:t>How many restaurants in a 3000 meters radius (approx.. 2 miles) are around the stadiums? – Justin (heatmap) plots</a:t>
+            </a:r>
+          </a:p>
+          <a:p>
+            <a:pPr marL="800100" lvl="1" indent="-342900">
+              <a:buFont typeface="+mj-lt"/>
+              <a:buAutoNum type="arabicPeriod"/>
+            </a:pPr>
+            <a:r>
+              <a:rPr lang="en-US" sz="1400" dirty="0"/>
+              <a:t>How the restaurants (number, type, price, etc.) differ between cities? –Chris plots</a:t>
+            </a:r>
+          </a:p>
+          <a:p>
+            <a:pPr marL="800100" lvl="1" indent="-342900">
+              <a:buFont typeface="+mj-lt"/>
+              <a:buAutoNum type="arabicPeriod"/>
+            </a:pPr>
+            <a:r>
+              <a:rPr lang="en-US" sz="1400" dirty="0"/>
+              <a:t>How the restaurants reviews compare before game day to the after game day? – Chris </a:t>
+            </a:r>
+          </a:p>
+          <a:p>
+            <a:pPr marL="800100" lvl="1" indent="-342900">
+              <a:buFont typeface="+mj-lt"/>
+              <a:buAutoNum type="arabicPeriod"/>
+            </a:pPr>
+            <a:r>
+              <a:rPr lang="en-US" sz="1400" dirty="0"/>
+              <a:t>Are restaurants/bars around stadiums more expensive in more populated cities? - ?</a:t>
+            </a:r>
+          </a:p>
+          <a:p>
+            <a:pPr marL="800100" lvl="1" indent="-342900">
+              <a:buFont typeface="+mj-lt"/>
+              <a:buAutoNum type="arabicPeriod"/>
+            </a:pPr>
+            <a:r>
+              <a:rPr lang="en-US" sz="1400" dirty="0"/>
+              <a:t>How do restaurants/bars score in cities with more popular franchises compare to less popular ones? – Eric</a:t>
+            </a:r>
+          </a:p>
+          <a:p>
+            <a:pPr lvl="2"/>
+            <a:r>
+              <a:rPr lang="en-US" sz="1400" dirty="0"/>
+              <a:t>Compare restaurants’ ratings between most popular cities (NY, Chicago, Las Vegas, Seattle, San Francisco)</a:t>
+            </a:r>
+          </a:p>
+          <a:p>
+            <a:pPr lvl="2"/>
+            <a:r>
+              <a:rPr lang="en-US" sz="1400" dirty="0"/>
+              <a:t>Compare restaurants’ ratings of cities with the most popular teams (Dallas Cowboys, New England Patriots, Pittsburgh Steelers, Green Bay Packers, Seattle Seahawks</a:t>
+            </a:r>
+          </a:p>
+          <a:p>
+            <a:pPr lvl="2"/>
+            <a:r>
+              <a:rPr lang="en-US" sz="1400" dirty="0"/>
+              <a:t>Compare restaurants’ ratings of cities with the least popular teams (Jacksonville Jaguars, Tampa Bay Buccaneers, Tennessee Titans, Cincinnati Bengals, Buffalo Bills)</a:t>
+            </a:r>
+          </a:p>
+          <a:p>
+            <a:pPr marL="914400" lvl="2" indent="0">
+              <a:buNone/>
+            </a:pPr>
+            <a:endParaRPr lang="en-US" dirty="0"/>
+          </a:p>
+          <a:p>
+            <a:endParaRPr lang="en-US" dirty="0"/>
+          </a:p>
+        </p:txBody>
+      </p:sp>
+    </p:spTree>
+    <p:extLst>
+      <p:ext uri="{BB962C8B-B14F-4D97-AF65-F5344CB8AC3E}">
+        <p14:creationId xmlns:p14="http://schemas.microsoft.com/office/powerpoint/2010/main" val="1658508770"/>
+      </p:ext>
+    </p:extLst>
+  </p:cSld>
+  <p:clrMapOvr>
+    <a:masterClrMapping/>
+  </p:clrMapOvr>
+</p:sld>
+</file>
+
+<file path=ppt/slides/slide4.xml><?xml version="1.0" encoding="utf-8"?>
+<p:sld xmlns:a="http://schemas.openxmlformats.org/drawingml/2006/main" xmlns:r="http://schemas.openxmlformats.org/officeDocument/2006/relationships" xmlns:p="http://schemas.openxmlformats.org/presentationml/2006/main">
+  <p:cSld>
+    <p:spTree>
+      <p:nvGrpSpPr>
+        <p:cNvPr id="1" name=""/>
+        <p:cNvGrpSpPr/>
+        <p:nvPr/>
+      </p:nvGrpSpPr>
+      <p:grpSpPr>
+        <a:xfrm>
+          <a:off x="0" y="0"/>
+          <a:ext cx="0" cy="0"/>
+          <a:chOff x="0" y="0"/>
+          <a:chExt cx="0" cy="0"/>
+        </a:xfrm>
+      </p:grpSpPr>
+      <p:sp>
+        <p:nvSpPr>
+          <p:cNvPr id="2" name="Title 1">
+            <a:extLst>
+              <a:ext uri="{FF2B5EF4-FFF2-40B4-BE49-F238E27FC236}">
+                <a16:creationId xmlns:a16="http://schemas.microsoft.com/office/drawing/2014/main" id="{E463C399-5906-42EC-882D-53521017C73D}"/>
+              </a:ext>
+            </a:extLst>
+          </p:cNvPr>
+          <p:cNvSpPr>
+            <a:spLocks noGrp="1"/>
+          </p:cNvSpPr>
+          <p:nvPr>
+            <p:ph type="title"/>
+          </p:nvPr>
+        </p:nvSpPr>
+        <p:spPr/>
+        <p:txBody>
+          <a:bodyPr>
+            <a:normAutofit/>
+          </a:bodyPr>
+          <a:lstStyle/>
+          <a:p>
+            <a:r>
+              <a:rPr lang="en-US" sz="3200" dirty="0"/>
+              <a:t>II. Data request and coding challenges.</a:t>
+            </a:r>
+          </a:p>
+        </p:txBody>
+      </p:sp>
+      <p:sp>
+        <p:nvSpPr>
+          <p:cNvPr id="3" name="Content Placeholder 2">
+            <a:extLst>
+              <a:ext uri="{FF2B5EF4-FFF2-40B4-BE49-F238E27FC236}">
+                <a16:creationId xmlns:a16="http://schemas.microsoft.com/office/drawing/2014/main" id="{8E146982-C493-49CE-8C32-6B0A7B2EE790}"/>
+              </a:ext>
+            </a:extLst>
+          </p:cNvPr>
+          <p:cNvSpPr>
+            <a:spLocks noGrp="1"/>
+          </p:cNvSpPr>
+          <p:nvPr>
+            <p:ph idx="1"/>
+          </p:nvPr>
+        </p:nvSpPr>
+        <p:spPr/>
+        <p:txBody>
+          <a:bodyPr/>
+          <a:lstStyle/>
+          <a:p>
+            <a:r>
+              <a:rPr lang="en-US" dirty="0"/>
+              <a:t>Javier</a:t>
+            </a:r>
+          </a:p>
+        </p:txBody>
+      </p:sp>
+    </p:spTree>
+    <p:extLst>
+      <p:ext uri="{BB962C8B-B14F-4D97-AF65-F5344CB8AC3E}">
+        <p14:creationId xmlns:p14="http://schemas.microsoft.com/office/powerpoint/2010/main" val="2920566430"/>
+      </p:ext>
+    </p:extLst>
+  </p:cSld>
+  <p:clrMapOvr>
+    <a:masterClrMapping/>
+  </p:clrMapOvr>
+</p:sld>
+</file>
+
+<file path=ppt/slides/slide5.xml><?xml version="1.0" encoding="utf-8"?>
+<p:sld xmlns:a="http://schemas.openxmlformats.org/drawingml/2006/main" xmlns:r="http://schemas.openxmlformats.org/officeDocument/2006/relationships" xmlns:p="http://schemas.openxmlformats.org/presentationml/2006/main">
+  <p:cSld>
+    <p:spTree>
+      <p:nvGrpSpPr>
+        <p:cNvPr id="1" name=""/>
+        <p:cNvGrpSpPr/>
+        <p:nvPr/>
+      </p:nvGrpSpPr>
+      <p:grpSpPr>
+        <a:xfrm>
+          <a:off x="0" y="0"/>
+          <a:ext cx="0" cy="0"/>
+          <a:chOff x="0" y="0"/>
+          <a:chExt cx="0" cy="0"/>
+        </a:xfrm>
+      </p:grpSpPr>
+      <p:sp>
+        <p:nvSpPr>
+          <p:cNvPr id="2" name="Title 1">
+            <a:extLst>
+              <a:ext uri="{FF2B5EF4-FFF2-40B4-BE49-F238E27FC236}">
+                <a16:creationId xmlns:a16="http://schemas.microsoft.com/office/drawing/2014/main" id="{E463C399-5906-42EC-882D-53521017C73D}"/>
+              </a:ext>
+            </a:extLst>
+          </p:cNvPr>
+          <p:cNvSpPr>
+            <a:spLocks noGrp="1"/>
+          </p:cNvSpPr>
+          <p:nvPr>
+            <p:ph type="title"/>
+          </p:nvPr>
+        </p:nvSpPr>
+        <p:spPr/>
+        <p:txBody>
+          <a:bodyPr>
+            <a:normAutofit fontScale="90000"/>
+          </a:bodyPr>
+          <a:lstStyle/>
+          <a:p>
+            <a:r>
+              <a:rPr lang="en-US" sz="3600" dirty="0"/>
+              <a:t>III. Restaurant analysis in 2 miles radius around the Stadiums.</a:t>
+            </a:r>
+            <a:br>
+              <a:rPr lang="en-US" dirty="0"/>
+            </a:br>
+            <a:endParaRPr lang="en-US" dirty="0"/>
+          </a:p>
+        </p:txBody>
+      </p:sp>
+      <p:sp>
+        <p:nvSpPr>
+          <p:cNvPr id="3" name="Content Placeholder 2">
+            <a:extLst>
+              <a:ext uri="{FF2B5EF4-FFF2-40B4-BE49-F238E27FC236}">
+                <a16:creationId xmlns:a16="http://schemas.microsoft.com/office/drawing/2014/main" id="{8E146982-C493-49CE-8C32-6B0A7B2EE790}"/>
+              </a:ext>
+            </a:extLst>
+          </p:cNvPr>
+          <p:cNvSpPr>
+            <a:spLocks noGrp="1"/>
+          </p:cNvSpPr>
+          <p:nvPr>
+            <p:ph idx="1"/>
+          </p:nvPr>
+        </p:nvSpPr>
+        <p:spPr/>
+        <p:txBody>
+          <a:bodyPr/>
+          <a:lstStyle/>
+          <a:p>
+            <a:r>
+              <a:rPr lang="en-US" dirty="0"/>
+              <a:t>Justin</a:t>
+            </a:r>
+          </a:p>
+        </p:txBody>
+      </p:sp>
+    </p:spTree>
+    <p:extLst>
+      <p:ext uri="{BB962C8B-B14F-4D97-AF65-F5344CB8AC3E}">
+        <p14:creationId xmlns:p14="http://schemas.microsoft.com/office/powerpoint/2010/main" val="4032917355"/>
+      </p:ext>
+    </p:extLst>
+  </p:cSld>
+  <p:clrMapOvr>
+    <a:masterClrMapping/>
+  </p:clrMapOvr>
+</p:sld>
+</file>
+
+<file path=ppt/slides/slide6.xml><?xml version="1.0" encoding="utf-8"?>
+<p:sld xmlns:a="http://schemas.openxmlformats.org/drawingml/2006/main" xmlns:r="http://schemas.openxmlformats.org/officeDocument/2006/relationships" xmlns:p="http://schemas.openxmlformats.org/presentationml/2006/main">
+  <p:cSld>
+    <p:spTree>
+      <p:nvGrpSpPr>
+        <p:cNvPr id="1" name=""/>
+        <p:cNvGrpSpPr/>
+        <p:nvPr/>
+      </p:nvGrpSpPr>
+      <p:grpSpPr>
+        <a:xfrm>
+          <a:off x="0" y="0"/>
+          <a:ext cx="0" cy="0"/>
+          <a:chOff x="0" y="0"/>
+          <a:chExt cx="0" cy="0"/>
+        </a:xfrm>
+      </p:grpSpPr>
+      <p:sp>
+        <p:nvSpPr>
+          <p:cNvPr id="2" name="Title 1">
+            <a:extLst>
+              <a:ext uri="{FF2B5EF4-FFF2-40B4-BE49-F238E27FC236}">
+                <a16:creationId xmlns:a16="http://schemas.microsoft.com/office/drawing/2014/main" id="{E463C399-5906-42EC-882D-53521017C73D}"/>
+              </a:ext>
+            </a:extLst>
+          </p:cNvPr>
+          <p:cNvSpPr>
+            <a:spLocks noGrp="1"/>
+          </p:cNvSpPr>
+          <p:nvPr>
+            <p:ph type="title"/>
+          </p:nvPr>
+        </p:nvSpPr>
+        <p:spPr/>
+        <p:txBody>
+          <a:bodyPr>
+            <a:normAutofit/>
+          </a:bodyPr>
+          <a:lstStyle/>
+          <a:p>
+            <a:r>
+              <a:rPr lang="en-US" sz="3200" dirty="0"/>
+              <a:t>IV. Restaurant analysis before and after game day.</a:t>
+            </a:r>
+          </a:p>
+        </p:txBody>
+      </p:sp>
+      <p:sp>
+        <p:nvSpPr>
+          <p:cNvPr id="3" name="Content Placeholder 2">
+            <a:extLst>
+              <a:ext uri="{FF2B5EF4-FFF2-40B4-BE49-F238E27FC236}">
+                <a16:creationId xmlns:a16="http://schemas.microsoft.com/office/drawing/2014/main" id="{8E146982-C493-49CE-8C32-6B0A7B2EE790}"/>
+              </a:ext>
+            </a:extLst>
+          </p:cNvPr>
+          <p:cNvSpPr>
+            <a:spLocks noGrp="1"/>
+          </p:cNvSpPr>
+          <p:nvPr>
+            <p:ph idx="1"/>
+          </p:nvPr>
+        </p:nvSpPr>
+        <p:spPr/>
+        <p:txBody>
+          <a:bodyPr/>
+          <a:lstStyle/>
+          <a:p>
+            <a:r>
+              <a:rPr lang="en-US" dirty="0"/>
+              <a:t>Chris</a:t>
+            </a:r>
+          </a:p>
+        </p:txBody>
+      </p:sp>
+    </p:spTree>
+    <p:extLst>
+      <p:ext uri="{BB962C8B-B14F-4D97-AF65-F5344CB8AC3E}">
+        <p14:creationId xmlns:p14="http://schemas.microsoft.com/office/powerpoint/2010/main" val="2019740083"/>
+      </p:ext>
+    </p:extLst>
+  </p:cSld>
+  <p:clrMapOvr>
+    <a:masterClrMapping/>
+  </p:clrMapOvr>
+</p:sld>
+</file>
+
+<file path=ppt/slides/slide7.xml><?xml version="1.0" encoding="utf-8"?>
+<p:sld xmlns:a="http://schemas.openxmlformats.org/drawingml/2006/main" xmlns:r="http://schemas.openxmlformats.org/officeDocument/2006/relationships" xmlns:p="http://schemas.openxmlformats.org/presentationml/2006/main">
+  <p:cSld>
+    <p:spTree>
+      <p:nvGrpSpPr>
+        <p:cNvPr id="1" name=""/>
+        <p:cNvGrpSpPr/>
+        <p:nvPr/>
+      </p:nvGrpSpPr>
+      <p:grpSpPr>
+        <a:xfrm>
+          <a:off x="0" y="0"/>
+          <a:ext cx="0" cy="0"/>
+          <a:chOff x="0" y="0"/>
+          <a:chExt cx="0" cy="0"/>
+        </a:xfrm>
+      </p:grpSpPr>
+      <p:sp>
+        <p:nvSpPr>
+          <p:cNvPr id="2" name="Title 1">
+            <a:extLst>
+              <a:ext uri="{FF2B5EF4-FFF2-40B4-BE49-F238E27FC236}">
+                <a16:creationId xmlns:a16="http://schemas.microsoft.com/office/drawing/2014/main" id="{E463C399-5906-42EC-882D-53521017C73D}"/>
+              </a:ext>
+            </a:extLst>
+          </p:cNvPr>
+          <p:cNvSpPr>
+            <a:spLocks noGrp="1"/>
+          </p:cNvSpPr>
+          <p:nvPr>
+            <p:ph type="title"/>
+          </p:nvPr>
+        </p:nvSpPr>
+        <p:spPr/>
+        <p:txBody>
+          <a:bodyPr>
+            <a:normAutofit fontScale="90000"/>
+          </a:bodyPr>
+          <a:lstStyle/>
+          <a:p>
+            <a:r>
+              <a:rPr lang="en-US" sz="3600" dirty="0"/>
+              <a:t>V. Restaurants in most popular cities in the US vs most and least popular NFL teams.</a:t>
+            </a:r>
+            <a:br>
+              <a:rPr lang="en-US" dirty="0"/>
+            </a:br>
+            <a:endParaRPr lang="en-US" dirty="0"/>
+          </a:p>
+        </p:txBody>
+      </p:sp>
+      <p:sp>
+        <p:nvSpPr>
+          <p:cNvPr id="3" name="Content Placeholder 2">
+            <a:extLst>
+              <a:ext uri="{FF2B5EF4-FFF2-40B4-BE49-F238E27FC236}">
+                <a16:creationId xmlns:a16="http://schemas.microsoft.com/office/drawing/2014/main" id="{8E146982-C493-49CE-8C32-6B0A7B2EE790}"/>
+              </a:ext>
+            </a:extLst>
+          </p:cNvPr>
+          <p:cNvSpPr>
+            <a:spLocks noGrp="1"/>
+          </p:cNvSpPr>
+          <p:nvPr>
+            <p:ph idx="1"/>
+          </p:nvPr>
+        </p:nvSpPr>
+        <p:spPr/>
+        <p:txBody>
+          <a:bodyPr/>
+          <a:lstStyle/>
+          <a:p>
+            <a:r>
+              <a:rPr lang="en-US" dirty="0"/>
+              <a:t>Eric</a:t>
+            </a:r>
+          </a:p>
+        </p:txBody>
+      </p:sp>
+    </p:spTree>
+    <p:extLst>
+      <p:ext uri="{BB962C8B-B14F-4D97-AF65-F5344CB8AC3E}">
+        <p14:creationId xmlns:p14="http://schemas.microsoft.com/office/powerpoint/2010/main" val="3650911623"/>
+      </p:ext>
+    </p:extLst>
+  </p:cSld>
+  <p:clrMapOvr>
+    <a:masterClrMapping/>
+  </p:clrMapOvr>
+</p:sld>
+</file>
+
+<file path=ppt/slides/slide8.xml><?xml version="1.0" encoding="utf-8"?>
+<p:sld xmlns:a="http://schemas.openxmlformats.org/drawingml/2006/main" xmlns:r="http://schemas.openxmlformats.org/officeDocument/2006/relationships" xmlns:p="http://schemas.openxmlformats.org/presentationml/2006/main">
+  <p:cSld>
+    <p:spTree>
+      <p:nvGrpSpPr>
+        <p:cNvPr id="1" name=""/>
+        <p:cNvGrpSpPr/>
+        <p:nvPr/>
+      </p:nvGrpSpPr>
+      <p:grpSpPr>
+        <a:xfrm>
+          <a:off x="0" y="0"/>
+          <a:ext cx="0" cy="0"/>
+          <a:chOff x="0" y="0"/>
+          <a:chExt cx="0" cy="0"/>
+        </a:xfrm>
+      </p:grpSpPr>
+      <p:sp>
+        <p:nvSpPr>
+          <p:cNvPr id="2" name="Title 1">
+            <a:extLst>
+              <a:ext uri="{FF2B5EF4-FFF2-40B4-BE49-F238E27FC236}">
                 <a16:creationId xmlns:a16="http://schemas.microsoft.com/office/drawing/2014/main" id="{1528E662-6DCC-4221-AF6F-1AA9AEB3BDAB}"/>
               </a:ext>
             </a:extLst>
@@ -3729,38 +4237,32 @@
           <a:p>
             <a:r>
               <a:rPr lang="en-US" dirty="0"/>
-              <a:t>Chris: Gatekeeper, Yelp API (request data from Yelp)</a:t>
+              <a:t>Javier: Gatekeeper, Yelp API (code request, clean and format data, statistics output)</a:t>
             </a:r>
           </a:p>
           <a:p>
             <a:r>
               <a:rPr lang="en-US" dirty="0"/>
-              <a:t>Eric: retrieve and clean data</a:t>
+              <a:t>Eric: plotting categories data, question 5.</a:t>
             </a:r>
           </a:p>
           <a:p>
             <a:r>
               <a:rPr lang="en-US" dirty="0"/>
-              <a:t>Justin: analysis </a:t>
+              <a:t>Justin: plotting summary, question 1.</a:t>
             </a:r>
           </a:p>
           <a:p>
             <a:r>
               <a:rPr lang="en-US" dirty="0"/>
-              <a:t>Javier: plotting</a:t>
-            </a:r>
-          </a:p>
-          <a:p>
+              <a:t>Chris: plotting Saturday &amp; Monday data, questions 2 &amp; 3</a:t>
+            </a:r>
+          </a:p>
+          <a:p>
+            <a:pPr marL="0" indent="0">
+              <a:buNone/>
+            </a:pPr>
             <a:endParaRPr lang="en-US" dirty="0"/>
-          </a:p>
-          <a:p>
-            <a:pPr marL="0" indent="0">
-              <a:buNone/>
-            </a:pPr>
-            <a:r>
-              <a:rPr lang="en-US" dirty="0"/>
-              <a:t>Note: all team members will be involved in all aspects of the project.</a:t>
-            </a:r>
           </a:p>
         </p:txBody>
       </p:sp>

--- a/Presentation/Team_4-Restaurant_Density_Analysis..pptx
+++ b/Presentation/Team_4-Restaurant_Density_Analysis..pptx
@@ -8,11 +8,17 @@
     <p:sldId id="256" r:id="rId2"/>
     <p:sldId id="259" r:id="rId3"/>
     <p:sldId id="257" r:id="rId4"/>
-    <p:sldId id="260" r:id="rId5"/>
-    <p:sldId id="261" r:id="rId6"/>
-    <p:sldId id="262" r:id="rId7"/>
-    <p:sldId id="263" r:id="rId8"/>
-    <p:sldId id="258" r:id="rId9"/>
+    <p:sldId id="272" r:id="rId5"/>
+    <p:sldId id="266" r:id="rId6"/>
+    <p:sldId id="267" r:id="rId7"/>
+    <p:sldId id="260" r:id="rId8"/>
+    <p:sldId id="261" r:id="rId9"/>
+    <p:sldId id="262" r:id="rId10"/>
+    <p:sldId id="268" r:id="rId11"/>
+    <p:sldId id="269" r:id="rId12"/>
+    <p:sldId id="270" r:id="rId13"/>
+    <p:sldId id="271" r:id="rId14"/>
+    <p:sldId id="258" r:id="rId15"/>
   </p:sldIdLst>
   <p:sldSz cx="12192000" cy="6858000"/>
   <p:notesSz cx="6858000" cy="9144000"/>
@@ -266,7 +272,7 @@
           <a:p>
             <a:fld id="{851CE510-E3F9-40A0-9716-0ED21D197C8A}" type="datetimeFigureOut">
               <a:rPr lang="en-US" smtClean="0"/>
-              <a:t>10/26/2020</a:t>
+              <a:t>10/27/2020</a:t>
             </a:fld>
             <a:endParaRPr lang="en-US"/>
           </a:p>
@@ -464,7 +470,7 @@
           <a:p>
             <a:fld id="{851CE510-E3F9-40A0-9716-0ED21D197C8A}" type="datetimeFigureOut">
               <a:rPr lang="en-US" smtClean="0"/>
-              <a:t>10/26/2020</a:t>
+              <a:t>10/27/2020</a:t>
             </a:fld>
             <a:endParaRPr lang="en-US"/>
           </a:p>
@@ -672,7 +678,7 @@
           <a:p>
             <a:fld id="{851CE510-E3F9-40A0-9716-0ED21D197C8A}" type="datetimeFigureOut">
               <a:rPr lang="en-US" smtClean="0"/>
-              <a:t>10/26/2020</a:t>
+              <a:t>10/27/2020</a:t>
             </a:fld>
             <a:endParaRPr lang="en-US"/>
           </a:p>
@@ -870,7 +876,7 @@
           <a:p>
             <a:fld id="{851CE510-E3F9-40A0-9716-0ED21D197C8A}" type="datetimeFigureOut">
               <a:rPr lang="en-US" smtClean="0"/>
-              <a:t>10/26/2020</a:t>
+              <a:t>10/27/2020</a:t>
             </a:fld>
             <a:endParaRPr lang="en-US"/>
           </a:p>
@@ -1145,7 +1151,7 @@
           <a:p>
             <a:fld id="{851CE510-E3F9-40A0-9716-0ED21D197C8A}" type="datetimeFigureOut">
               <a:rPr lang="en-US" smtClean="0"/>
-              <a:t>10/26/2020</a:t>
+              <a:t>10/27/2020</a:t>
             </a:fld>
             <a:endParaRPr lang="en-US"/>
           </a:p>
@@ -1410,7 +1416,7 @@
           <a:p>
             <a:fld id="{851CE510-E3F9-40A0-9716-0ED21D197C8A}" type="datetimeFigureOut">
               <a:rPr lang="en-US" smtClean="0"/>
-              <a:t>10/26/2020</a:t>
+              <a:t>10/27/2020</a:t>
             </a:fld>
             <a:endParaRPr lang="en-US"/>
           </a:p>
@@ -1822,7 +1828,7 @@
           <a:p>
             <a:fld id="{851CE510-E3F9-40A0-9716-0ED21D197C8A}" type="datetimeFigureOut">
               <a:rPr lang="en-US" smtClean="0"/>
-              <a:t>10/26/2020</a:t>
+              <a:t>10/27/2020</a:t>
             </a:fld>
             <a:endParaRPr lang="en-US"/>
           </a:p>
@@ -1963,7 +1969,7 @@
           <a:p>
             <a:fld id="{851CE510-E3F9-40A0-9716-0ED21D197C8A}" type="datetimeFigureOut">
               <a:rPr lang="en-US" smtClean="0"/>
-              <a:t>10/26/2020</a:t>
+              <a:t>10/27/2020</a:t>
             </a:fld>
             <a:endParaRPr lang="en-US"/>
           </a:p>
@@ -2076,7 +2082,7 @@
           <a:p>
             <a:fld id="{851CE510-E3F9-40A0-9716-0ED21D197C8A}" type="datetimeFigureOut">
               <a:rPr lang="en-US" smtClean="0"/>
-              <a:t>10/26/2020</a:t>
+              <a:t>10/27/2020</a:t>
             </a:fld>
             <a:endParaRPr lang="en-US"/>
           </a:p>
@@ -2387,7 +2393,7 @@
           <a:p>
             <a:fld id="{851CE510-E3F9-40A0-9716-0ED21D197C8A}" type="datetimeFigureOut">
               <a:rPr lang="en-US" smtClean="0"/>
-              <a:t>10/26/2020</a:t>
+              <a:t>10/27/2020</a:t>
             </a:fld>
             <a:endParaRPr lang="en-US"/>
           </a:p>
@@ -2675,7 +2681,7 @@
           <a:p>
             <a:fld id="{851CE510-E3F9-40A0-9716-0ED21D197C8A}" type="datetimeFigureOut">
               <a:rPr lang="en-US" smtClean="0"/>
-              <a:t>10/26/2020</a:t>
+              <a:t>10/27/2020</a:t>
             </a:fld>
             <a:endParaRPr lang="en-US"/>
           </a:p>
@@ -2916,7 +2922,7 @@
           <a:p>
             <a:fld id="{851CE510-E3F9-40A0-9716-0ED21D197C8A}" type="datetimeFigureOut">
               <a:rPr lang="en-US" smtClean="0"/>
-              <a:t>10/26/2020</a:t>
+              <a:t>10/27/2020</a:t>
             </a:fld>
             <a:endParaRPr lang="en-US"/>
           </a:p>
@@ -3441,6 +3447,886 @@
 </p:sld>
 </file>
 
+<file path=ppt/slides/slide10.xml><?xml version="1.0" encoding="utf-8"?>
+<p:sld xmlns:a="http://schemas.openxmlformats.org/drawingml/2006/main" xmlns:r="http://schemas.openxmlformats.org/officeDocument/2006/relationships" xmlns:p="http://schemas.openxmlformats.org/presentationml/2006/main">
+  <p:cSld>
+    <p:spTree>
+      <p:nvGrpSpPr>
+        <p:cNvPr id="1" name=""/>
+        <p:cNvGrpSpPr/>
+        <p:nvPr/>
+      </p:nvGrpSpPr>
+      <p:grpSpPr>
+        <a:xfrm>
+          <a:off x="0" y="0"/>
+          <a:ext cx="0" cy="0"/>
+          <a:chOff x="0" y="0"/>
+          <a:chExt cx="0" cy="0"/>
+        </a:xfrm>
+      </p:grpSpPr>
+      <p:sp>
+        <p:nvSpPr>
+          <p:cNvPr id="2" name="Title 1">
+            <a:extLst>
+              <a:ext uri="{FF2B5EF4-FFF2-40B4-BE49-F238E27FC236}">
+                <a16:creationId xmlns:a16="http://schemas.microsoft.com/office/drawing/2014/main" id="{EA9C3E5B-FBB2-4FF8-89A1-DFFFE4F8FDB9}"/>
+              </a:ext>
+            </a:extLst>
+          </p:cNvPr>
+          <p:cNvSpPr>
+            <a:spLocks noGrp="1"/>
+          </p:cNvSpPr>
+          <p:nvPr>
+            <p:ph type="title"/>
+          </p:nvPr>
+        </p:nvSpPr>
+        <p:spPr>
+          <a:xfrm>
+            <a:off x="838200" y="353850"/>
+            <a:ext cx="10515600" cy="1325563"/>
+          </a:xfrm>
+        </p:spPr>
+        <p:txBody>
+          <a:bodyPr/>
+          <a:lstStyle/>
+          <a:p>
+            <a:r>
+              <a:rPr lang="en-US" dirty="0"/>
+              <a:t>Comparing Restaurants by Team/City Popularity </a:t>
+            </a:r>
+          </a:p>
+        </p:txBody>
+      </p:sp>
+      <p:sp>
+        <p:nvSpPr>
+          <p:cNvPr id="3" name="Content Placeholder 2">
+            <a:extLst>
+              <a:ext uri="{FF2B5EF4-FFF2-40B4-BE49-F238E27FC236}">
+                <a16:creationId xmlns:a16="http://schemas.microsoft.com/office/drawing/2014/main" id="{9561E9F4-9008-4759-AD4A-B766200BA82B}"/>
+              </a:ext>
+            </a:extLst>
+          </p:cNvPr>
+          <p:cNvSpPr>
+            <a:spLocks noGrp="1"/>
+          </p:cNvSpPr>
+          <p:nvPr>
+            <p:ph idx="1"/>
+          </p:nvPr>
+        </p:nvSpPr>
+        <p:spPr>
+          <a:xfrm>
+            <a:off x="838200" y="1825625"/>
+            <a:ext cx="10515600" cy="4202313"/>
+          </a:xfrm>
+        </p:spPr>
+        <p:txBody>
+          <a:bodyPr>
+            <a:normAutofit fontScale="47500" lnSpcReduction="20000"/>
+          </a:bodyPr>
+          <a:lstStyle/>
+          <a:p>
+            <a:r>
+              <a:rPr lang="en-US" dirty="0"/>
+              <a:t>We compared the data pulled from for the most popular NFL franchises among fans, the most popular cities for people to visit that had NFL teams, and then least popular NFL franchises. </a:t>
+            </a:r>
+          </a:p>
+          <a:p>
+            <a:pPr marL="285750" indent="-285750">
+              <a:buFont typeface="Arial" panose="020B0604020202020204" pitchFamily="34" charset="0"/>
+              <a:buChar char="•"/>
+            </a:pPr>
+            <a:r>
+              <a:rPr lang="en-US" dirty="0"/>
+              <a:t>Most Popular Teams:</a:t>
+            </a:r>
+          </a:p>
+          <a:p>
+            <a:pPr marL="742950" lvl="1" indent="-285750">
+              <a:buFont typeface="Arial" panose="020B0604020202020204" pitchFamily="34" charset="0"/>
+              <a:buChar char="•"/>
+            </a:pPr>
+            <a:r>
+              <a:rPr lang="en-US" dirty="0"/>
+              <a:t>Dallas Cowboys</a:t>
+            </a:r>
+          </a:p>
+          <a:p>
+            <a:pPr marL="742950" lvl="1" indent="-285750">
+              <a:buFont typeface="Arial" panose="020B0604020202020204" pitchFamily="34" charset="0"/>
+              <a:buChar char="•"/>
+            </a:pPr>
+            <a:r>
+              <a:rPr lang="en-US" dirty="0"/>
+              <a:t>New England Patriots</a:t>
+            </a:r>
+          </a:p>
+          <a:p>
+            <a:pPr marL="742950" lvl="1" indent="-285750">
+              <a:buFont typeface="Arial" panose="020B0604020202020204" pitchFamily="34" charset="0"/>
+              <a:buChar char="•"/>
+            </a:pPr>
+            <a:r>
+              <a:rPr lang="en-US" dirty="0"/>
+              <a:t>Pittsburgh Steelers</a:t>
+            </a:r>
+          </a:p>
+          <a:p>
+            <a:pPr marL="742950" lvl="1" indent="-285750">
+              <a:buFont typeface="Arial" panose="020B0604020202020204" pitchFamily="34" charset="0"/>
+              <a:buChar char="•"/>
+            </a:pPr>
+            <a:r>
+              <a:rPr lang="en-US" dirty="0"/>
+              <a:t>Green Bay Packers</a:t>
+            </a:r>
+          </a:p>
+          <a:p>
+            <a:pPr marL="742950" lvl="1" indent="-285750">
+              <a:buFont typeface="Arial" panose="020B0604020202020204" pitchFamily="34" charset="0"/>
+              <a:buChar char="•"/>
+            </a:pPr>
+            <a:r>
+              <a:rPr lang="en-US" dirty="0"/>
+              <a:t>Seattle Seahawks</a:t>
+            </a:r>
+          </a:p>
+          <a:p>
+            <a:r>
+              <a:rPr lang="en-US" dirty="0"/>
+              <a:t>Most Popular Cities:</a:t>
+            </a:r>
+          </a:p>
+          <a:p>
+            <a:pPr lvl="1"/>
+            <a:r>
+              <a:rPr lang="en-US" dirty="0"/>
+              <a:t>New York</a:t>
+            </a:r>
+          </a:p>
+          <a:p>
+            <a:pPr lvl="1"/>
+            <a:r>
+              <a:rPr lang="en-US" dirty="0"/>
+              <a:t>Chicago</a:t>
+            </a:r>
+          </a:p>
+          <a:p>
+            <a:pPr lvl="1"/>
+            <a:r>
+              <a:rPr lang="en-US" dirty="0"/>
+              <a:t>Las Vegas</a:t>
+            </a:r>
+          </a:p>
+          <a:p>
+            <a:pPr lvl="1"/>
+            <a:r>
+              <a:rPr lang="en-US" dirty="0"/>
+              <a:t>Seattle</a:t>
+            </a:r>
+          </a:p>
+          <a:p>
+            <a:pPr lvl="1"/>
+            <a:r>
+              <a:rPr lang="en-US" dirty="0"/>
+              <a:t>San Francisco</a:t>
+            </a:r>
+          </a:p>
+          <a:p>
+            <a:r>
+              <a:rPr lang="en-US" dirty="0"/>
+              <a:t>Least Popular Teams:</a:t>
+            </a:r>
+          </a:p>
+          <a:p>
+            <a:pPr lvl="1"/>
+            <a:r>
+              <a:rPr lang="en-US" dirty="0"/>
+              <a:t>Jacksonville Jaguars</a:t>
+            </a:r>
+          </a:p>
+          <a:p>
+            <a:pPr lvl="1"/>
+            <a:r>
+              <a:rPr lang="en-US" dirty="0"/>
+              <a:t>Tampa Bay Buccaneers</a:t>
+            </a:r>
+          </a:p>
+          <a:p>
+            <a:pPr lvl="1"/>
+            <a:r>
+              <a:rPr lang="en-US" dirty="0"/>
+              <a:t>Tennessee Titans</a:t>
+            </a:r>
+          </a:p>
+          <a:p>
+            <a:pPr lvl="1"/>
+            <a:r>
+              <a:rPr lang="en-US" dirty="0"/>
+              <a:t>Cincinnati Bengals</a:t>
+            </a:r>
+          </a:p>
+          <a:p>
+            <a:pPr lvl="1"/>
+            <a:r>
+              <a:rPr lang="en-US" dirty="0"/>
+              <a:t>Buffalo Bills</a:t>
+            </a:r>
+          </a:p>
+        </p:txBody>
+      </p:sp>
+      <p:pic>
+        <p:nvPicPr>
+          <p:cNvPr id="6" name="Picture 5" descr="A picture containing table&#10;&#10;Description automatically generated">
+            <a:extLst>
+              <a:ext uri="{FF2B5EF4-FFF2-40B4-BE49-F238E27FC236}">
+                <a16:creationId xmlns:a16="http://schemas.microsoft.com/office/drawing/2014/main" id="{A06A5ACB-CE16-4024-B1DE-D395E7409DFC}"/>
+              </a:ext>
+            </a:extLst>
+          </p:cNvPr>
+          <p:cNvPicPr>
+            <a:picLocks noChangeAspect="1"/>
+          </p:cNvPicPr>
+          <p:nvPr/>
+        </p:nvPicPr>
+        <p:blipFill>
+          <a:blip r:embed="rId2">
+            <a:extLst>
+              <a:ext uri="{28A0092B-C50C-407E-A947-70E740481C1C}">
+                <a14:useLocalDpi xmlns:a14="http://schemas.microsoft.com/office/drawing/2010/main" val="0"/>
+              </a:ext>
+            </a:extLst>
+          </a:blip>
+          <a:stretch>
+            <a:fillRect/>
+          </a:stretch>
+        </p:blipFill>
+        <p:spPr>
+          <a:xfrm>
+            <a:off x="5838340" y="2118049"/>
+            <a:ext cx="5310209" cy="4487984"/>
+          </a:xfrm>
+          <a:prstGeom prst="rect">
+            <a:avLst/>
+          </a:prstGeom>
+        </p:spPr>
+      </p:pic>
+    </p:spTree>
+    <p:extLst>
+      <p:ext uri="{BB962C8B-B14F-4D97-AF65-F5344CB8AC3E}">
+        <p14:creationId xmlns:p14="http://schemas.microsoft.com/office/powerpoint/2010/main" val="1495790053"/>
+      </p:ext>
+    </p:extLst>
+  </p:cSld>
+  <p:clrMapOvr>
+    <a:masterClrMapping/>
+  </p:clrMapOvr>
+</p:sld>
+</file>
+
+<file path=ppt/slides/slide11.xml><?xml version="1.0" encoding="utf-8"?>
+<p:sld xmlns:a="http://schemas.openxmlformats.org/drawingml/2006/main" xmlns:r="http://schemas.openxmlformats.org/officeDocument/2006/relationships" xmlns:p="http://schemas.openxmlformats.org/presentationml/2006/main">
+  <p:cSld>
+    <p:spTree>
+      <p:nvGrpSpPr>
+        <p:cNvPr id="1" name=""/>
+        <p:cNvGrpSpPr/>
+        <p:nvPr/>
+      </p:nvGrpSpPr>
+      <p:grpSpPr>
+        <a:xfrm>
+          <a:off x="0" y="0"/>
+          <a:ext cx="0" cy="0"/>
+          <a:chOff x="0" y="0"/>
+          <a:chExt cx="0" cy="0"/>
+        </a:xfrm>
+      </p:grpSpPr>
+      <p:sp>
+        <p:nvSpPr>
+          <p:cNvPr id="2" name="Title 1">
+            <a:extLst>
+              <a:ext uri="{FF2B5EF4-FFF2-40B4-BE49-F238E27FC236}">
+                <a16:creationId xmlns:a16="http://schemas.microsoft.com/office/drawing/2014/main" id="{BFAE5B6D-65C3-4026-94D4-B3D2DC0A6AF8}"/>
+              </a:ext>
+            </a:extLst>
+          </p:cNvPr>
+          <p:cNvSpPr>
+            <a:spLocks noGrp="1"/>
+          </p:cNvSpPr>
+          <p:nvPr>
+            <p:ph type="title"/>
+          </p:nvPr>
+        </p:nvSpPr>
+        <p:spPr/>
+        <p:txBody>
+          <a:bodyPr/>
+          <a:lstStyle/>
+          <a:p>
+            <a:r>
+              <a:rPr lang="en-US" dirty="0"/>
+              <a:t>Comparing Ratings by Team/City Popularity</a:t>
+            </a:r>
+          </a:p>
+        </p:txBody>
+      </p:sp>
+      <p:pic>
+        <p:nvPicPr>
+          <p:cNvPr id="5" name="Content Placeholder 4" descr="Chart, bar chart&#10;&#10;Description automatically generated">
+            <a:extLst>
+              <a:ext uri="{FF2B5EF4-FFF2-40B4-BE49-F238E27FC236}">
+                <a16:creationId xmlns:a16="http://schemas.microsoft.com/office/drawing/2014/main" id="{F854096F-D27D-49DA-A7D6-154A14A84CC8}"/>
+              </a:ext>
+            </a:extLst>
+          </p:cNvPr>
+          <p:cNvPicPr>
+            <a:picLocks noGrp="1" noChangeAspect="1"/>
+          </p:cNvPicPr>
+          <p:nvPr>
+            <p:ph idx="1"/>
+          </p:nvPr>
+        </p:nvPicPr>
+        <p:blipFill>
+          <a:blip r:embed="rId2">
+            <a:extLst>
+              <a:ext uri="{28A0092B-C50C-407E-A947-70E740481C1C}">
+                <a14:useLocalDpi xmlns:a14="http://schemas.microsoft.com/office/drawing/2010/main" val="0"/>
+              </a:ext>
+            </a:extLst>
+          </a:blip>
+          <a:stretch>
+            <a:fillRect/>
+          </a:stretch>
+        </p:blipFill>
+        <p:spPr>
+          <a:xfrm>
+            <a:off x="6773633" y="1690688"/>
+            <a:ext cx="4580167" cy="4351338"/>
+          </a:xfrm>
+        </p:spPr>
+      </p:pic>
+      <p:sp>
+        <p:nvSpPr>
+          <p:cNvPr id="6" name="TextBox 5">
+            <a:extLst>
+              <a:ext uri="{FF2B5EF4-FFF2-40B4-BE49-F238E27FC236}">
+                <a16:creationId xmlns:a16="http://schemas.microsoft.com/office/drawing/2014/main" id="{9C87DBCC-D137-4E86-9CEA-C6514CF27614}"/>
+              </a:ext>
+            </a:extLst>
+          </p:cNvPr>
+          <p:cNvSpPr txBox="1"/>
+          <p:nvPr/>
+        </p:nvSpPr>
+        <p:spPr>
+          <a:xfrm>
+            <a:off x="587829" y="1506022"/>
+            <a:ext cx="5999583" cy="2862322"/>
+          </a:xfrm>
+          <a:prstGeom prst="rect">
+            <a:avLst/>
+          </a:prstGeom>
+          <a:noFill/>
+        </p:spPr>
+        <p:txBody>
+          <a:bodyPr wrap="square" rtlCol="0">
+            <a:spAutoFit/>
+          </a:bodyPr>
+          <a:lstStyle/>
+          <a:p>
+            <a:pPr marL="285750" indent="-285750">
+              <a:buFont typeface="Arial" panose="020B0604020202020204" pitchFamily="34" charset="0"/>
+              <a:buChar char="•"/>
+            </a:pPr>
+            <a:r>
+              <a:rPr lang="en-US" dirty="0"/>
+              <a:t>In this chart, we are showing the team’s stadiums and the average restaurant rating that each has in a 3000 mile radius around it.</a:t>
+            </a:r>
+          </a:p>
+          <a:p>
+            <a:pPr marL="742950" lvl="1" indent="-285750">
+              <a:buFont typeface="Arial" panose="020B0604020202020204" pitchFamily="34" charset="0"/>
+              <a:buChar char="•"/>
+            </a:pPr>
+            <a:r>
+              <a:rPr lang="en-US" dirty="0"/>
+              <a:t>CenturyLink Stadium (3.92, Seattle Seahawks) has the highest rating while Gillette Stadium (3.12, New England Patriots) had the lowest.</a:t>
+            </a:r>
+          </a:p>
+          <a:p>
+            <a:pPr marL="1200150" lvl="2" indent="-285750">
+              <a:buFont typeface="Arial" panose="020B0604020202020204" pitchFamily="34" charset="0"/>
+              <a:buChar char="•"/>
+            </a:pPr>
+            <a:r>
+              <a:rPr lang="en-US" dirty="0"/>
+              <a:t>The average rating for each team in this part of the study was 3.55.</a:t>
+            </a:r>
+          </a:p>
+          <a:p>
+            <a:pPr marL="285750" indent="-285750">
+              <a:buFont typeface="Arial" panose="020B0604020202020204" pitchFamily="34" charset="0"/>
+              <a:buChar char="•"/>
+            </a:pPr>
+            <a:endParaRPr lang="en-US" dirty="0"/>
+          </a:p>
+          <a:p>
+            <a:pPr marL="742950" lvl="1" indent="-285750">
+              <a:buFont typeface="Arial" panose="020B0604020202020204" pitchFamily="34" charset="0"/>
+              <a:buChar char="•"/>
+            </a:pPr>
+            <a:endParaRPr lang="en-US" dirty="0"/>
+          </a:p>
+        </p:txBody>
+      </p:sp>
+    </p:spTree>
+    <p:extLst>
+      <p:ext uri="{BB962C8B-B14F-4D97-AF65-F5344CB8AC3E}">
+        <p14:creationId xmlns:p14="http://schemas.microsoft.com/office/powerpoint/2010/main" val="3790938244"/>
+      </p:ext>
+    </p:extLst>
+  </p:cSld>
+  <p:clrMapOvr>
+    <a:masterClrMapping/>
+  </p:clrMapOvr>
+</p:sld>
+</file>
+
+<file path=ppt/slides/slide12.xml><?xml version="1.0" encoding="utf-8"?>
+<p:sld xmlns:a="http://schemas.openxmlformats.org/drawingml/2006/main" xmlns:r="http://schemas.openxmlformats.org/officeDocument/2006/relationships" xmlns:p="http://schemas.openxmlformats.org/presentationml/2006/main">
+  <p:cSld>
+    <p:spTree>
+      <p:nvGrpSpPr>
+        <p:cNvPr id="1" name=""/>
+        <p:cNvGrpSpPr/>
+        <p:nvPr/>
+      </p:nvGrpSpPr>
+      <p:grpSpPr>
+        <a:xfrm>
+          <a:off x="0" y="0"/>
+          <a:ext cx="0" cy="0"/>
+          <a:chOff x="0" y="0"/>
+          <a:chExt cx="0" cy="0"/>
+        </a:xfrm>
+      </p:grpSpPr>
+      <p:sp>
+        <p:nvSpPr>
+          <p:cNvPr id="2" name="Title 1">
+            <a:extLst>
+              <a:ext uri="{FF2B5EF4-FFF2-40B4-BE49-F238E27FC236}">
+                <a16:creationId xmlns:a16="http://schemas.microsoft.com/office/drawing/2014/main" id="{705D58F1-2237-4978-A54D-CEAC42C382DA}"/>
+              </a:ext>
+            </a:extLst>
+          </p:cNvPr>
+          <p:cNvSpPr>
+            <a:spLocks noGrp="1"/>
+          </p:cNvSpPr>
+          <p:nvPr>
+            <p:ph type="title"/>
+          </p:nvPr>
+        </p:nvSpPr>
+        <p:spPr/>
+        <p:txBody>
+          <a:bodyPr/>
+          <a:lstStyle/>
+          <a:p>
+            <a:r>
+              <a:rPr lang="en-US" dirty="0"/>
+              <a:t>Comparing Number of Reviews by Team/City Popularity</a:t>
+            </a:r>
+          </a:p>
+        </p:txBody>
+      </p:sp>
+      <p:pic>
+        <p:nvPicPr>
+          <p:cNvPr id="5" name="Content Placeholder 4" descr="Chart, bar chart&#10;&#10;Description automatically generated">
+            <a:extLst>
+              <a:ext uri="{FF2B5EF4-FFF2-40B4-BE49-F238E27FC236}">
+                <a16:creationId xmlns:a16="http://schemas.microsoft.com/office/drawing/2014/main" id="{84282BE2-C752-4BE7-A2F8-72BB27B0F7AF}"/>
+              </a:ext>
+            </a:extLst>
+          </p:cNvPr>
+          <p:cNvPicPr>
+            <a:picLocks noGrp="1" noChangeAspect="1"/>
+          </p:cNvPicPr>
+          <p:nvPr>
+            <p:ph idx="1"/>
+          </p:nvPr>
+        </p:nvPicPr>
+        <p:blipFill>
+          <a:blip r:embed="rId2">
+            <a:extLst>
+              <a:ext uri="{28A0092B-C50C-407E-A947-70E740481C1C}">
+                <a14:useLocalDpi xmlns:a14="http://schemas.microsoft.com/office/drawing/2010/main" val="0"/>
+              </a:ext>
+            </a:extLst>
+          </a:blip>
+          <a:stretch>
+            <a:fillRect/>
+          </a:stretch>
+        </p:blipFill>
+        <p:spPr>
+          <a:xfrm>
+            <a:off x="6095999" y="1558093"/>
+            <a:ext cx="5110065" cy="4854761"/>
+          </a:xfrm>
+        </p:spPr>
+      </p:pic>
+      <p:sp>
+        <p:nvSpPr>
+          <p:cNvPr id="6" name="TextBox 5">
+            <a:extLst>
+              <a:ext uri="{FF2B5EF4-FFF2-40B4-BE49-F238E27FC236}">
+                <a16:creationId xmlns:a16="http://schemas.microsoft.com/office/drawing/2014/main" id="{CE36B57E-92F9-40A4-AE63-4F24390AAD0C}"/>
+              </a:ext>
+            </a:extLst>
+          </p:cNvPr>
+          <p:cNvSpPr txBox="1"/>
+          <p:nvPr/>
+        </p:nvSpPr>
+        <p:spPr>
+          <a:xfrm>
+            <a:off x="457200" y="1940767"/>
+            <a:ext cx="5110065" cy="2862322"/>
+          </a:xfrm>
+          <a:prstGeom prst="rect">
+            <a:avLst/>
+          </a:prstGeom>
+          <a:noFill/>
+        </p:spPr>
+        <p:txBody>
+          <a:bodyPr wrap="square" rtlCol="0">
+            <a:spAutoFit/>
+          </a:bodyPr>
+          <a:lstStyle/>
+          <a:p>
+            <a:pPr marL="285750" indent="-285750">
+              <a:buFont typeface="Arial" panose="020B0604020202020204" pitchFamily="34" charset="0"/>
+              <a:buChar char="•"/>
+            </a:pPr>
+            <a:r>
+              <a:rPr lang="en-US" dirty="0"/>
+              <a:t>Here is a comparison of the average number of reviews around each stadium.</a:t>
+            </a:r>
+          </a:p>
+          <a:p>
+            <a:pPr marL="742950" lvl="1" indent="-285750">
+              <a:buFont typeface="Arial" panose="020B0604020202020204" pitchFamily="34" charset="0"/>
+              <a:buChar char="•"/>
+            </a:pPr>
+            <a:r>
+              <a:rPr lang="en-US" dirty="0"/>
+              <a:t>Allegiant Stadium (Las Vegas), Soldier Field (Chicago), CenturyLink Stadium (Seattle) all had large numbers of reviews left on average.</a:t>
+            </a:r>
+          </a:p>
+          <a:p>
+            <a:pPr marL="742950" lvl="1" indent="-285750">
+              <a:buFont typeface="Arial" panose="020B0604020202020204" pitchFamily="34" charset="0"/>
+              <a:buChar char="•"/>
+            </a:pPr>
+            <a:r>
+              <a:rPr lang="en-US" dirty="0"/>
+              <a:t>This could potentially be due to their popularity as tourist spots since all 3 are included in the list of America’s popular travel destinations. </a:t>
+            </a:r>
+          </a:p>
+        </p:txBody>
+      </p:sp>
+    </p:spTree>
+    <p:extLst>
+      <p:ext uri="{BB962C8B-B14F-4D97-AF65-F5344CB8AC3E}">
+        <p14:creationId xmlns:p14="http://schemas.microsoft.com/office/powerpoint/2010/main" val="459810575"/>
+      </p:ext>
+    </p:extLst>
+  </p:cSld>
+  <p:clrMapOvr>
+    <a:masterClrMapping/>
+  </p:clrMapOvr>
+</p:sld>
+</file>
+
+<file path=ppt/slides/slide13.xml><?xml version="1.0" encoding="utf-8"?>
+<p:sld xmlns:a="http://schemas.openxmlformats.org/drawingml/2006/main" xmlns:r="http://schemas.openxmlformats.org/officeDocument/2006/relationships" xmlns:p="http://schemas.openxmlformats.org/presentationml/2006/main">
+  <p:cSld>
+    <p:spTree>
+      <p:nvGrpSpPr>
+        <p:cNvPr id="1" name=""/>
+        <p:cNvGrpSpPr/>
+        <p:nvPr/>
+      </p:nvGrpSpPr>
+      <p:grpSpPr>
+        <a:xfrm>
+          <a:off x="0" y="0"/>
+          <a:ext cx="0" cy="0"/>
+          <a:chOff x="0" y="0"/>
+          <a:chExt cx="0" cy="0"/>
+        </a:xfrm>
+      </p:grpSpPr>
+      <p:sp>
+        <p:nvSpPr>
+          <p:cNvPr id="2" name="Title 1">
+            <a:extLst>
+              <a:ext uri="{FF2B5EF4-FFF2-40B4-BE49-F238E27FC236}">
+                <a16:creationId xmlns:a16="http://schemas.microsoft.com/office/drawing/2014/main" id="{B7BCCE2A-CC40-4246-9354-B16F41AE66C5}"/>
+              </a:ext>
+            </a:extLst>
+          </p:cNvPr>
+          <p:cNvSpPr>
+            <a:spLocks noGrp="1"/>
+          </p:cNvSpPr>
+          <p:nvPr>
+            <p:ph type="title"/>
+          </p:nvPr>
+        </p:nvSpPr>
+        <p:spPr/>
+        <p:txBody>
+          <a:bodyPr/>
+          <a:lstStyle/>
+          <a:p>
+            <a:r>
+              <a:rPr lang="en-US" dirty="0"/>
+              <a:t>Comparing Price by Team/City Popularity</a:t>
+            </a:r>
+          </a:p>
+        </p:txBody>
+      </p:sp>
+      <p:pic>
+        <p:nvPicPr>
+          <p:cNvPr id="5" name="Content Placeholder 4" descr="Chart, bar chart&#10;&#10;Description automatically generated">
+            <a:extLst>
+              <a:ext uri="{FF2B5EF4-FFF2-40B4-BE49-F238E27FC236}">
+                <a16:creationId xmlns:a16="http://schemas.microsoft.com/office/drawing/2014/main" id="{E1EBC4B3-BAEE-4E4A-8D05-2AB23B12677D}"/>
+              </a:ext>
+            </a:extLst>
+          </p:cNvPr>
+          <p:cNvPicPr>
+            <a:picLocks noGrp="1" noChangeAspect="1"/>
+          </p:cNvPicPr>
+          <p:nvPr>
+            <p:ph idx="1"/>
+          </p:nvPr>
+        </p:nvPicPr>
+        <p:blipFill>
+          <a:blip r:embed="rId2">
+            <a:extLst>
+              <a:ext uri="{28A0092B-C50C-407E-A947-70E740481C1C}">
+                <a14:useLocalDpi xmlns:a14="http://schemas.microsoft.com/office/drawing/2010/main" val="0"/>
+              </a:ext>
+            </a:extLst>
+          </a:blip>
+          <a:stretch>
+            <a:fillRect/>
+          </a:stretch>
+        </p:blipFill>
+        <p:spPr>
+          <a:xfrm>
+            <a:off x="6773633" y="1690687"/>
+            <a:ext cx="4580167" cy="4579483"/>
+          </a:xfrm>
+        </p:spPr>
+      </p:pic>
+      <p:sp>
+        <p:nvSpPr>
+          <p:cNvPr id="3" name="TextBox 2">
+            <a:extLst>
+              <a:ext uri="{FF2B5EF4-FFF2-40B4-BE49-F238E27FC236}">
+                <a16:creationId xmlns:a16="http://schemas.microsoft.com/office/drawing/2014/main" id="{46F5FD86-AFF7-47E5-9453-06759AD92A02}"/>
+              </a:ext>
+            </a:extLst>
+          </p:cNvPr>
+          <p:cNvSpPr txBox="1"/>
+          <p:nvPr/>
+        </p:nvSpPr>
+        <p:spPr>
+          <a:xfrm>
+            <a:off x="457200" y="1940767"/>
+            <a:ext cx="5110065" cy="3970318"/>
+          </a:xfrm>
+          <a:prstGeom prst="rect">
+            <a:avLst/>
+          </a:prstGeom>
+          <a:noFill/>
+        </p:spPr>
+        <p:txBody>
+          <a:bodyPr wrap="square" rtlCol="0">
+            <a:spAutoFit/>
+          </a:bodyPr>
+          <a:lstStyle/>
+          <a:p>
+            <a:pPr marL="285750" indent="-285750">
+              <a:buFont typeface="Arial" panose="020B0604020202020204" pitchFamily="34" charset="0"/>
+              <a:buChar char="•"/>
+            </a:pPr>
+            <a:r>
+              <a:rPr lang="en-US" dirty="0"/>
+              <a:t>Yelp has a price system using the dollar sign to signify the average price of a dish at that restaurant.</a:t>
+            </a:r>
+          </a:p>
+          <a:p>
+            <a:pPr marL="742950" lvl="1" indent="-285750">
+              <a:buFont typeface="Arial" panose="020B0604020202020204" pitchFamily="34" charset="0"/>
+              <a:buChar char="•"/>
+            </a:pPr>
+            <a:r>
+              <a:rPr lang="en-US" dirty="0"/>
+              <a:t> $ (least expensive) - $$$$ (most expensive)</a:t>
+            </a:r>
+          </a:p>
+          <a:p>
+            <a:pPr marL="285750" indent="-285750">
+              <a:buFont typeface="Arial" panose="020B0604020202020204" pitchFamily="34" charset="0"/>
+              <a:buChar char="•"/>
+            </a:pPr>
+            <a:r>
+              <a:rPr lang="en-US" dirty="0"/>
+              <a:t>Based on the results to the right the restaurants around stadiums average between 1.5 and 2.0 $ signs. This means that they are relatively low priced, and we cannot conclude that there is price gouging around stadiums.</a:t>
+            </a:r>
+          </a:p>
+          <a:p>
+            <a:pPr marL="285750" indent="-285750">
+              <a:buFont typeface="Arial" panose="020B0604020202020204" pitchFamily="34" charset="0"/>
+              <a:buChar char="•"/>
+            </a:pPr>
+            <a:r>
+              <a:rPr lang="en-US" dirty="0" err="1"/>
+              <a:t>Alliegiant</a:t>
+            </a:r>
+            <a:r>
+              <a:rPr lang="en-US" dirty="0"/>
+              <a:t> Stadium (Las Vegas) has the highest price on average while AT&amp;T (Dallas) has the lowest.</a:t>
+            </a:r>
+          </a:p>
+          <a:p>
+            <a:pPr marL="742950" lvl="1" indent="-285750">
+              <a:buFont typeface="Arial" panose="020B0604020202020204" pitchFamily="34" charset="0"/>
+              <a:buChar char="•"/>
+            </a:pPr>
+            <a:r>
+              <a:rPr lang="en-US" dirty="0"/>
+              <a:t> Las Vegas’s high-priced restaurants may be due to the city being a tourist hot spot.</a:t>
+            </a:r>
+          </a:p>
+        </p:txBody>
+      </p:sp>
+    </p:spTree>
+    <p:extLst>
+      <p:ext uri="{BB962C8B-B14F-4D97-AF65-F5344CB8AC3E}">
+        <p14:creationId xmlns:p14="http://schemas.microsoft.com/office/powerpoint/2010/main" val="1903262264"/>
+      </p:ext>
+    </p:extLst>
+  </p:cSld>
+  <p:clrMapOvr>
+    <a:masterClrMapping/>
+  </p:clrMapOvr>
+</p:sld>
+</file>
+
+<file path=ppt/slides/slide14.xml><?xml version="1.0" encoding="utf-8"?>
+<p:sld xmlns:a="http://schemas.openxmlformats.org/drawingml/2006/main" xmlns:r="http://schemas.openxmlformats.org/officeDocument/2006/relationships" xmlns:p="http://schemas.openxmlformats.org/presentationml/2006/main">
+  <p:cSld>
+    <p:spTree>
+      <p:nvGrpSpPr>
+        <p:cNvPr id="1" name=""/>
+        <p:cNvGrpSpPr/>
+        <p:nvPr/>
+      </p:nvGrpSpPr>
+      <p:grpSpPr>
+        <a:xfrm>
+          <a:off x="0" y="0"/>
+          <a:ext cx="0" cy="0"/>
+          <a:chOff x="0" y="0"/>
+          <a:chExt cx="0" cy="0"/>
+        </a:xfrm>
+      </p:grpSpPr>
+      <p:sp>
+        <p:nvSpPr>
+          <p:cNvPr id="2" name="Title 1">
+            <a:extLst>
+              <a:ext uri="{FF2B5EF4-FFF2-40B4-BE49-F238E27FC236}">
+                <a16:creationId xmlns:a16="http://schemas.microsoft.com/office/drawing/2014/main" id="{1528E662-6DCC-4221-AF6F-1AA9AEB3BDAB}"/>
+              </a:ext>
+            </a:extLst>
+          </p:cNvPr>
+          <p:cNvSpPr>
+            <a:spLocks noGrp="1"/>
+          </p:cNvSpPr>
+          <p:nvPr>
+            <p:ph type="title"/>
+          </p:nvPr>
+        </p:nvSpPr>
+        <p:spPr/>
+        <p:txBody>
+          <a:bodyPr/>
+          <a:lstStyle/>
+          <a:p>
+            <a:r>
+              <a:rPr lang="en-US" dirty="0"/>
+              <a:t>Team</a:t>
+            </a:r>
+          </a:p>
+        </p:txBody>
+      </p:sp>
+      <p:sp>
+        <p:nvSpPr>
+          <p:cNvPr id="3" name="Content Placeholder 2">
+            <a:extLst>
+              <a:ext uri="{FF2B5EF4-FFF2-40B4-BE49-F238E27FC236}">
+                <a16:creationId xmlns:a16="http://schemas.microsoft.com/office/drawing/2014/main" id="{E59C5B16-17B7-44EC-9598-555DD37C6D4D}"/>
+              </a:ext>
+            </a:extLst>
+          </p:cNvPr>
+          <p:cNvSpPr>
+            <a:spLocks noGrp="1"/>
+          </p:cNvSpPr>
+          <p:nvPr>
+            <p:ph idx="1"/>
+          </p:nvPr>
+        </p:nvSpPr>
+        <p:spPr/>
+        <p:txBody>
+          <a:bodyPr/>
+          <a:lstStyle/>
+          <a:p>
+            <a:r>
+              <a:rPr lang="en-US" dirty="0"/>
+              <a:t>Javier: Gatekeeper, Yelp API (code request, clean and format data, statistics output)</a:t>
+            </a:r>
+          </a:p>
+          <a:p>
+            <a:r>
+              <a:rPr lang="en-US" dirty="0"/>
+              <a:t>Eric: plotting categories data, question 5.</a:t>
+            </a:r>
+          </a:p>
+          <a:p>
+            <a:r>
+              <a:rPr lang="en-US" dirty="0"/>
+              <a:t>Justin: plotting summary, question 1.</a:t>
+            </a:r>
+          </a:p>
+          <a:p>
+            <a:r>
+              <a:rPr lang="en-US" dirty="0"/>
+              <a:t>Chris: plotting Saturday &amp; Monday data, questions 2 &amp; 3</a:t>
+            </a:r>
+          </a:p>
+          <a:p>
+            <a:pPr marL="0" indent="0">
+              <a:buNone/>
+            </a:pPr>
+            <a:endParaRPr lang="en-US" dirty="0"/>
+          </a:p>
+        </p:txBody>
+      </p:sp>
+    </p:spTree>
+    <p:extLst>
+      <p:ext uri="{BB962C8B-B14F-4D97-AF65-F5344CB8AC3E}">
+        <p14:creationId xmlns:p14="http://schemas.microsoft.com/office/powerpoint/2010/main" val="3884135527"/>
+      </p:ext>
+    </p:extLst>
+  </p:cSld>
+  <p:clrMapOvr>
+    <a:masterClrMapping/>
+  </p:clrMapOvr>
+</p:sld>
+</file>
+
 <file path=ppt/slides/slide2.xml><?xml version="1.0" encoding="utf-8"?>
 <p:sld xmlns:a="http://schemas.openxmlformats.org/drawingml/2006/main" xmlns:r="http://schemas.openxmlformats.org/officeDocument/2006/relationships" xmlns:p="http://schemas.openxmlformats.org/presentationml/2006/main">
   <p:cSld>
@@ -3662,13 +4548,13 @@
         <p:spPr/>
         <p:txBody>
           <a:bodyPr>
-            <a:normAutofit lnSpcReduction="10000"/>
+            <a:normAutofit/>
           </a:bodyPr>
           <a:lstStyle/>
           <a:p>
             <a:r>
               <a:rPr lang="en-US" sz="1600" dirty="0"/>
-              <a:t>Hypothesis: We believe the density of restaurants/bars around stadiums amount to a significant percentage of the total restaurants of the country (Justin).</a:t>
+              <a:t>Hypothesis: We believe the density of restaurants/bars around stadiums amount to a significant percentage of the total restaurants of the country.</a:t>
             </a:r>
           </a:p>
           <a:p>
@@ -3742,16 +4628,6 @@
             <a:r>
               <a:rPr lang="en-US" sz="1400" dirty="0"/>
               <a:t>How the restaurants reviews compare before game day to the after game day? – Chris </a:t>
-            </a:r>
-          </a:p>
-          <a:p>
-            <a:pPr marL="800100" lvl="1" indent="-342900">
-              <a:buFont typeface="+mj-lt"/>
-              <a:buAutoNum type="arabicPeriod"/>
-            </a:pPr>
-            <a:r>
-              <a:rPr lang="en-US" sz="1400" dirty="0"/>
-              <a:t>Are restaurants/bars around stadiums more expensive in more populated cities? - ?</a:t>
             </a:r>
           </a:p>
           <a:p>
@@ -3874,20 +4750,393 @@
         </p:nvSpPr>
         <p:spPr/>
         <p:txBody>
-          <a:bodyPr/>
-          <a:lstStyle/>
-          <a:p>
-            <a:r>
-              <a:rPr lang="en-US" dirty="0"/>
-              <a:t>Javier</a:t>
-            </a:r>
+          <a:bodyPr>
+            <a:normAutofit/>
+          </a:bodyPr>
+          <a:lstStyle/>
+          <a:p>
+            <a:pPr lvl="1"/>
+            <a:r>
+              <a:rPr lang="en-US" sz="1600" b="0" i="0" dirty="0">
+                <a:solidFill>
+                  <a:srgbClr val="333333"/>
+                </a:solidFill>
+                <a:effectLst/>
+              </a:rPr>
+              <a:t>Data source. Created a csv </a:t>
+            </a:r>
+            <a:r>
+              <a:rPr lang="en-US" sz="1600" dirty="0">
+                <a:solidFill>
+                  <a:srgbClr val="333333"/>
+                </a:solidFill>
+              </a:rPr>
+              <a:t>file with NFL data from Wikipedia and US cities information.</a:t>
+            </a:r>
+          </a:p>
+          <a:p>
+            <a:pPr lvl="1"/>
+            <a:endParaRPr lang="en-US" sz="1600" b="0" i="0" dirty="0">
+              <a:solidFill>
+                <a:srgbClr val="333333"/>
+              </a:solidFill>
+              <a:effectLst/>
+            </a:endParaRPr>
+          </a:p>
+          <a:p>
+            <a:pPr lvl="1"/>
+            <a:endParaRPr lang="en-US" sz="1600" dirty="0">
+              <a:solidFill>
+                <a:srgbClr val="333333"/>
+              </a:solidFill>
+            </a:endParaRPr>
+          </a:p>
+          <a:p>
+            <a:pPr lvl="1"/>
+            <a:endParaRPr lang="en-US" sz="1600" b="0" i="0" dirty="0">
+              <a:solidFill>
+                <a:srgbClr val="333333"/>
+              </a:solidFill>
+              <a:effectLst/>
+            </a:endParaRPr>
+          </a:p>
+          <a:p>
+            <a:pPr lvl="1"/>
+            <a:endParaRPr lang="en-US" sz="1600" dirty="0">
+              <a:solidFill>
+                <a:srgbClr val="333333"/>
+              </a:solidFill>
+            </a:endParaRPr>
+          </a:p>
+          <a:p>
+            <a:pPr lvl="1"/>
+            <a:endParaRPr lang="en-US" sz="1600" b="0" i="0" dirty="0">
+              <a:solidFill>
+                <a:srgbClr val="333333"/>
+              </a:solidFill>
+              <a:effectLst/>
+            </a:endParaRPr>
+          </a:p>
+          <a:p>
+            <a:pPr lvl="1"/>
+            <a:r>
+              <a:rPr lang="en-US" sz="1600" dirty="0">
+                <a:solidFill>
+                  <a:srgbClr val="333333"/>
+                </a:solidFill>
+              </a:rPr>
+              <a:t>Use Yelp to request data of restaurants in a 3000 meters radius around the NFL Stadiums:</a:t>
+            </a:r>
+          </a:p>
+          <a:p>
+            <a:pPr lvl="2"/>
+            <a:r>
+              <a:rPr lang="en-US" sz="1400" dirty="0">
+                <a:solidFill>
+                  <a:srgbClr val="333333"/>
+                </a:solidFill>
+              </a:rPr>
+              <a:t>Two different timepoints: Saturday &amp; Monday.</a:t>
+            </a:r>
+          </a:p>
+          <a:p>
+            <a:pPr lvl="2"/>
+            <a:r>
+              <a:rPr lang="en-US" sz="1400" dirty="0">
+                <a:solidFill>
+                  <a:srgbClr val="333333"/>
+                </a:solidFill>
+              </a:rPr>
+              <a:t>Two different search terms :</a:t>
+            </a:r>
+          </a:p>
+          <a:p>
+            <a:pPr lvl="3"/>
+            <a:r>
+              <a:rPr lang="en-US" sz="1400" b="0" i="0" dirty="0">
+                <a:solidFill>
+                  <a:srgbClr val="333333"/>
+                </a:solidFill>
+                <a:effectLst/>
+              </a:rPr>
+              <a:t>General search term: “restaurants”</a:t>
+            </a:r>
+          </a:p>
+          <a:p>
+            <a:pPr lvl="3"/>
+            <a:r>
+              <a:rPr lang="en-US" sz="1400" dirty="0">
+                <a:solidFill>
+                  <a:srgbClr val="333333"/>
+                </a:solidFill>
+              </a:rPr>
+              <a:t>Search by category:  "</a:t>
+            </a:r>
+            <a:r>
+              <a:rPr lang="en-US" sz="1400" dirty="0" err="1">
+                <a:solidFill>
+                  <a:srgbClr val="333333"/>
+                </a:solidFill>
+              </a:rPr>
+              <a:t>sportsbars</a:t>
+            </a:r>
+            <a:r>
+              <a:rPr lang="en-US" sz="1400" dirty="0">
+                <a:solidFill>
+                  <a:srgbClr val="333333"/>
+                </a:solidFill>
+              </a:rPr>
+              <a:t>","pubs","</a:t>
+            </a:r>
+            <a:r>
+              <a:rPr lang="en-US" sz="1400" dirty="0" err="1">
+                <a:solidFill>
+                  <a:srgbClr val="333333"/>
+                </a:solidFill>
+              </a:rPr>
+              <a:t>wine_bars</a:t>
+            </a:r>
+            <a:r>
+              <a:rPr lang="en-US" sz="1400" dirty="0">
+                <a:solidFill>
+                  <a:srgbClr val="333333"/>
+                </a:solidFill>
+              </a:rPr>
+              <a:t>", "</a:t>
+            </a:r>
+            <a:r>
+              <a:rPr lang="en-US" sz="1400" dirty="0" err="1">
+                <a:solidFill>
+                  <a:srgbClr val="333333"/>
+                </a:solidFill>
+              </a:rPr>
+              <a:t>cocktailbars</a:t>
+            </a:r>
+            <a:r>
+              <a:rPr lang="en-US" sz="1400" dirty="0">
+                <a:solidFill>
+                  <a:srgbClr val="333333"/>
+                </a:solidFill>
+              </a:rPr>
+              <a:t>“ (considered as one for our analysis purposes)</a:t>
+            </a:r>
+            <a:endParaRPr lang="en-US" sz="1400" b="0" i="0" dirty="0">
+              <a:solidFill>
+                <a:srgbClr val="333333"/>
+              </a:solidFill>
+              <a:effectLst/>
+            </a:endParaRPr>
+          </a:p>
+          <a:p>
+            <a:pPr lvl="2"/>
+            <a:r>
+              <a:rPr lang="en-US" sz="1400" dirty="0">
+                <a:solidFill>
+                  <a:srgbClr val="333333"/>
+                </a:solidFill>
+              </a:rPr>
+              <a:t>Coded to request data based on the day of the week.</a:t>
+            </a:r>
+          </a:p>
+          <a:p>
+            <a:pPr marL="914400" lvl="2" indent="0">
+              <a:buNone/>
+            </a:pPr>
+            <a:endParaRPr lang="en-US" b="0" i="0" dirty="0">
+              <a:solidFill>
+                <a:srgbClr val="333333"/>
+              </a:solidFill>
+              <a:effectLst/>
+              <a:latin typeface="Helvetica Neue"/>
+            </a:endParaRPr>
+          </a:p>
+          <a:p>
+            <a:pPr lvl="2"/>
+            <a:endParaRPr lang="en-US" b="0" i="0" dirty="0">
+              <a:solidFill>
+                <a:srgbClr val="333333"/>
+              </a:solidFill>
+              <a:effectLst/>
+              <a:latin typeface="Helvetica Neue"/>
+            </a:endParaRPr>
+          </a:p>
+          <a:p>
+            <a:pPr lvl="3"/>
+            <a:endParaRPr lang="en-US" b="0" i="0" dirty="0">
+              <a:solidFill>
+                <a:srgbClr val="333333"/>
+              </a:solidFill>
+              <a:effectLst/>
+              <a:latin typeface="Helvetica Neue"/>
+            </a:endParaRPr>
+          </a:p>
+          <a:p>
+            <a:pPr lvl="1"/>
+            <a:endParaRPr lang="en-US" b="0" i="0" dirty="0">
+              <a:solidFill>
+                <a:srgbClr val="333333"/>
+              </a:solidFill>
+              <a:effectLst/>
+              <a:latin typeface="Helvetica Neue"/>
+            </a:endParaRPr>
+          </a:p>
+          <a:p>
+            <a:pPr marL="457200" lvl="1" indent="0">
+              <a:buNone/>
+            </a:pPr>
+            <a:endParaRPr lang="en-US" dirty="0"/>
+          </a:p>
+        </p:txBody>
+      </p:sp>
+      <p:pic>
+        <p:nvPicPr>
+          <p:cNvPr id="5" name="Picture 4">
+            <a:extLst>
+              <a:ext uri="{FF2B5EF4-FFF2-40B4-BE49-F238E27FC236}">
+                <a16:creationId xmlns:a16="http://schemas.microsoft.com/office/drawing/2014/main" id="{D454C2D3-1F8B-4AF2-9B9F-00FA9DBFD368}"/>
+              </a:ext>
+            </a:extLst>
+          </p:cNvPr>
+          <p:cNvPicPr>
+            <a:picLocks noChangeAspect="1"/>
+          </p:cNvPicPr>
+          <p:nvPr/>
+        </p:nvPicPr>
+        <p:blipFill>
+          <a:blip r:embed="rId2"/>
+          <a:stretch>
+            <a:fillRect/>
+          </a:stretch>
+        </p:blipFill>
+        <p:spPr>
+          <a:xfrm>
+            <a:off x="2264416" y="2215189"/>
+            <a:ext cx="3879986" cy="1213811"/>
+          </a:xfrm>
+          <a:prstGeom prst="rect">
+            <a:avLst/>
+          </a:prstGeom>
+        </p:spPr>
+      </p:pic>
+      <p:sp>
+        <p:nvSpPr>
+          <p:cNvPr id="9" name="Rectangle 2">
+            <a:extLst>
+              <a:ext uri="{FF2B5EF4-FFF2-40B4-BE49-F238E27FC236}">
+                <a16:creationId xmlns:a16="http://schemas.microsoft.com/office/drawing/2014/main" id="{63C3A20F-6DC1-4234-AED1-0E95F6986D50}"/>
+              </a:ext>
+            </a:extLst>
+          </p:cNvPr>
+          <p:cNvSpPr>
+            <a:spLocks noChangeArrowheads="1"/>
+          </p:cNvSpPr>
+          <p:nvPr/>
+        </p:nvSpPr>
+        <p:spPr bwMode="auto">
+          <a:xfrm>
+            <a:off x="0" y="0"/>
+            <a:ext cx="12192000" cy="457200"/>
+          </a:xfrm>
+          <a:prstGeom prst="rect">
+            <a:avLst/>
+          </a:prstGeom>
+          <a:solidFill>
+            <a:srgbClr val="F7F7F7"/>
+          </a:solidFill>
+          <a:ln>
+            <a:noFill/>
+          </a:ln>
+          <a:effectLst/>
+          <a:extLst>
+            <a:ext uri="{91240B29-F687-4F45-9708-019B960494DF}">
+              <a14:hiddenLine xmlns:a14="http://schemas.microsoft.com/office/drawing/2010/main" w="9525">
+                <a:solidFill>
+                  <a:schemeClr val="tx1"/>
+                </a:solidFill>
+                <a:miter lim="800000"/>
+                <a:headEnd/>
+                <a:tailEnd/>
+              </a14:hiddenLine>
+            </a:ext>
+            <a:ext uri="{AF507438-7753-43E0-B8FC-AC1667EBCBE1}">
+              <a14:hiddenEffects xmlns:a14="http://schemas.microsoft.com/office/drawing/2010/main">
+                <a:effectLst>
+                  <a:outerShdw dist="35921" dir="2700000" algn="ctr" rotWithShape="0">
+                    <a:schemeClr val="bg2"/>
+                  </a:outerShdw>
+                </a:effectLst>
+              </a14:hiddenEffects>
+            </a:ext>
+          </a:extLst>
+        </p:spPr>
+        <p:txBody>
+          <a:bodyPr vert="horz" wrap="none" lIns="0" tIns="0" rIns="0" bIns="0" numCol="1" anchor="ctr" anchorCtr="0" compatLnSpc="1">
+            <a:prstTxWarp prst="textNoShape">
+              <a:avLst/>
+            </a:prstTxWarp>
+            <a:spAutoFit/>
+          </a:bodyPr>
+          <a:lstStyle/>
+          <a:p>
+            <a:pPr marL="0" marR="0" lvl="0" indent="0" algn="l" defTabSz="914400" rtl="0" eaLnBrk="0" fontAlgn="base" latinLnBrk="0" hangingPunct="0">
+              <a:lnSpc>
+                <a:spcPct val="100000"/>
+              </a:lnSpc>
+              <a:spcBef>
+                <a:spcPct val="0"/>
+              </a:spcBef>
+              <a:spcAft>
+                <a:spcPct val="0"/>
+              </a:spcAft>
+              <a:buClrTx/>
+              <a:buSzTx/>
+              <a:buFontTx/>
+              <a:buNone/>
+              <a:tabLst/>
+            </a:pPr>
+            <a:r>
+              <a:rPr kumimoji="0" lang="en-US" altLang="en-US" sz="1000" b="0" i="1" u="none" strike="noStrike" cap="none" normalizeH="0" baseline="0">
+                <a:ln>
+                  <a:noFill/>
+                </a:ln>
+                <a:solidFill>
+                  <a:srgbClr val="408080"/>
+                </a:solidFill>
+                <a:effectLst/>
+                <a:latin typeface="Courier New" panose="02070309020205020404" pitchFamily="49" charset="0"/>
+                <a:cs typeface="Courier New" panose="02070309020205020404" pitchFamily="49" charset="0"/>
+              </a:rPr>
+              <a:t>sport bars, cocktail bars &amp; pubs</a:t>
+            </a:r>
+            <a:r>
+              <a:rPr kumimoji="0" lang="en-US" altLang="en-US" sz="400" b="0" i="0" u="none" strike="noStrike" cap="none" normalizeH="0" baseline="0">
+                <a:ln>
+                  <a:noFill/>
+                </a:ln>
+                <a:solidFill>
+                  <a:schemeClr val="tx1"/>
+                </a:solidFill>
+                <a:effectLst/>
+              </a:rPr>
+              <a:t> </a:t>
+            </a:r>
+            <a:endParaRPr kumimoji="0" lang="en-US" altLang="en-US" sz="1800" b="0" i="0" u="none" strike="noStrike" cap="none" normalizeH="0" baseline="0">
+              <a:ln>
+                <a:noFill/>
+              </a:ln>
+              <a:solidFill>
+                <a:schemeClr val="tx1"/>
+              </a:solidFill>
+              <a:effectLst/>
+              <a:latin typeface="Arial" panose="020B0604020202020204" pitchFamily="34" charset="0"/>
+            </a:endParaRPr>
           </a:p>
         </p:txBody>
       </p:sp>
     </p:spTree>
     <p:extLst>
       <p:ext uri="{BB962C8B-B14F-4D97-AF65-F5344CB8AC3E}">
-        <p14:creationId xmlns:p14="http://schemas.microsoft.com/office/powerpoint/2010/main" val="2920566430"/>
+        <p14:creationId xmlns:p14="http://schemas.microsoft.com/office/powerpoint/2010/main" val="226289108"/>
       </p:ext>
     </p:extLst>
   </p:cSld>
@@ -3933,53 +5182,248 @@
         <p:spPr/>
         <p:txBody>
           <a:bodyPr>
-            <a:normAutofit fontScale="90000"/>
+            <a:normAutofit/>
           </a:bodyPr>
           <a:lstStyle/>
           <a:p>
             <a:r>
-              <a:rPr lang="en-US" sz="3600" dirty="0"/>
-              <a:t>III. Restaurant analysis in 2 miles radius around the Stadiums.</a:t>
-            </a:r>
-            <a:br>
-              <a:rPr lang="en-US" dirty="0"/>
-            </a:br>
+              <a:rPr lang="en-US" sz="3200" dirty="0"/>
+              <a:t>II. Data request and coding challenges.</a:t>
+            </a:r>
+          </a:p>
+        </p:txBody>
+      </p:sp>
+      <p:sp>
+        <p:nvSpPr>
+          <p:cNvPr id="3" name="Content Placeholder 2">
+            <a:extLst>
+              <a:ext uri="{FF2B5EF4-FFF2-40B4-BE49-F238E27FC236}">
+                <a16:creationId xmlns:a16="http://schemas.microsoft.com/office/drawing/2014/main" id="{8E146982-C493-49CE-8C32-6B0A7B2EE790}"/>
+              </a:ext>
+            </a:extLst>
+          </p:cNvPr>
+          <p:cNvSpPr>
+            <a:spLocks noGrp="1"/>
+          </p:cNvSpPr>
+          <p:nvPr>
+            <p:ph idx="1"/>
+          </p:nvPr>
+        </p:nvSpPr>
+        <p:spPr/>
+        <p:txBody>
+          <a:bodyPr>
+            <a:normAutofit/>
+          </a:bodyPr>
+          <a:lstStyle/>
+          <a:p>
+            <a:pPr lvl="1"/>
+            <a:r>
+              <a:rPr lang="en-US" sz="1600" dirty="0"/>
+              <a:t>Yelp API Authentication: API key + Authorization HTTP header value as: “</a:t>
+            </a:r>
+            <a:r>
+              <a:rPr lang="en-US" sz="1600" b="0" i="0" dirty="0">
+                <a:solidFill>
+                  <a:srgbClr val="333333"/>
+                </a:solidFill>
+                <a:effectLst/>
+              </a:rPr>
+              <a:t>Authorization: Bearer &lt;YOUR ACCESS TOKEN&gt;”.</a:t>
+            </a:r>
+          </a:p>
+          <a:p>
+            <a:pPr lvl="1"/>
+            <a:r>
+              <a:rPr lang="en-US" sz="1600" b="0" i="0" dirty="0">
+                <a:solidFill>
+                  <a:srgbClr val="333333"/>
+                </a:solidFill>
+                <a:effectLst/>
+              </a:rPr>
+              <a:t>Data request</a:t>
+            </a:r>
+            <a:r>
+              <a:rPr lang="en-US" sz="1600" dirty="0">
+                <a:solidFill>
+                  <a:srgbClr val="333333"/>
+                </a:solidFill>
+              </a:rPr>
+              <a:t>. Due to the nature of the project (obtaining and analyzing in 2 different timepoints), the response is saved as json files.</a:t>
+            </a:r>
+          </a:p>
+          <a:p>
+            <a:pPr lvl="1"/>
+            <a:r>
+              <a:rPr lang="en-US" sz="1600" b="0" i="0" dirty="0">
+                <a:solidFill>
+                  <a:srgbClr val="333333"/>
+                </a:solidFill>
+                <a:effectLst/>
+              </a:rPr>
+              <a:t>Business search endpoint. </a:t>
+            </a:r>
+          </a:p>
+          <a:p>
+            <a:pPr lvl="2"/>
+            <a:r>
+              <a:rPr lang="en-US" sz="1600" dirty="0">
+                <a:solidFill>
+                  <a:srgbClr val="333333"/>
+                </a:solidFill>
+              </a:rPr>
+              <a:t>Query limit: </a:t>
+            </a:r>
+          </a:p>
+          <a:p>
+            <a:pPr lvl="3"/>
+            <a:r>
+              <a:rPr lang="en-US" sz="1600" dirty="0">
+                <a:solidFill>
+                  <a:srgbClr val="333333"/>
+                </a:solidFill>
+              </a:rPr>
+              <a:t>This endpoint returns </a:t>
+            </a:r>
+            <a:r>
+              <a:rPr lang="en-US" sz="1600" u="sng" dirty="0">
+                <a:solidFill>
+                  <a:srgbClr val="333333"/>
+                </a:solidFill>
+              </a:rPr>
+              <a:t>up to 1000 </a:t>
+            </a:r>
+            <a:r>
+              <a:rPr lang="en-US" sz="1600" dirty="0">
+                <a:solidFill>
+                  <a:srgbClr val="333333"/>
+                </a:solidFill>
+              </a:rPr>
+              <a:t>businesses based on the search criteria, although the number of </a:t>
+            </a:r>
+            <a:r>
+              <a:rPr lang="en-US" sz="1600" b="0" i="0" dirty="0">
+                <a:solidFill>
+                  <a:srgbClr val="333333"/>
+                </a:solidFill>
+                <a:effectLst/>
+              </a:rPr>
+              <a:t>business results to return per response is by default 20  (maximum  50).  </a:t>
+            </a:r>
+          </a:p>
+          <a:p>
+            <a:pPr lvl="3"/>
+            <a:r>
+              <a:rPr lang="en-US" sz="1600" b="0" i="0" dirty="0">
+                <a:solidFill>
+                  <a:srgbClr val="333333"/>
+                </a:solidFill>
+                <a:effectLst/>
+              </a:rPr>
+              <a:t>Paging the search queries in steps of 20 (using 50 raised more errors) gave us 620 json files per timepoint.</a:t>
+            </a:r>
+          </a:p>
+          <a:p>
+            <a:pPr lvl="2"/>
+            <a:r>
+              <a:rPr lang="en-US" sz="1600" dirty="0">
+                <a:solidFill>
+                  <a:srgbClr val="333333"/>
+                </a:solidFill>
+              </a:rPr>
+              <a:t>Some of the json files saved didn’t have any information; this error is only noticed when reading the already saved json files and the only way around it is to continuously request the data until there isn’t any “empty” file. </a:t>
+            </a:r>
+          </a:p>
+          <a:p>
+            <a:pPr lvl="2"/>
+            <a:endParaRPr lang="en-US" sz="1600" b="0" i="0" dirty="0">
+              <a:solidFill>
+                <a:srgbClr val="333333"/>
+              </a:solidFill>
+              <a:effectLst/>
+            </a:endParaRPr>
+          </a:p>
+          <a:p>
+            <a:pPr lvl="2"/>
+            <a:endParaRPr lang="en-US" b="0" i="0" dirty="0">
+              <a:solidFill>
+                <a:srgbClr val="333333"/>
+              </a:solidFill>
+              <a:effectLst/>
+              <a:latin typeface="Helvetica Neue"/>
+            </a:endParaRPr>
+          </a:p>
+          <a:p>
+            <a:pPr lvl="2"/>
+            <a:endParaRPr lang="en-US" b="0" i="0" dirty="0">
+              <a:solidFill>
+                <a:srgbClr val="333333"/>
+              </a:solidFill>
+              <a:effectLst/>
+              <a:latin typeface="Helvetica Neue"/>
+            </a:endParaRPr>
+          </a:p>
+          <a:p>
+            <a:pPr lvl="3"/>
+            <a:endParaRPr lang="en-US" b="0" i="0" dirty="0">
+              <a:solidFill>
+                <a:srgbClr val="333333"/>
+              </a:solidFill>
+              <a:effectLst/>
+              <a:latin typeface="Helvetica Neue"/>
+            </a:endParaRPr>
+          </a:p>
+          <a:p>
+            <a:pPr lvl="1"/>
+            <a:endParaRPr lang="en-US" b="0" i="0" dirty="0">
+              <a:solidFill>
+                <a:srgbClr val="333333"/>
+              </a:solidFill>
+              <a:effectLst/>
+              <a:latin typeface="Helvetica Neue"/>
+            </a:endParaRPr>
+          </a:p>
+          <a:p>
+            <a:pPr marL="457200" lvl="1" indent="0">
+              <a:buNone/>
+            </a:pPr>
             <a:endParaRPr lang="en-US" dirty="0"/>
           </a:p>
         </p:txBody>
       </p:sp>
-      <p:sp>
-        <p:nvSpPr>
-          <p:cNvPr id="3" name="Content Placeholder 2">
-            <a:extLst>
-              <a:ext uri="{FF2B5EF4-FFF2-40B4-BE49-F238E27FC236}">
-                <a16:creationId xmlns:a16="http://schemas.microsoft.com/office/drawing/2014/main" id="{8E146982-C493-49CE-8C32-6B0A7B2EE790}"/>
-              </a:ext>
-            </a:extLst>
-          </p:cNvPr>
-          <p:cNvSpPr>
-            <a:spLocks noGrp="1"/>
-          </p:cNvSpPr>
-          <p:nvPr>
-            <p:ph idx="1"/>
-          </p:nvPr>
-        </p:nvSpPr>
-        <p:spPr/>
-        <p:txBody>
-          <a:bodyPr/>
-          <a:lstStyle/>
-          <a:p>
-            <a:r>
-              <a:rPr lang="en-US" dirty="0"/>
-              <a:t>Justin</a:t>
-            </a:r>
-          </a:p>
-        </p:txBody>
-      </p:sp>
+      <p:pic>
+        <p:nvPicPr>
+          <p:cNvPr id="4" name="Picture 3">
+            <a:extLst>
+              <a:ext uri="{FF2B5EF4-FFF2-40B4-BE49-F238E27FC236}">
+                <a16:creationId xmlns:a16="http://schemas.microsoft.com/office/drawing/2014/main" id="{FE6A8D1A-C6D7-4258-9AEE-115F59E3DF13}"/>
+              </a:ext>
+            </a:extLst>
+          </p:cNvPr>
+          <p:cNvPicPr>
+            <a:picLocks noChangeAspect="1"/>
+          </p:cNvPicPr>
+          <p:nvPr/>
+        </p:nvPicPr>
+        <p:blipFill>
+          <a:blip r:embed="rId2"/>
+          <a:stretch>
+            <a:fillRect/>
+          </a:stretch>
+        </p:blipFill>
+        <p:spPr>
+          <a:xfrm>
+            <a:off x="2130048" y="4814342"/>
+            <a:ext cx="4368800" cy="599455"/>
+          </a:xfrm>
+          <a:prstGeom prst="rect">
+            <a:avLst/>
+          </a:prstGeom>
+        </p:spPr>
+      </p:pic>
     </p:spTree>
     <p:extLst>
       <p:ext uri="{BB962C8B-B14F-4D97-AF65-F5344CB8AC3E}">
-        <p14:creationId xmlns:p14="http://schemas.microsoft.com/office/powerpoint/2010/main" val="4032917355"/>
+        <p14:creationId xmlns:p14="http://schemas.microsoft.com/office/powerpoint/2010/main" val="2703883280"/>
       </p:ext>
     </p:extLst>
   </p:cSld>
@@ -4031,7 +5475,7 @@
           <a:p>
             <a:r>
               <a:rPr lang="en-US" sz="3200" dirty="0"/>
-              <a:t>IV. Restaurant analysis before and after game day.</a:t>
+              <a:t>II. Data request, coding challenges and solutions</a:t>
             </a:r>
           </a:p>
         </p:txBody>
@@ -4054,20 +5498,198 @@
         </p:nvSpPr>
         <p:spPr/>
         <p:txBody>
-          <a:bodyPr/>
-          <a:lstStyle/>
-          <a:p>
-            <a:r>
-              <a:rPr lang="en-US" dirty="0"/>
-              <a:t>Chris</a:t>
-            </a:r>
+          <a:bodyPr>
+            <a:normAutofit/>
+          </a:bodyPr>
+          <a:lstStyle/>
+          <a:p>
+            <a:pPr lvl="1"/>
+            <a:r>
+              <a:rPr lang="en-US" sz="1600" b="0" i="0" dirty="0">
+                <a:solidFill>
+                  <a:srgbClr val="333333"/>
+                </a:solidFill>
+                <a:effectLst/>
+              </a:rPr>
+              <a:t>Some of the query parameters do not exist in the json response Example: some businesses won’t have a price </a:t>
+            </a:r>
+            <a:r>
+              <a:rPr lang="en-US" sz="1600" dirty="0">
+                <a:solidFill>
+                  <a:srgbClr val="333333"/>
+                </a:solidFill>
+              </a:rPr>
+              <a:t>key in the json file, raising errors when trying to read it.                                                                                                                 Solution, fill the missing information with </a:t>
+            </a:r>
+            <a:r>
+              <a:rPr lang="en-US" sz="1600" dirty="0" err="1">
+                <a:solidFill>
+                  <a:srgbClr val="333333"/>
+                </a:solidFill>
+              </a:rPr>
+              <a:t>np.nan</a:t>
+            </a:r>
+            <a:r>
+              <a:rPr lang="en-US" sz="1600" dirty="0">
+                <a:solidFill>
+                  <a:srgbClr val="333333"/>
+                </a:solidFill>
+              </a:rPr>
+              <a:t>.</a:t>
+            </a:r>
+            <a:endParaRPr lang="en-US" sz="1600" b="0" i="0" dirty="0">
+              <a:solidFill>
+                <a:srgbClr val="333333"/>
+              </a:solidFill>
+              <a:effectLst/>
+            </a:endParaRPr>
+          </a:p>
+          <a:p>
+            <a:pPr lvl="3"/>
+            <a:endParaRPr lang="en-US" sz="1600" b="0" i="0" dirty="0">
+              <a:solidFill>
+                <a:srgbClr val="333333"/>
+              </a:solidFill>
+              <a:effectLst/>
+            </a:endParaRPr>
+          </a:p>
+          <a:p>
+            <a:pPr lvl="1"/>
+            <a:r>
+              <a:rPr lang="en-US" sz="1600" dirty="0">
+                <a:solidFill>
+                  <a:srgbClr val="333333"/>
+                </a:solidFill>
+              </a:rPr>
+              <a:t>In order to get around the API errors obtaining data, multiple error exceptions needed to be raised. Example:</a:t>
+            </a:r>
+          </a:p>
+          <a:p>
+            <a:pPr lvl="1"/>
+            <a:endParaRPr lang="en-US" b="0" i="0" dirty="0">
+              <a:solidFill>
+                <a:srgbClr val="333333"/>
+              </a:solidFill>
+              <a:effectLst/>
+            </a:endParaRPr>
+          </a:p>
+          <a:p>
+            <a:pPr marL="457200" lvl="1" indent="0">
+              <a:buNone/>
+            </a:pPr>
+            <a:endParaRPr lang="en-US" dirty="0"/>
+          </a:p>
+        </p:txBody>
+      </p:sp>
+      <p:pic>
+        <p:nvPicPr>
+          <p:cNvPr id="6" name="Picture 5">
+            <a:extLst>
+              <a:ext uri="{FF2B5EF4-FFF2-40B4-BE49-F238E27FC236}">
+                <a16:creationId xmlns:a16="http://schemas.microsoft.com/office/drawing/2014/main" id="{C4EE770B-9F96-4991-9FCA-D28F4AA03E89}"/>
+              </a:ext>
+            </a:extLst>
+          </p:cNvPr>
+          <p:cNvPicPr>
+            <a:picLocks noChangeAspect="1"/>
+          </p:cNvPicPr>
+          <p:nvPr/>
+        </p:nvPicPr>
+        <p:blipFill rotWithShape="1">
+          <a:blip r:embed="rId2"/>
+          <a:srcRect l="1980" t="9667" r="27104"/>
+          <a:stretch/>
+        </p:blipFill>
+        <p:spPr>
+          <a:xfrm>
+            <a:off x="1624727" y="3791031"/>
+            <a:ext cx="2927650" cy="816924"/>
+          </a:xfrm>
+          <a:prstGeom prst="rect">
+            <a:avLst/>
+          </a:prstGeom>
+        </p:spPr>
+      </p:pic>
+      <p:pic>
+        <p:nvPicPr>
+          <p:cNvPr id="7" name="Picture 6">
+            <a:extLst>
+              <a:ext uri="{FF2B5EF4-FFF2-40B4-BE49-F238E27FC236}">
+                <a16:creationId xmlns:a16="http://schemas.microsoft.com/office/drawing/2014/main" id="{D1109E4A-3B32-4715-85B1-446B57BB54EF}"/>
+              </a:ext>
+            </a:extLst>
+          </p:cNvPr>
+          <p:cNvPicPr>
+            <a:picLocks noChangeAspect="1"/>
+          </p:cNvPicPr>
+          <p:nvPr/>
+        </p:nvPicPr>
+        <p:blipFill>
+          <a:blip r:embed="rId3"/>
+          <a:stretch>
+            <a:fillRect/>
+          </a:stretch>
+        </p:blipFill>
+        <p:spPr>
+          <a:xfrm>
+            <a:off x="5509946" y="3202360"/>
+            <a:ext cx="1786863" cy="2179892"/>
+          </a:xfrm>
+          <a:prstGeom prst="rect">
+            <a:avLst/>
+          </a:prstGeom>
+        </p:spPr>
+      </p:pic>
+      <p:sp>
+        <p:nvSpPr>
+          <p:cNvPr id="8" name="Arrow: Right 7">
+            <a:extLst>
+              <a:ext uri="{FF2B5EF4-FFF2-40B4-BE49-F238E27FC236}">
+                <a16:creationId xmlns:a16="http://schemas.microsoft.com/office/drawing/2014/main" id="{1C2F7170-540C-44B4-8D43-446435140710}"/>
+              </a:ext>
+            </a:extLst>
+          </p:cNvPr>
+          <p:cNvSpPr/>
+          <p:nvPr/>
+        </p:nvSpPr>
+        <p:spPr>
+          <a:xfrm>
+            <a:off x="4599470" y="4113743"/>
+            <a:ext cx="863383" cy="270788"/>
+          </a:xfrm>
+          <a:prstGeom prst="rightArrow">
+            <a:avLst/>
+          </a:prstGeom>
+        </p:spPr>
+        <p:style>
+          <a:lnRef idx="2">
+            <a:schemeClr val="accent1">
+              <a:shade val="50000"/>
+            </a:schemeClr>
+          </a:lnRef>
+          <a:fillRef idx="1">
+            <a:schemeClr val="accent1"/>
+          </a:fillRef>
+          <a:effectRef idx="0">
+            <a:schemeClr val="accent1"/>
+          </a:effectRef>
+          <a:fontRef idx="minor">
+            <a:schemeClr val="lt1"/>
+          </a:fontRef>
+        </p:style>
+        <p:txBody>
+          <a:bodyPr rtlCol="0" anchor="ctr"/>
+          <a:lstStyle/>
+          <a:p>
+            <a:pPr algn="ctr"/>
+            <a:endParaRPr lang="en-US"/>
           </a:p>
         </p:txBody>
       </p:sp>
     </p:spTree>
     <p:extLst>
       <p:ext uri="{BB962C8B-B14F-4D97-AF65-F5344CB8AC3E}">
-        <p14:creationId xmlns:p14="http://schemas.microsoft.com/office/powerpoint/2010/main" val="2019740083"/>
+        <p14:creationId xmlns:p14="http://schemas.microsoft.com/office/powerpoint/2010/main" val="2921547554"/>
       </p:ext>
     </p:extLst>
   </p:cSld>
@@ -4113,53 +5735,158 @@
         <p:spPr/>
         <p:txBody>
           <a:bodyPr>
-            <a:normAutofit fontScale="90000"/>
+            <a:normAutofit/>
           </a:bodyPr>
           <a:lstStyle/>
           <a:p>
             <a:r>
-              <a:rPr lang="en-US" sz="3600" dirty="0"/>
-              <a:t>V. Restaurants in most popular cities in the US vs most and least popular NFL teams.</a:t>
-            </a:r>
-            <a:br>
-              <a:rPr lang="en-US" dirty="0"/>
-            </a:br>
+              <a:rPr lang="en-US" sz="3200" dirty="0"/>
+              <a:t>II. Data request and coding challenges.</a:t>
+            </a:r>
+          </a:p>
+        </p:txBody>
+      </p:sp>
+      <p:sp>
+        <p:nvSpPr>
+          <p:cNvPr id="3" name="Content Placeholder 2">
+            <a:extLst>
+              <a:ext uri="{FF2B5EF4-FFF2-40B4-BE49-F238E27FC236}">
+                <a16:creationId xmlns:a16="http://schemas.microsoft.com/office/drawing/2014/main" id="{8E146982-C493-49CE-8C32-6B0A7B2EE790}"/>
+              </a:ext>
+            </a:extLst>
+          </p:cNvPr>
+          <p:cNvSpPr>
+            <a:spLocks noGrp="1"/>
+          </p:cNvSpPr>
+          <p:nvPr>
+            <p:ph idx="1"/>
+          </p:nvPr>
+        </p:nvSpPr>
+        <p:spPr/>
+        <p:txBody>
+          <a:bodyPr>
+            <a:normAutofit/>
+          </a:bodyPr>
+          <a:lstStyle/>
+          <a:p>
+            <a:r>
+              <a:rPr lang="en-US" sz="1600" dirty="0"/>
+              <a:t>Data munging:</a:t>
+            </a:r>
+          </a:p>
+          <a:p>
+            <a:pPr lvl="1"/>
+            <a:r>
+              <a:rPr lang="en-US" sz="1600" dirty="0"/>
+              <a:t>From 620 json files, clean and format the data for 32 NFL teams.</a:t>
+            </a:r>
+          </a:p>
+          <a:p>
+            <a:pPr lvl="2"/>
+            <a:r>
+              <a:rPr lang="en-US" sz="1600" dirty="0"/>
+              <a:t>Identifying (saving) the json file per team.</a:t>
+            </a:r>
+          </a:p>
+          <a:p>
+            <a:pPr lvl="2"/>
+            <a:r>
+              <a:rPr lang="en-US" sz="1600" dirty="0"/>
+              <a:t>Read the json files and unify the data requested for each team.</a:t>
+            </a:r>
+          </a:p>
+          <a:p>
+            <a:pPr lvl="2"/>
+            <a:r>
+              <a:rPr lang="en-US" sz="1600" dirty="0"/>
+              <a:t>Convert Yelp price format “$, $$, $$$, $$$$” to numbers.</a:t>
+            </a:r>
+          </a:p>
+          <a:p>
+            <a:pPr lvl="2"/>
+            <a:r>
+              <a:rPr lang="en-US" sz="1600" dirty="0"/>
+              <a:t>Drop all null and </a:t>
+            </a:r>
+            <a:r>
+              <a:rPr lang="en-US" sz="1600" dirty="0" err="1"/>
+              <a:t>np.nan</a:t>
+            </a:r>
+            <a:r>
+              <a:rPr lang="en-US" sz="1600" dirty="0"/>
+              <a:t> values.</a:t>
+            </a:r>
+          </a:p>
+          <a:p>
+            <a:pPr lvl="1"/>
+            <a:endParaRPr lang="en-US" sz="1600" dirty="0"/>
+          </a:p>
+          <a:p>
+            <a:pPr lvl="1"/>
+            <a:endParaRPr lang="en-US" sz="1600" dirty="0"/>
+          </a:p>
+          <a:p>
+            <a:pPr lvl="1"/>
+            <a:r>
+              <a:rPr lang="en-US" sz="1600" dirty="0"/>
+              <a:t>Data munging method used in this project:</a:t>
+            </a:r>
+          </a:p>
+          <a:p>
+            <a:pPr lvl="2"/>
+            <a:r>
+              <a:rPr lang="en-US" sz="1600" dirty="0"/>
+              <a:t> Creation of dictionaries with nested lists and nested tuples as values.</a:t>
+            </a:r>
+          </a:p>
+          <a:p>
+            <a:pPr marL="914400" lvl="2" indent="0">
+              <a:buNone/>
+            </a:pPr>
+            <a:endParaRPr lang="en-US" sz="1600" dirty="0"/>
+          </a:p>
+          <a:p>
+            <a:pPr marL="914400" lvl="2" indent="0">
+              <a:buNone/>
+            </a:pPr>
             <a:endParaRPr lang="en-US" dirty="0"/>
           </a:p>
         </p:txBody>
       </p:sp>
-      <p:sp>
-        <p:nvSpPr>
-          <p:cNvPr id="3" name="Content Placeholder 2">
-            <a:extLst>
-              <a:ext uri="{FF2B5EF4-FFF2-40B4-BE49-F238E27FC236}">
-                <a16:creationId xmlns:a16="http://schemas.microsoft.com/office/drawing/2014/main" id="{8E146982-C493-49CE-8C32-6B0A7B2EE790}"/>
-              </a:ext>
-            </a:extLst>
-          </p:cNvPr>
-          <p:cNvSpPr>
-            <a:spLocks noGrp="1"/>
-          </p:cNvSpPr>
-          <p:nvPr>
-            <p:ph idx="1"/>
-          </p:nvPr>
-        </p:nvSpPr>
-        <p:spPr/>
-        <p:txBody>
-          <a:bodyPr/>
-          <a:lstStyle/>
-          <a:p>
-            <a:r>
-              <a:rPr lang="en-US" dirty="0"/>
-              <a:t>Eric</a:t>
-            </a:r>
-          </a:p>
-        </p:txBody>
-      </p:sp>
+      <p:pic>
+        <p:nvPicPr>
+          <p:cNvPr id="4" name="Picture 3">
+            <a:extLst>
+              <a:ext uri="{FF2B5EF4-FFF2-40B4-BE49-F238E27FC236}">
+                <a16:creationId xmlns:a16="http://schemas.microsoft.com/office/drawing/2014/main" id="{79605F93-C0C4-4BA1-B132-2E66389A2CC2}"/>
+              </a:ext>
+            </a:extLst>
+          </p:cNvPr>
+          <p:cNvPicPr>
+            <a:picLocks noChangeAspect="1"/>
+          </p:cNvPicPr>
+          <p:nvPr/>
+        </p:nvPicPr>
+        <p:blipFill>
+          <a:blip r:embed="rId2"/>
+          <a:stretch>
+            <a:fillRect/>
+          </a:stretch>
+        </p:blipFill>
+        <p:spPr>
+          <a:xfrm>
+            <a:off x="9169580" y="2656863"/>
+            <a:ext cx="1823312" cy="2465993"/>
+          </a:xfrm>
+          <a:prstGeom prst="rect">
+            <a:avLst/>
+          </a:prstGeom>
+        </p:spPr>
+      </p:pic>
     </p:spTree>
     <p:extLst>
       <p:ext uri="{BB962C8B-B14F-4D97-AF65-F5344CB8AC3E}">
-        <p14:creationId xmlns:p14="http://schemas.microsoft.com/office/powerpoint/2010/main" val="3650911623"/>
+        <p14:creationId xmlns:p14="http://schemas.microsoft.com/office/powerpoint/2010/main" val="2920566430"/>
       </p:ext>
     </p:extLst>
   </p:cSld>
@@ -4191,7 +5918,7 @@
           <p:cNvPr id="2" name="Title 1">
             <a:extLst>
               <a:ext uri="{FF2B5EF4-FFF2-40B4-BE49-F238E27FC236}">
-                <a16:creationId xmlns:a16="http://schemas.microsoft.com/office/drawing/2014/main" id="{1528E662-6DCC-4221-AF6F-1AA9AEB3BDAB}"/>
+                <a16:creationId xmlns:a16="http://schemas.microsoft.com/office/drawing/2014/main" id="{E463C399-5906-42EC-882D-53521017C73D}"/>
               </a:ext>
             </a:extLst>
           </p:cNvPr>
@@ -4204,72 +5931,142 @@
         </p:nvSpPr>
         <p:spPr/>
         <p:txBody>
+          <a:bodyPr>
+            <a:normAutofit fontScale="90000"/>
+          </a:bodyPr>
+          <a:lstStyle/>
+          <a:p>
+            <a:r>
+              <a:rPr lang="en-US" sz="3600" dirty="0"/>
+              <a:t>III. Restaurant analysis in 2 miles radius around the Stadiums.</a:t>
+            </a:r>
+            <a:br>
+              <a:rPr lang="en-US" dirty="0"/>
+            </a:br>
+            <a:endParaRPr lang="en-US" dirty="0"/>
+          </a:p>
+        </p:txBody>
+      </p:sp>
+      <p:sp>
+        <p:nvSpPr>
+          <p:cNvPr id="3" name="Content Placeholder 2">
+            <a:extLst>
+              <a:ext uri="{FF2B5EF4-FFF2-40B4-BE49-F238E27FC236}">
+                <a16:creationId xmlns:a16="http://schemas.microsoft.com/office/drawing/2014/main" id="{8E146982-C493-49CE-8C32-6B0A7B2EE790}"/>
+              </a:ext>
+            </a:extLst>
+          </p:cNvPr>
+          <p:cNvSpPr>
+            <a:spLocks noGrp="1"/>
+          </p:cNvSpPr>
+          <p:nvPr>
+            <p:ph idx="1"/>
+          </p:nvPr>
+        </p:nvSpPr>
+        <p:spPr/>
+        <p:txBody>
           <a:bodyPr/>
           <a:lstStyle/>
           <a:p>
             <a:r>
               <a:rPr lang="en-US" dirty="0"/>
-              <a:t>Team</a:t>
-            </a:r>
-          </a:p>
-        </p:txBody>
-      </p:sp>
-      <p:sp>
-        <p:nvSpPr>
-          <p:cNvPr id="3" name="Content Placeholder 2">
-            <a:extLst>
-              <a:ext uri="{FF2B5EF4-FFF2-40B4-BE49-F238E27FC236}">
-                <a16:creationId xmlns:a16="http://schemas.microsoft.com/office/drawing/2014/main" id="{E59C5B16-17B7-44EC-9598-555DD37C6D4D}"/>
-              </a:ext>
-            </a:extLst>
-          </p:cNvPr>
-          <p:cNvSpPr>
-            <a:spLocks noGrp="1"/>
-          </p:cNvSpPr>
-          <p:nvPr>
-            <p:ph idx="1"/>
-          </p:nvPr>
-        </p:nvSpPr>
-        <p:spPr/>
-        <p:txBody>
-          <a:bodyPr/>
-          <a:lstStyle/>
-          <a:p>
-            <a:r>
-              <a:rPr lang="en-US" dirty="0"/>
-              <a:t>Javier: Gatekeeper, Yelp API (code request, clean and format data, statistics output)</a:t>
-            </a:r>
-          </a:p>
-          <a:p>
-            <a:r>
-              <a:rPr lang="en-US" dirty="0"/>
-              <a:t>Eric: plotting categories data, question 5.</a:t>
-            </a:r>
-          </a:p>
-          <a:p>
-            <a:r>
-              <a:rPr lang="en-US" dirty="0"/>
-              <a:t>Justin: plotting summary, question 1.</a:t>
-            </a:r>
-          </a:p>
-          <a:p>
-            <a:r>
-              <a:rPr lang="en-US" dirty="0"/>
-              <a:t>Chris: plotting Saturday &amp; Monday data, questions 2 &amp; 3</a:t>
-            </a:r>
-          </a:p>
-          <a:p>
-            <a:pPr marL="0" indent="0">
-              <a:buNone/>
-            </a:pPr>
-            <a:endParaRPr lang="en-US" dirty="0"/>
+              <a:t>Justin</a:t>
+            </a:r>
           </a:p>
         </p:txBody>
       </p:sp>
     </p:spTree>
     <p:extLst>
       <p:ext uri="{BB962C8B-B14F-4D97-AF65-F5344CB8AC3E}">
-        <p14:creationId xmlns:p14="http://schemas.microsoft.com/office/powerpoint/2010/main" val="3884135527"/>
+        <p14:creationId xmlns:p14="http://schemas.microsoft.com/office/powerpoint/2010/main" val="4032917355"/>
+      </p:ext>
+    </p:extLst>
+  </p:cSld>
+  <p:clrMapOvr>
+    <a:masterClrMapping/>
+  </p:clrMapOvr>
+</p:sld>
+</file>
+
+<file path=ppt/slides/slide9.xml><?xml version="1.0" encoding="utf-8"?>
+<p:sld xmlns:a="http://schemas.openxmlformats.org/drawingml/2006/main" xmlns:r="http://schemas.openxmlformats.org/officeDocument/2006/relationships" xmlns:p="http://schemas.openxmlformats.org/presentationml/2006/main">
+  <p:cSld>
+    <p:spTree>
+      <p:nvGrpSpPr>
+        <p:cNvPr id="1" name=""/>
+        <p:cNvGrpSpPr/>
+        <p:nvPr/>
+      </p:nvGrpSpPr>
+      <p:grpSpPr>
+        <a:xfrm>
+          <a:off x="0" y="0"/>
+          <a:ext cx="0" cy="0"/>
+          <a:chOff x="0" y="0"/>
+          <a:chExt cx="0" cy="0"/>
+        </a:xfrm>
+      </p:grpSpPr>
+      <p:sp>
+        <p:nvSpPr>
+          <p:cNvPr id="2" name="Title 1">
+            <a:extLst>
+              <a:ext uri="{FF2B5EF4-FFF2-40B4-BE49-F238E27FC236}">
+                <a16:creationId xmlns:a16="http://schemas.microsoft.com/office/drawing/2014/main" id="{E463C399-5906-42EC-882D-53521017C73D}"/>
+              </a:ext>
+            </a:extLst>
+          </p:cNvPr>
+          <p:cNvSpPr>
+            <a:spLocks noGrp="1"/>
+          </p:cNvSpPr>
+          <p:nvPr>
+            <p:ph type="title"/>
+          </p:nvPr>
+        </p:nvSpPr>
+        <p:spPr/>
+        <p:txBody>
+          <a:bodyPr>
+            <a:normAutofit/>
+          </a:bodyPr>
+          <a:lstStyle/>
+          <a:p>
+            <a:r>
+              <a:rPr lang="en-US" sz="3200" dirty="0"/>
+              <a:t>IV. Restaurant analysis before and after game day.</a:t>
+            </a:r>
+          </a:p>
+        </p:txBody>
+      </p:sp>
+      <p:sp>
+        <p:nvSpPr>
+          <p:cNvPr id="3" name="Content Placeholder 2">
+            <a:extLst>
+              <a:ext uri="{FF2B5EF4-FFF2-40B4-BE49-F238E27FC236}">
+                <a16:creationId xmlns:a16="http://schemas.microsoft.com/office/drawing/2014/main" id="{8E146982-C493-49CE-8C32-6B0A7B2EE790}"/>
+              </a:ext>
+            </a:extLst>
+          </p:cNvPr>
+          <p:cNvSpPr>
+            <a:spLocks noGrp="1"/>
+          </p:cNvSpPr>
+          <p:nvPr>
+            <p:ph idx="1"/>
+          </p:nvPr>
+        </p:nvSpPr>
+        <p:spPr/>
+        <p:txBody>
+          <a:bodyPr/>
+          <a:lstStyle/>
+          <a:p>
+            <a:r>
+              <a:rPr lang="en-US" dirty="0"/>
+              <a:t>Chris</a:t>
+            </a:r>
+          </a:p>
+        </p:txBody>
+      </p:sp>
+    </p:spTree>
+    <p:extLst>
+      <p:ext uri="{BB962C8B-B14F-4D97-AF65-F5344CB8AC3E}">
+        <p14:creationId xmlns:p14="http://schemas.microsoft.com/office/powerpoint/2010/main" val="2019740083"/>
       </p:ext>
     </p:extLst>
   </p:cSld>

--- a/Presentation/Team_4-Restaurant_Density_Analysis..pptx
+++ b/Presentation/Team_4-Restaurant_Density_Analysis..pptx
@@ -14,11 +14,13 @@
     <p:sldId id="260" r:id="rId8"/>
     <p:sldId id="261" r:id="rId9"/>
     <p:sldId id="262" r:id="rId10"/>
-    <p:sldId id="268" r:id="rId11"/>
-    <p:sldId id="269" r:id="rId12"/>
-    <p:sldId id="270" r:id="rId13"/>
-    <p:sldId id="271" r:id="rId14"/>
-    <p:sldId id="258" r:id="rId15"/>
+    <p:sldId id="273" r:id="rId11"/>
+    <p:sldId id="274" r:id="rId12"/>
+    <p:sldId id="268" r:id="rId13"/>
+    <p:sldId id="269" r:id="rId14"/>
+    <p:sldId id="270" r:id="rId15"/>
+    <p:sldId id="271" r:id="rId16"/>
+    <p:sldId id="258" r:id="rId17"/>
   </p:sldIdLst>
   <p:sldSz cx="12192000" cy="6858000"/>
   <p:notesSz cx="6858000" cy="9144000"/>
@@ -3469,6 +3471,465 @@
           <p:cNvPr id="2" name="Title 1">
             <a:extLst>
               <a:ext uri="{FF2B5EF4-FFF2-40B4-BE49-F238E27FC236}">
+                <a16:creationId xmlns:a16="http://schemas.microsoft.com/office/drawing/2014/main" id="{CBF2D76B-3523-4D98-9AF6-119D48C1D5FB}"/>
+              </a:ext>
+            </a:extLst>
+          </p:cNvPr>
+          <p:cNvSpPr>
+            <a:spLocks noGrp="1"/>
+          </p:cNvSpPr>
+          <p:nvPr>
+            <p:ph type="title"/>
+          </p:nvPr>
+        </p:nvSpPr>
+        <p:spPr/>
+        <p:txBody>
+          <a:bodyPr/>
+          <a:lstStyle/>
+          <a:p>
+            <a:r>
+              <a:rPr lang="en-US" dirty="0"/>
+              <a:t>Restaurant Price Scale</a:t>
+            </a:r>
+          </a:p>
+        </p:txBody>
+      </p:sp>
+      <p:pic>
+        <p:nvPicPr>
+          <p:cNvPr id="5" name="Content Placeholder 4">
+            <a:extLst>
+              <a:ext uri="{FF2B5EF4-FFF2-40B4-BE49-F238E27FC236}">
+                <a16:creationId xmlns:a16="http://schemas.microsoft.com/office/drawing/2014/main" id="{73C120D6-418A-473B-89AA-6C0596A9926A}"/>
+              </a:ext>
+            </a:extLst>
+          </p:cNvPr>
+          <p:cNvPicPr>
+            <a:picLocks noGrp="1" noChangeAspect="1"/>
+          </p:cNvPicPr>
+          <p:nvPr>
+            <p:ph idx="1"/>
+          </p:nvPr>
+        </p:nvPicPr>
+        <p:blipFill>
+          <a:blip r:embed="rId2"/>
+          <a:stretch>
+            <a:fillRect/>
+          </a:stretch>
+        </p:blipFill>
+        <p:spPr>
+          <a:xfrm>
+            <a:off x="5393915" y="987425"/>
+            <a:ext cx="5750745" cy="4873625"/>
+          </a:xfrm>
+          <a:prstGeom prst="rect">
+            <a:avLst/>
+          </a:prstGeom>
+        </p:spPr>
+      </p:pic>
+      <p:sp>
+        <p:nvSpPr>
+          <p:cNvPr id="4" name="Text Placeholder 3">
+            <a:extLst>
+              <a:ext uri="{FF2B5EF4-FFF2-40B4-BE49-F238E27FC236}">
+                <a16:creationId xmlns:a16="http://schemas.microsoft.com/office/drawing/2014/main" id="{A615D896-B4B6-450C-913B-F91466B10C8E}"/>
+              </a:ext>
+            </a:extLst>
+          </p:cNvPr>
+          <p:cNvSpPr>
+            <a:spLocks noGrp="1"/>
+          </p:cNvSpPr>
+          <p:nvPr>
+            <p:ph type="body" sz="half" idx="2"/>
+          </p:nvPr>
+        </p:nvSpPr>
+        <p:spPr/>
+        <p:txBody>
+          <a:bodyPr/>
+          <a:lstStyle/>
+          <a:p>
+            <a:pPr indent="-228600">
+              <a:buFont typeface="Arial" panose="020B0604020202020204" pitchFamily="34" charset="0"/>
+              <a:buChar char="•"/>
+              <a:defRPr/>
+            </a:pPr>
+            <a:r>
+              <a:rPr lang="en-US" dirty="0"/>
+              <a:t>The Restaurant Price Scale was represented by “$”. With “$” being the cheapest and “$$$$” being most expensive.</a:t>
+            </a:r>
+          </a:p>
+          <a:p>
+            <a:pPr indent="-228600">
+              <a:buFont typeface="Arial" panose="020B0604020202020204" pitchFamily="34" charset="0"/>
+              <a:buChar char="•"/>
+              <a:defRPr/>
+            </a:pPr>
+            <a:r>
+              <a:rPr lang="en-US" dirty="0"/>
+              <a:t>The data shows most teams tend to stay in the lower price range in restaurants around the stadium. </a:t>
+            </a:r>
+          </a:p>
+          <a:p>
+            <a:pPr indent="-228600">
+              <a:buFont typeface="Arial" panose="020B0604020202020204" pitchFamily="34" charset="0"/>
+              <a:buChar char="•"/>
+              <a:defRPr/>
+            </a:pPr>
+            <a:r>
+              <a:rPr lang="en-US" dirty="0"/>
+              <a:t>Interesting the most expensive was Allegiant Stadium which is newly built in Las Vegas but has yet to have fans around.</a:t>
+            </a:r>
+          </a:p>
+          <a:p>
+            <a:pPr indent="-228600">
+              <a:buFont typeface="Arial" panose="020B0604020202020204" pitchFamily="34" charset="0"/>
+              <a:buChar char="•"/>
+              <a:defRPr/>
+            </a:pPr>
+            <a:endParaRPr lang="en-US" dirty="0"/>
+          </a:p>
+        </p:txBody>
+      </p:sp>
+    </p:spTree>
+    <p:extLst>
+      <p:ext uri="{BB962C8B-B14F-4D97-AF65-F5344CB8AC3E}">
+        <p14:creationId xmlns:p14="http://schemas.microsoft.com/office/powerpoint/2010/main" val="3216535012"/>
+      </p:ext>
+    </p:extLst>
+  </p:cSld>
+  <p:clrMapOvr>
+    <a:masterClrMapping/>
+  </p:clrMapOvr>
+</p:sld>
+</file>
+
+<file path=ppt/slides/slide11.xml><?xml version="1.0" encoding="utf-8"?>
+<p:sld xmlns:a="http://schemas.openxmlformats.org/drawingml/2006/main" xmlns:r="http://schemas.openxmlformats.org/officeDocument/2006/relationships" xmlns:p="http://schemas.openxmlformats.org/presentationml/2006/main">
+  <p:cSld>
+    <p:bg>
+      <p:bgPr>
+        <a:solidFill>
+          <a:schemeClr val="bg1"/>
+        </a:solidFill>
+        <a:effectLst/>
+      </p:bgPr>
+    </p:bg>
+    <p:spTree>
+      <p:nvGrpSpPr>
+        <p:cNvPr id="1" name=""/>
+        <p:cNvGrpSpPr/>
+        <p:nvPr/>
+      </p:nvGrpSpPr>
+      <p:grpSpPr>
+        <a:xfrm>
+          <a:off x="0" y="0"/>
+          <a:ext cx="0" cy="0"/>
+          <a:chOff x="0" y="0"/>
+          <a:chExt cx="0" cy="0"/>
+        </a:xfrm>
+      </p:grpSpPr>
+      <p:sp useBgFill="1">
+        <p:nvSpPr>
+          <p:cNvPr id="10" name="Rectangle 9">
+            <a:extLst>
+              <a:ext uri="{FF2B5EF4-FFF2-40B4-BE49-F238E27FC236}">
+                <a16:creationId xmlns:a16="http://schemas.microsoft.com/office/drawing/2014/main" id="{53F29798-D584-4792-9B62-3F5F5C36D619}"/>
+              </a:ext>
+              <a:ext uri="{C183D7F6-B498-43B3-948B-1728B52AA6E4}">
+                <adec:decorative xmlns:adec="http://schemas.microsoft.com/office/drawing/2017/decorative" val="1"/>
+              </a:ext>
+            </a:extLst>
+          </p:cNvPr>
+          <p:cNvSpPr>
+            <a:spLocks noGrp="1" noRot="1" noChangeAspect="1" noMove="1" noResize="1" noEditPoints="1" noAdjustHandles="1" noChangeArrowheads="1" noChangeShapeType="1" noTextEdit="1"/>
+          </p:cNvSpPr>
+          <p:nvPr>
+            <p:extLst>
+              <p:ext uri="{386F3935-93C4-4BCD-93E2-E3B085C9AB24}">
+                <p16:designElem xmlns:p16="http://schemas.microsoft.com/office/powerpoint/2015/main" val="1"/>
+              </p:ext>
+            </p:extLst>
+          </p:nvPr>
+        </p:nvSpPr>
+        <p:spPr>
+          <a:xfrm>
+            <a:off x="0" y="0"/>
+            <a:ext cx="12188952" cy="6858000"/>
+          </a:xfrm>
+          <a:prstGeom prst="rect">
+            <a:avLst/>
+          </a:prstGeom>
+          <a:ln>
+            <a:noFill/>
+          </a:ln>
+        </p:spPr>
+        <p:style>
+          <a:lnRef idx="2">
+            <a:schemeClr val="accent1">
+              <a:shade val="50000"/>
+            </a:schemeClr>
+          </a:lnRef>
+          <a:fillRef idx="1">
+            <a:schemeClr val="accent1"/>
+          </a:fillRef>
+          <a:effectRef idx="0">
+            <a:schemeClr val="accent1"/>
+          </a:effectRef>
+          <a:fontRef idx="minor">
+            <a:schemeClr val="lt1"/>
+          </a:fontRef>
+        </p:style>
+        <p:txBody>
+          <a:bodyPr rtlCol="0" anchor="ctr"/>
+          <a:lstStyle/>
+          <a:p>
+            <a:pPr algn="ctr"/>
+            <a:endParaRPr lang="en-US"/>
+          </a:p>
+        </p:txBody>
+      </p:sp>
+      <p:sp>
+        <p:nvSpPr>
+          <p:cNvPr id="2" name="Title 1">
+            <a:extLst>
+              <a:ext uri="{FF2B5EF4-FFF2-40B4-BE49-F238E27FC236}">
+                <a16:creationId xmlns:a16="http://schemas.microsoft.com/office/drawing/2014/main" id="{5EA15EBA-E39D-407D-8CA0-5471FD64C9AA}"/>
+              </a:ext>
+            </a:extLst>
+          </p:cNvPr>
+          <p:cNvSpPr>
+            <a:spLocks noGrp="1"/>
+          </p:cNvSpPr>
+          <p:nvPr>
+            <p:ph type="title"/>
+          </p:nvPr>
+        </p:nvSpPr>
+        <p:spPr>
+          <a:xfrm>
+            <a:off x="838200" y="562271"/>
+            <a:ext cx="10515600" cy="1128417"/>
+          </a:xfrm>
+        </p:spPr>
+        <p:txBody>
+          <a:bodyPr vert="horz" lIns="91440" tIns="45720" rIns="91440" bIns="45720" rtlCol="0" anchor="ctr">
+            <a:normAutofit fontScale="90000"/>
+          </a:bodyPr>
+          <a:lstStyle/>
+          <a:p>
+            <a:pPr marL="0" marR="0" lvl="0" indent="-228600" defTabSz="914400" rtl="0" eaLnBrk="1" fontAlgn="auto" latinLnBrk="0" hangingPunct="1">
+              <a:lnSpc>
+                <a:spcPct val="90000"/>
+              </a:lnSpc>
+              <a:spcBef>
+                <a:spcPts val="1000"/>
+              </a:spcBef>
+              <a:spcAft>
+                <a:spcPts val="0"/>
+              </a:spcAft>
+              <a:tabLst/>
+              <a:defRPr/>
+            </a:pPr>
+            <a:r>
+              <a:rPr kumimoji="0" lang="en-US" sz="1800" b="0" i="0" u="none" strike="noStrike" kern="1200" cap="none" spc="0" normalizeH="0" baseline="0" noProof="0" dirty="0">
+                <a:ln>
+                  <a:noFill/>
+                </a:ln>
+                <a:solidFill>
+                  <a:prstClr val="black"/>
+                </a:solidFill>
+                <a:effectLst/>
+                <a:uLnTx/>
+                <a:uFillTx/>
+                <a:latin typeface="Calibri" panose="020F0502020204030204"/>
+                <a:ea typeface="+mn-ea"/>
+                <a:cs typeface="+mn-cs"/>
+              </a:rPr>
+              <a:t>The Average number of Reviews of 1000 restaurants and the average number of the them only changed barely for a few stadiums.</a:t>
+            </a:r>
+            <a:br>
+              <a:rPr kumimoji="0" lang="en-US" sz="1800" b="0" i="0" u="none" strike="noStrike" kern="1200" cap="none" spc="0" normalizeH="0" baseline="0" noProof="0" dirty="0">
+                <a:ln>
+                  <a:noFill/>
+                </a:ln>
+                <a:solidFill>
+                  <a:prstClr val="black"/>
+                </a:solidFill>
+                <a:effectLst/>
+                <a:uLnTx/>
+                <a:uFillTx/>
+                <a:latin typeface="Calibri" panose="020F0502020204030204"/>
+                <a:ea typeface="+mn-ea"/>
+                <a:cs typeface="+mn-cs"/>
+              </a:rPr>
+            </a:br>
+            <a:br>
+              <a:rPr kumimoji="0" lang="en-US" sz="1800" b="0" i="0" u="none" strike="noStrike" kern="1200" cap="none" spc="0" normalizeH="0" baseline="0" noProof="0" dirty="0">
+                <a:ln>
+                  <a:noFill/>
+                </a:ln>
+                <a:solidFill>
+                  <a:prstClr val="black"/>
+                </a:solidFill>
+                <a:effectLst/>
+                <a:uLnTx/>
+                <a:uFillTx/>
+                <a:latin typeface="Calibri" panose="020F0502020204030204"/>
+                <a:ea typeface="+mn-ea"/>
+                <a:cs typeface="+mn-cs"/>
+              </a:rPr>
+            </a:br>
+            <a:r>
+              <a:rPr kumimoji="0" lang="en-US" sz="1800" b="0" i="0" u="none" strike="noStrike" kern="1200" cap="none" spc="0" normalizeH="0" baseline="0" noProof="0" dirty="0">
+                <a:ln>
+                  <a:noFill/>
+                </a:ln>
+                <a:solidFill>
+                  <a:prstClr val="black"/>
+                </a:solidFill>
+                <a:effectLst/>
+                <a:uLnTx/>
+                <a:uFillTx/>
+                <a:latin typeface="Calibri" panose="020F0502020204030204"/>
+                <a:ea typeface="+mn-ea"/>
+                <a:cs typeface="+mn-cs"/>
+              </a:rPr>
+              <a:t>One observation is that Allegiant stadium hasn’t had fans but it being in Las Vegas which is popular destination, the numbers could be a </a:t>
+            </a:r>
+            <a:r>
+              <a:rPr kumimoji="0" lang="en-US" sz="1800" b="0" i="0" u="none" strike="noStrike" kern="1200" cap="none" spc="0" normalizeH="0" baseline="0" noProof="0">
+                <a:ln>
+                  <a:noFill/>
+                </a:ln>
+                <a:solidFill>
+                  <a:prstClr val="black"/>
+                </a:solidFill>
+                <a:effectLst/>
+                <a:uLnTx/>
+                <a:uFillTx/>
+                <a:latin typeface="Calibri" panose="020F0502020204030204"/>
+                <a:ea typeface="+mn-ea"/>
+                <a:cs typeface="+mn-cs"/>
+              </a:rPr>
+              <a:t>little deceiving. </a:t>
+            </a:r>
+            <a:br>
+              <a:rPr kumimoji="0" lang="en-US" sz="1800" b="0" i="0" u="none" strike="noStrike" kern="1200" cap="none" spc="0" normalizeH="0" baseline="0" noProof="0" dirty="0">
+                <a:ln>
+                  <a:noFill/>
+                </a:ln>
+                <a:solidFill>
+                  <a:prstClr val="black"/>
+                </a:solidFill>
+                <a:effectLst/>
+                <a:uLnTx/>
+                <a:uFillTx/>
+                <a:latin typeface="Calibri" panose="020F0502020204030204"/>
+                <a:ea typeface="+mn-ea"/>
+                <a:cs typeface="+mn-cs"/>
+              </a:rPr>
+            </a:br>
+            <a:br>
+              <a:rPr kumimoji="0" lang="en-US" sz="1800" b="0" i="0" u="none" strike="noStrike" kern="1200" cap="none" spc="0" normalizeH="0" baseline="0" noProof="0" dirty="0">
+                <a:ln>
+                  <a:noFill/>
+                </a:ln>
+                <a:solidFill>
+                  <a:prstClr val="black"/>
+                </a:solidFill>
+                <a:effectLst/>
+                <a:uLnTx/>
+                <a:uFillTx/>
+                <a:latin typeface="Calibri" panose="020F0502020204030204"/>
+                <a:ea typeface="+mn-ea"/>
+                <a:cs typeface="+mn-cs"/>
+              </a:rPr>
+            </a:br>
+            <a:r>
+              <a:rPr kumimoji="0" lang="en-US" sz="1800" b="0" i="0" u="none" strike="noStrike" kern="1200" cap="none" spc="0" normalizeH="0" baseline="0" noProof="0" dirty="0">
+                <a:ln>
+                  <a:noFill/>
+                </a:ln>
+                <a:solidFill>
+                  <a:prstClr val="black"/>
+                </a:solidFill>
+                <a:effectLst/>
+                <a:uLnTx/>
+                <a:uFillTx/>
+                <a:latin typeface="Calibri" panose="020F0502020204030204"/>
+                <a:ea typeface="+mn-ea"/>
+                <a:cs typeface="+mn-cs"/>
+              </a:rPr>
+              <a:t>Looking at this data over the course of a longer period time for instance a month or year could produce more noticeable results.</a:t>
+            </a:r>
+            <a:endParaRPr lang="en-US" sz="1400" dirty="0"/>
+          </a:p>
+        </p:txBody>
+      </p:sp>
+      <p:pic>
+        <p:nvPicPr>
+          <p:cNvPr id="5" name="Content Placeholder 4">
+            <a:extLst>
+              <a:ext uri="{FF2B5EF4-FFF2-40B4-BE49-F238E27FC236}">
+                <a16:creationId xmlns:a16="http://schemas.microsoft.com/office/drawing/2014/main" id="{AAB98C8A-15A9-4F4B-8CFE-A927E9369395}"/>
+              </a:ext>
+            </a:extLst>
+          </p:cNvPr>
+          <p:cNvPicPr>
+            <a:picLocks noGrp="1" noChangeAspect="1"/>
+          </p:cNvPicPr>
+          <p:nvPr>
+            <p:ph idx="1"/>
+          </p:nvPr>
+        </p:nvPicPr>
+        <p:blipFill rotWithShape="1">
+          <a:blip r:embed="rId2"/>
+          <a:srcRect l="7874" r="1" b="1"/>
+          <a:stretch/>
+        </p:blipFill>
+        <p:spPr>
+          <a:xfrm>
+            <a:off x="838200" y="1845426"/>
+            <a:ext cx="10512547" cy="4450303"/>
+          </a:xfrm>
+          <a:prstGeom prst="rect">
+            <a:avLst/>
+          </a:prstGeom>
+        </p:spPr>
+      </p:pic>
+    </p:spTree>
+    <p:extLst>
+      <p:ext uri="{BB962C8B-B14F-4D97-AF65-F5344CB8AC3E}">
+        <p14:creationId xmlns:p14="http://schemas.microsoft.com/office/powerpoint/2010/main" val="4194941091"/>
+      </p:ext>
+    </p:extLst>
+  </p:cSld>
+  <p:clrMapOvr>
+    <a:masterClrMapping/>
+  </p:clrMapOvr>
+</p:sld>
+</file>
+
+<file path=ppt/slides/slide12.xml><?xml version="1.0" encoding="utf-8"?>
+<p:sld xmlns:a="http://schemas.openxmlformats.org/drawingml/2006/main" xmlns:r="http://schemas.openxmlformats.org/officeDocument/2006/relationships" xmlns:p="http://schemas.openxmlformats.org/presentationml/2006/main">
+  <p:cSld>
+    <p:spTree>
+      <p:nvGrpSpPr>
+        <p:cNvPr id="1" name=""/>
+        <p:cNvGrpSpPr/>
+        <p:nvPr/>
+      </p:nvGrpSpPr>
+      <p:grpSpPr>
+        <a:xfrm>
+          <a:off x="0" y="0"/>
+          <a:ext cx="0" cy="0"/>
+          <a:chOff x="0" y="0"/>
+          <a:chExt cx="0" cy="0"/>
+        </a:xfrm>
+      </p:grpSpPr>
+      <p:sp>
+        <p:nvSpPr>
+          <p:cNvPr id="2" name="Title 1">
+            <a:extLst>
+              <a:ext uri="{FF2B5EF4-FFF2-40B4-BE49-F238E27FC236}">
                 <a16:creationId xmlns:a16="http://schemas.microsoft.com/office/drawing/2014/main" id="{EA9C3E5B-FBB2-4FF8-89A1-DFFFE4F8FDB9}"/>
               </a:ext>
             </a:extLst>
@@ -3723,324 +4184,6 @@
 </p:sld>
 </file>
 
-<file path=ppt/slides/slide11.xml><?xml version="1.0" encoding="utf-8"?>
-<p:sld xmlns:a="http://schemas.openxmlformats.org/drawingml/2006/main" xmlns:r="http://schemas.openxmlformats.org/officeDocument/2006/relationships" xmlns:p="http://schemas.openxmlformats.org/presentationml/2006/main">
-  <p:cSld>
-    <p:spTree>
-      <p:nvGrpSpPr>
-        <p:cNvPr id="1" name=""/>
-        <p:cNvGrpSpPr/>
-        <p:nvPr/>
-      </p:nvGrpSpPr>
-      <p:grpSpPr>
-        <a:xfrm>
-          <a:off x="0" y="0"/>
-          <a:ext cx="0" cy="0"/>
-          <a:chOff x="0" y="0"/>
-          <a:chExt cx="0" cy="0"/>
-        </a:xfrm>
-      </p:grpSpPr>
-      <p:sp>
-        <p:nvSpPr>
-          <p:cNvPr id="2" name="Title 1">
-            <a:extLst>
-              <a:ext uri="{FF2B5EF4-FFF2-40B4-BE49-F238E27FC236}">
-                <a16:creationId xmlns:a16="http://schemas.microsoft.com/office/drawing/2014/main" id="{BFAE5B6D-65C3-4026-94D4-B3D2DC0A6AF8}"/>
-              </a:ext>
-            </a:extLst>
-          </p:cNvPr>
-          <p:cNvSpPr>
-            <a:spLocks noGrp="1"/>
-          </p:cNvSpPr>
-          <p:nvPr>
-            <p:ph type="title"/>
-          </p:nvPr>
-        </p:nvSpPr>
-        <p:spPr/>
-        <p:txBody>
-          <a:bodyPr/>
-          <a:lstStyle/>
-          <a:p>
-            <a:r>
-              <a:rPr lang="en-US" dirty="0"/>
-              <a:t>Comparing Ratings by Team/City Popularity</a:t>
-            </a:r>
-          </a:p>
-        </p:txBody>
-      </p:sp>
-      <p:pic>
-        <p:nvPicPr>
-          <p:cNvPr id="5" name="Content Placeholder 4" descr="Chart, bar chart&#10;&#10;Description automatically generated">
-            <a:extLst>
-              <a:ext uri="{FF2B5EF4-FFF2-40B4-BE49-F238E27FC236}">
-                <a16:creationId xmlns:a16="http://schemas.microsoft.com/office/drawing/2014/main" id="{F854096F-D27D-49DA-A7D6-154A14A84CC8}"/>
-              </a:ext>
-            </a:extLst>
-          </p:cNvPr>
-          <p:cNvPicPr>
-            <a:picLocks noGrp="1" noChangeAspect="1"/>
-          </p:cNvPicPr>
-          <p:nvPr>
-            <p:ph idx="1"/>
-          </p:nvPr>
-        </p:nvPicPr>
-        <p:blipFill>
-          <a:blip r:embed="rId2">
-            <a:extLst>
-              <a:ext uri="{28A0092B-C50C-407E-A947-70E740481C1C}">
-                <a14:useLocalDpi xmlns:a14="http://schemas.microsoft.com/office/drawing/2010/main" val="0"/>
-              </a:ext>
-            </a:extLst>
-          </a:blip>
-          <a:stretch>
-            <a:fillRect/>
-          </a:stretch>
-        </p:blipFill>
-        <p:spPr>
-          <a:xfrm>
-            <a:off x="6773633" y="1690688"/>
-            <a:ext cx="4580167" cy="4351338"/>
-          </a:xfrm>
-        </p:spPr>
-      </p:pic>
-      <p:sp>
-        <p:nvSpPr>
-          <p:cNvPr id="6" name="TextBox 5">
-            <a:extLst>
-              <a:ext uri="{FF2B5EF4-FFF2-40B4-BE49-F238E27FC236}">
-                <a16:creationId xmlns:a16="http://schemas.microsoft.com/office/drawing/2014/main" id="{9C87DBCC-D137-4E86-9CEA-C6514CF27614}"/>
-              </a:ext>
-            </a:extLst>
-          </p:cNvPr>
-          <p:cNvSpPr txBox="1"/>
-          <p:nvPr/>
-        </p:nvSpPr>
-        <p:spPr>
-          <a:xfrm>
-            <a:off x="587829" y="1506022"/>
-            <a:ext cx="5999583" cy="2862322"/>
-          </a:xfrm>
-          <a:prstGeom prst="rect">
-            <a:avLst/>
-          </a:prstGeom>
-          <a:noFill/>
-        </p:spPr>
-        <p:txBody>
-          <a:bodyPr wrap="square" rtlCol="0">
-            <a:spAutoFit/>
-          </a:bodyPr>
-          <a:lstStyle/>
-          <a:p>
-            <a:pPr marL="285750" indent="-285750">
-              <a:buFont typeface="Arial" panose="020B0604020202020204" pitchFamily="34" charset="0"/>
-              <a:buChar char="•"/>
-            </a:pPr>
-            <a:r>
-              <a:rPr lang="en-US" dirty="0"/>
-              <a:t>In this chart, we are showing the team’s stadiums and the average restaurant rating that each has in a 3000 mile radius around it.</a:t>
-            </a:r>
-          </a:p>
-          <a:p>
-            <a:pPr marL="742950" lvl="1" indent="-285750">
-              <a:buFont typeface="Arial" panose="020B0604020202020204" pitchFamily="34" charset="0"/>
-              <a:buChar char="•"/>
-            </a:pPr>
-            <a:r>
-              <a:rPr lang="en-US" dirty="0"/>
-              <a:t>CenturyLink Stadium (3.92, Seattle Seahawks) has the highest rating while Gillette Stadium (3.12, New England Patriots) had the lowest.</a:t>
-            </a:r>
-          </a:p>
-          <a:p>
-            <a:pPr marL="1200150" lvl="2" indent="-285750">
-              <a:buFont typeface="Arial" panose="020B0604020202020204" pitchFamily="34" charset="0"/>
-              <a:buChar char="•"/>
-            </a:pPr>
-            <a:r>
-              <a:rPr lang="en-US" dirty="0"/>
-              <a:t>The average rating for each team in this part of the study was 3.55.</a:t>
-            </a:r>
-          </a:p>
-          <a:p>
-            <a:pPr marL="285750" indent="-285750">
-              <a:buFont typeface="Arial" panose="020B0604020202020204" pitchFamily="34" charset="0"/>
-              <a:buChar char="•"/>
-            </a:pPr>
-            <a:endParaRPr lang="en-US" dirty="0"/>
-          </a:p>
-          <a:p>
-            <a:pPr marL="742950" lvl="1" indent="-285750">
-              <a:buFont typeface="Arial" panose="020B0604020202020204" pitchFamily="34" charset="0"/>
-              <a:buChar char="•"/>
-            </a:pPr>
-            <a:endParaRPr lang="en-US" dirty="0"/>
-          </a:p>
-        </p:txBody>
-      </p:sp>
-    </p:spTree>
-    <p:extLst>
-      <p:ext uri="{BB962C8B-B14F-4D97-AF65-F5344CB8AC3E}">
-        <p14:creationId xmlns:p14="http://schemas.microsoft.com/office/powerpoint/2010/main" val="3790938244"/>
-      </p:ext>
-    </p:extLst>
-  </p:cSld>
-  <p:clrMapOvr>
-    <a:masterClrMapping/>
-  </p:clrMapOvr>
-</p:sld>
-</file>
-
-<file path=ppt/slides/slide12.xml><?xml version="1.0" encoding="utf-8"?>
-<p:sld xmlns:a="http://schemas.openxmlformats.org/drawingml/2006/main" xmlns:r="http://schemas.openxmlformats.org/officeDocument/2006/relationships" xmlns:p="http://schemas.openxmlformats.org/presentationml/2006/main">
-  <p:cSld>
-    <p:spTree>
-      <p:nvGrpSpPr>
-        <p:cNvPr id="1" name=""/>
-        <p:cNvGrpSpPr/>
-        <p:nvPr/>
-      </p:nvGrpSpPr>
-      <p:grpSpPr>
-        <a:xfrm>
-          <a:off x="0" y="0"/>
-          <a:ext cx="0" cy="0"/>
-          <a:chOff x="0" y="0"/>
-          <a:chExt cx="0" cy="0"/>
-        </a:xfrm>
-      </p:grpSpPr>
-      <p:sp>
-        <p:nvSpPr>
-          <p:cNvPr id="2" name="Title 1">
-            <a:extLst>
-              <a:ext uri="{FF2B5EF4-FFF2-40B4-BE49-F238E27FC236}">
-                <a16:creationId xmlns:a16="http://schemas.microsoft.com/office/drawing/2014/main" id="{705D58F1-2237-4978-A54D-CEAC42C382DA}"/>
-              </a:ext>
-            </a:extLst>
-          </p:cNvPr>
-          <p:cNvSpPr>
-            <a:spLocks noGrp="1"/>
-          </p:cNvSpPr>
-          <p:nvPr>
-            <p:ph type="title"/>
-          </p:nvPr>
-        </p:nvSpPr>
-        <p:spPr/>
-        <p:txBody>
-          <a:bodyPr/>
-          <a:lstStyle/>
-          <a:p>
-            <a:r>
-              <a:rPr lang="en-US" dirty="0"/>
-              <a:t>Comparing Number of Reviews by Team/City Popularity</a:t>
-            </a:r>
-          </a:p>
-        </p:txBody>
-      </p:sp>
-      <p:pic>
-        <p:nvPicPr>
-          <p:cNvPr id="5" name="Content Placeholder 4" descr="Chart, bar chart&#10;&#10;Description automatically generated">
-            <a:extLst>
-              <a:ext uri="{FF2B5EF4-FFF2-40B4-BE49-F238E27FC236}">
-                <a16:creationId xmlns:a16="http://schemas.microsoft.com/office/drawing/2014/main" id="{84282BE2-C752-4BE7-A2F8-72BB27B0F7AF}"/>
-              </a:ext>
-            </a:extLst>
-          </p:cNvPr>
-          <p:cNvPicPr>
-            <a:picLocks noGrp="1" noChangeAspect="1"/>
-          </p:cNvPicPr>
-          <p:nvPr>
-            <p:ph idx="1"/>
-          </p:nvPr>
-        </p:nvPicPr>
-        <p:blipFill>
-          <a:blip r:embed="rId2">
-            <a:extLst>
-              <a:ext uri="{28A0092B-C50C-407E-A947-70E740481C1C}">
-                <a14:useLocalDpi xmlns:a14="http://schemas.microsoft.com/office/drawing/2010/main" val="0"/>
-              </a:ext>
-            </a:extLst>
-          </a:blip>
-          <a:stretch>
-            <a:fillRect/>
-          </a:stretch>
-        </p:blipFill>
-        <p:spPr>
-          <a:xfrm>
-            <a:off x="6095999" y="1558093"/>
-            <a:ext cx="5110065" cy="4854761"/>
-          </a:xfrm>
-        </p:spPr>
-      </p:pic>
-      <p:sp>
-        <p:nvSpPr>
-          <p:cNvPr id="6" name="TextBox 5">
-            <a:extLst>
-              <a:ext uri="{FF2B5EF4-FFF2-40B4-BE49-F238E27FC236}">
-                <a16:creationId xmlns:a16="http://schemas.microsoft.com/office/drawing/2014/main" id="{CE36B57E-92F9-40A4-AE63-4F24390AAD0C}"/>
-              </a:ext>
-            </a:extLst>
-          </p:cNvPr>
-          <p:cNvSpPr txBox="1"/>
-          <p:nvPr/>
-        </p:nvSpPr>
-        <p:spPr>
-          <a:xfrm>
-            <a:off x="457200" y="1940767"/>
-            <a:ext cx="5110065" cy="2862322"/>
-          </a:xfrm>
-          <a:prstGeom prst="rect">
-            <a:avLst/>
-          </a:prstGeom>
-          <a:noFill/>
-        </p:spPr>
-        <p:txBody>
-          <a:bodyPr wrap="square" rtlCol="0">
-            <a:spAutoFit/>
-          </a:bodyPr>
-          <a:lstStyle/>
-          <a:p>
-            <a:pPr marL="285750" indent="-285750">
-              <a:buFont typeface="Arial" panose="020B0604020202020204" pitchFamily="34" charset="0"/>
-              <a:buChar char="•"/>
-            </a:pPr>
-            <a:r>
-              <a:rPr lang="en-US" dirty="0"/>
-              <a:t>Here is a comparison of the average number of reviews around each stadium.</a:t>
-            </a:r>
-          </a:p>
-          <a:p>
-            <a:pPr marL="742950" lvl="1" indent="-285750">
-              <a:buFont typeface="Arial" panose="020B0604020202020204" pitchFamily="34" charset="0"/>
-              <a:buChar char="•"/>
-            </a:pPr>
-            <a:r>
-              <a:rPr lang="en-US" dirty="0"/>
-              <a:t>Allegiant Stadium (Las Vegas), Soldier Field (Chicago), CenturyLink Stadium (Seattle) all had large numbers of reviews left on average.</a:t>
-            </a:r>
-          </a:p>
-          <a:p>
-            <a:pPr marL="742950" lvl="1" indent="-285750">
-              <a:buFont typeface="Arial" panose="020B0604020202020204" pitchFamily="34" charset="0"/>
-              <a:buChar char="•"/>
-            </a:pPr>
-            <a:r>
-              <a:rPr lang="en-US" dirty="0"/>
-              <a:t>This could potentially be due to their popularity as tourist spots since all 3 are included in the list of America’s popular travel destinations. </a:t>
-            </a:r>
-          </a:p>
-        </p:txBody>
-      </p:sp>
-    </p:spTree>
-    <p:extLst>
-      <p:ext uri="{BB962C8B-B14F-4D97-AF65-F5344CB8AC3E}">
-        <p14:creationId xmlns:p14="http://schemas.microsoft.com/office/powerpoint/2010/main" val="459810575"/>
-      </p:ext>
-    </p:extLst>
-  </p:cSld>
-  <p:clrMapOvr>
-    <a:masterClrMapping/>
-  </p:clrMapOvr>
-</p:sld>
-</file>
-
 <file path=ppt/slides/slide13.xml><?xml version="1.0" encoding="utf-8"?>
 <p:sld xmlns:a="http://schemas.openxmlformats.org/drawingml/2006/main" xmlns:r="http://schemas.openxmlformats.org/officeDocument/2006/relationships" xmlns:p="http://schemas.openxmlformats.org/presentationml/2006/main">
   <p:cSld>
@@ -4063,6 +4206,324 @@
           <p:cNvPr id="2" name="Title 1">
             <a:extLst>
               <a:ext uri="{FF2B5EF4-FFF2-40B4-BE49-F238E27FC236}">
+                <a16:creationId xmlns:a16="http://schemas.microsoft.com/office/drawing/2014/main" id="{BFAE5B6D-65C3-4026-94D4-B3D2DC0A6AF8}"/>
+              </a:ext>
+            </a:extLst>
+          </p:cNvPr>
+          <p:cNvSpPr>
+            <a:spLocks noGrp="1"/>
+          </p:cNvSpPr>
+          <p:nvPr>
+            <p:ph type="title"/>
+          </p:nvPr>
+        </p:nvSpPr>
+        <p:spPr/>
+        <p:txBody>
+          <a:bodyPr/>
+          <a:lstStyle/>
+          <a:p>
+            <a:r>
+              <a:rPr lang="en-US" dirty="0"/>
+              <a:t>Comparing Ratings by Team/City Popularity</a:t>
+            </a:r>
+          </a:p>
+        </p:txBody>
+      </p:sp>
+      <p:pic>
+        <p:nvPicPr>
+          <p:cNvPr id="5" name="Content Placeholder 4" descr="Chart, bar chart&#10;&#10;Description automatically generated">
+            <a:extLst>
+              <a:ext uri="{FF2B5EF4-FFF2-40B4-BE49-F238E27FC236}">
+                <a16:creationId xmlns:a16="http://schemas.microsoft.com/office/drawing/2014/main" id="{F854096F-D27D-49DA-A7D6-154A14A84CC8}"/>
+              </a:ext>
+            </a:extLst>
+          </p:cNvPr>
+          <p:cNvPicPr>
+            <a:picLocks noGrp="1" noChangeAspect="1"/>
+          </p:cNvPicPr>
+          <p:nvPr>
+            <p:ph idx="1"/>
+          </p:nvPr>
+        </p:nvPicPr>
+        <p:blipFill>
+          <a:blip r:embed="rId2">
+            <a:extLst>
+              <a:ext uri="{28A0092B-C50C-407E-A947-70E740481C1C}">
+                <a14:useLocalDpi xmlns:a14="http://schemas.microsoft.com/office/drawing/2010/main" val="0"/>
+              </a:ext>
+            </a:extLst>
+          </a:blip>
+          <a:stretch>
+            <a:fillRect/>
+          </a:stretch>
+        </p:blipFill>
+        <p:spPr>
+          <a:xfrm>
+            <a:off x="6773633" y="1690688"/>
+            <a:ext cx="4580167" cy="4351338"/>
+          </a:xfrm>
+        </p:spPr>
+      </p:pic>
+      <p:sp>
+        <p:nvSpPr>
+          <p:cNvPr id="6" name="TextBox 5">
+            <a:extLst>
+              <a:ext uri="{FF2B5EF4-FFF2-40B4-BE49-F238E27FC236}">
+                <a16:creationId xmlns:a16="http://schemas.microsoft.com/office/drawing/2014/main" id="{9C87DBCC-D137-4E86-9CEA-C6514CF27614}"/>
+              </a:ext>
+            </a:extLst>
+          </p:cNvPr>
+          <p:cNvSpPr txBox="1"/>
+          <p:nvPr/>
+        </p:nvSpPr>
+        <p:spPr>
+          <a:xfrm>
+            <a:off x="587829" y="1506022"/>
+            <a:ext cx="5999583" cy="2862322"/>
+          </a:xfrm>
+          <a:prstGeom prst="rect">
+            <a:avLst/>
+          </a:prstGeom>
+          <a:noFill/>
+        </p:spPr>
+        <p:txBody>
+          <a:bodyPr wrap="square" rtlCol="0">
+            <a:spAutoFit/>
+          </a:bodyPr>
+          <a:lstStyle/>
+          <a:p>
+            <a:pPr marL="285750" indent="-285750">
+              <a:buFont typeface="Arial" panose="020B0604020202020204" pitchFamily="34" charset="0"/>
+              <a:buChar char="•"/>
+            </a:pPr>
+            <a:r>
+              <a:rPr lang="en-US" dirty="0"/>
+              <a:t>In this chart, we are showing the team’s stadiums and the average restaurant rating that each has in a 3000 mile radius around it.</a:t>
+            </a:r>
+          </a:p>
+          <a:p>
+            <a:pPr marL="742950" lvl="1" indent="-285750">
+              <a:buFont typeface="Arial" panose="020B0604020202020204" pitchFamily="34" charset="0"/>
+              <a:buChar char="•"/>
+            </a:pPr>
+            <a:r>
+              <a:rPr lang="en-US" dirty="0"/>
+              <a:t>CenturyLink Stadium (3.92, Seattle Seahawks) has the highest rating while Gillette Stadium (3.12, New England Patriots) had the lowest.</a:t>
+            </a:r>
+          </a:p>
+          <a:p>
+            <a:pPr marL="1200150" lvl="2" indent="-285750">
+              <a:buFont typeface="Arial" panose="020B0604020202020204" pitchFamily="34" charset="0"/>
+              <a:buChar char="•"/>
+            </a:pPr>
+            <a:r>
+              <a:rPr lang="en-US" dirty="0"/>
+              <a:t>The average rating for each team in this part of the study was 3.55.</a:t>
+            </a:r>
+          </a:p>
+          <a:p>
+            <a:pPr marL="285750" indent="-285750">
+              <a:buFont typeface="Arial" panose="020B0604020202020204" pitchFamily="34" charset="0"/>
+              <a:buChar char="•"/>
+            </a:pPr>
+            <a:endParaRPr lang="en-US" dirty="0"/>
+          </a:p>
+          <a:p>
+            <a:pPr marL="742950" lvl="1" indent="-285750">
+              <a:buFont typeface="Arial" panose="020B0604020202020204" pitchFamily="34" charset="0"/>
+              <a:buChar char="•"/>
+            </a:pPr>
+            <a:endParaRPr lang="en-US" dirty="0"/>
+          </a:p>
+        </p:txBody>
+      </p:sp>
+    </p:spTree>
+    <p:extLst>
+      <p:ext uri="{BB962C8B-B14F-4D97-AF65-F5344CB8AC3E}">
+        <p14:creationId xmlns:p14="http://schemas.microsoft.com/office/powerpoint/2010/main" val="3790938244"/>
+      </p:ext>
+    </p:extLst>
+  </p:cSld>
+  <p:clrMapOvr>
+    <a:masterClrMapping/>
+  </p:clrMapOvr>
+</p:sld>
+</file>
+
+<file path=ppt/slides/slide14.xml><?xml version="1.0" encoding="utf-8"?>
+<p:sld xmlns:a="http://schemas.openxmlformats.org/drawingml/2006/main" xmlns:r="http://schemas.openxmlformats.org/officeDocument/2006/relationships" xmlns:p="http://schemas.openxmlformats.org/presentationml/2006/main">
+  <p:cSld>
+    <p:spTree>
+      <p:nvGrpSpPr>
+        <p:cNvPr id="1" name=""/>
+        <p:cNvGrpSpPr/>
+        <p:nvPr/>
+      </p:nvGrpSpPr>
+      <p:grpSpPr>
+        <a:xfrm>
+          <a:off x="0" y="0"/>
+          <a:ext cx="0" cy="0"/>
+          <a:chOff x="0" y="0"/>
+          <a:chExt cx="0" cy="0"/>
+        </a:xfrm>
+      </p:grpSpPr>
+      <p:sp>
+        <p:nvSpPr>
+          <p:cNvPr id="2" name="Title 1">
+            <a:extLst>
+              <a:ext uri="{FF2B5EF4-FFF2-40B4-BE49-F238E27FC236}">
+                <a16:creationId xmlns:a16="http://schemas.microsoft.com/office/drawing/2014/main" id="{705D58F1-2237-4978-A54D-CEAC42C382DA}"/>
+              </a:ext>
+            </a:extLst>
+          </p:cNvPr>
+          <p:cNvSpPr>
+            <a:spLocks noGrp="1"/>
+          </p:cNvSpPr>
+          <p:nvPr>
+            <p:ph type="title"/>
+          </p:nvPr>
+        </p:nvSpPr>
+        <p:spPr/>
+        <p:txBody>
+          <a:bodyPr/>
+          <a:lstStyle/>
+          <a:p>
+            <a:r>
+              <a:rPr lang="en-US" dirty="0"/>
+              <a:t>Comparing Number of Reviews by Team/City Popularity</a:t>
+            </a:r>
+          </a:p>
+        </p:txBody>
+      </p:sp>
+      <p:pic>
+        <p:nvPicPr>
+          <p:cNvPr id="5" name="Content Placeholder 4" descr="Chart, bar chart&#10;&#10;Description automatically generated">
+            <a:extLst>
+              <a:ext uri="{FF2B5EF4-FFF2-40B4-BE49-F238E27FC236}">
+                <a16:creationId xmlns:a16="http://schemas.microsoft.com/office/drawing/2014/main" id="{84282BE2-C752-4BE7-A2F8-72BB27B0F7AF}"/>
+              </a:ext>
+            </a:extLst>
+          </p:cNvPr>
+          <p:cNvPicPr>
+            <a:picLocks noGrp="1" noChangeAspect="1"/>
+          </p:cNvPicPr>
+          <p:nvPr>
+            <p:ph idx="1"/>
+          </p:nvPr>
+        </p:nvPicPr>
+        <p:blipFill>
+          <a:blip r:embed="rId2">
+            <a:extLst>
+              <a:ext uri="{28A0092B-C50C-407E-A947-70E740481C1C}">
+                <a14:useLocalDpi xmlns:a14="http://schemas.microsoft.com/office/drawing/2010/main" val="0"/>
+              </a:ext>
+            </a:extLst>
+          </a:blip>
+          <a:stretch>
+            <a:fillRect/>
+          </a:stretch>
+        </p:blipFill>
+        <p:spPr>
+          <a:xfrm>
+            <a:off x="6095999" y="1558093"/>
+            <a:ext cx="5110065" cy="4854761"/>
+          </a:xfrm>
+        </p:spPr>
+      </p:pic>
+      <p:sp>
+        <p:nvSpPr>
+          <p:cNvPr id="6" name="TextBox 5">
+            <a:extLst>
+              <a:ext uri="{FF2B5EF4-FFF2-40B4-BE49-F238E27FC236}">
+                <a16:creationId xmlns:a16="http://schemas.microsoft.com/office/drawing/2014/main" id="{CE36B57E-92F9-40A4-AE63-4F24390AAD0C}"/>
+              </a:ext>
+            </a:extLst>
+          </p:cNvPr>
+          <p:cNvSpPr txBox="1"/>
+          <p:nvPr/>
+        </p:nvSpPr>
+        <p:spPr>
+          <a:xfrm>
+            <a:off x="457200" y="1940767"/>
+            <a:ext cx="5110065" cy="2862322"/>
+          </a:xfrm>
+          <a:prstGeom prst="rect">
+            <a:avLst/>
+          </a:prstGeom>
+          <a:noFill/>
+        </p:spPr>
+        <p:txBody>
+          <a:bodyPr wrap="square" rtlCol="0">
+            <a:spAutoFit/>
+          </a:bodyPr>
+          <a:lstStyle/>
+          <a:p>
+            <a:pPr marL="285750" indent="-285750">
+              <a:buFont typeface="Arial" panose="020B0604020202020204" pitchFamily="34" charset="0"/>
+              <a:buChar char="•"/>
+            </a:pPr>
+            <a:r>
+              <a:rPr lang="en-US" dirty="0"/>
+              <a:t>Here is a comparison of the average number of reviews around each stadium.</a:t>
+            </a:r>
+          </a:p>
+          <a:p>
+            <a:pPr marL="742950" lvl="1" indent="-285750">
+              <a:buFont typeface="Arial" panose="020B0604020202020204" pitchFamily="34" charset="0"/>
+              <a:buChar char="•"/>
+            </a:pPr>
+            <a:r>
+              <a:rPr lang="en-US" dirty="0"/>
+              <a:t>Allegiant Stadium (Las Vegas), Soldier Field (Chicago), CenturyLink Stadium (Seattle) all had large numbers of reviews left on average.</a:t>
+            </a:r>
+          </a:p>
+          <a:p>
+            <a:pPr marL="742950" lvl="1" indent="-285750">
+              <a:buFont typeface="Arial" panose="020B0604020202020204" pitchFamily="34" charset="0"/>
+              <a:buChar char="•"/>
+            </a:pPr>
+            <a:r>
+              <a:rPr lang="en-US" dirty="0"/>
+              <a:t>This could potentially be due to their popularity as tourist spots since all 3 are included in the list of America’s popular travel destinations. </a:t>
+            </a:r>
+          </a:p>
+        </p:txBody>
+      </p:sp>
+    </p:spTree>
+    <p:extLst>
+      <p:ext uri="{BB962C8B-B14F-4D97-AF65-F5344CB8AC3E}">
+        <p14:creationId xmlns:p14="http://schemas.microsoft.com/office/powerpoint/2010/main" val="459810575"/>
+      </p:ext>
+    </p:extLst>
+  </p:cSld>
+  <p:clrMapOvr>
+    <a:masterClrMapping/>
+  </p:clrMapOvr>
+</p:sld>
+</file>
+
+<file path=ppt/slides/slide15.xml><?xml version="1.0" encoding="utf-8"?>
+<p:sld xmlns:a="http://schemas.openxmlformats.org/drawingml/2006/main" xmlns:r="http://schemas.openxmlformats.org/officeDocument/2006/relationships" xmlns:p="http://schemas.openxmlformats.org/presentationml/2006/main">
+  <p:cSld>
+    <p:spTree>
+      <p:nvGrpSpPr>
+        <p:cNvPr id="1" name=""/>
+        <p:cNvGrpSpPr/>
+        <p:nvPr/>
+      </p:nvGrpSpPr>
+      <p:grpSpPr>
+        <a:xfrm>
+          <a:off x="0" y="0"/>
+          <a:ext cx="0" cy="0"/>
+          <a:chOff x="0" y="0"/>
+          <a:chExt cx="0" cy="0"/>
+        </a:xfrm>
+      </p:grpSpPr>
+      <p:sp>
+        <p:nvSpPr>
+          <p:cNvPr id="2" name="Title 1">
+            <a:extLst>
+              <a:ext uri="{FF2B5EF4-FFF2-40B4-BE49-F238E27FC236}">
                 <a16:creationId xmlns:a16="http://schemas.microsoft.com/office/drawing/2014/main" id="{B7BCCE2A-CC40-4246-9354-B16F41AE66C5}"/>
               </a:ext>
             </a:extLst>
@@ -4217,7 +4678,7 @@
 </p:sld>
 </file>
 
-<file path=ppt/slides/slide14.xml><?xml version="1.0" encoding="utf-8"?>
+<file path=ppt/slides/slide16.xml><?xml version="1.0" encoding="utf-8"?>
 <p:sld xmlns:a="http://schemas.openxmlformats.org/drawingml/2006/main" xmlns:r="http://schemas.openxmlformats.org/officeDocument/2006/relationships" xmlns:p="http://schemas.openxmlformats.org/presentationml/2006/main">
   <p:cSld>
     <p:spTree>
@@ -5991,6 +6452,14 @@
 <file path=ppt/slides/slide9.xml><?xml version="1.0" encoding="utf-8"?>
 <p:sld xmlns:a="http://schemas.openxmlformats.org/drawingml/2006/main" xmlns:r="http://schemas.openxmlformats.org/officeDocument/2006/relationships" xmlns:p="http://schemas.openxmlformats.org/presentationml/2006/main">
   <p:cSld>
+    <p:bg>
+      <p:bgPr>
+        <a:solidFill>
+          <a:schemeClr val="bg1"/>
+        </a:solidFill>
+        <a:effectLst/>
+      </p:bgPr>
+    </p:bg>
     <p:spTree>
       <p:nvGrpSpPr>
         <p:cNvPr id="1" name=""/>
@@ -6005,6 +6474,165 @@
           <a:chExt cx="0" cy="0"/>
         </a:xfrm>
       </p:grpSpPr>
+      <p:sp useBgFill="1">
+        <p:nvSpPr>
+          <p:cNvPr id="31" name="Rectangle 30">
+            <a:extLst>
+              <a:ext uri="{FF2B5EF4-FFF2-40B4-BE49-F238E27FC236}">
+                <a16:creationId xmlns:a16="http://schemas.microsoft.com/office/drawing/2014/main" id="{385E1BDC-A9B0-4A87-82E3-F3187F69A802}"/>
+              </a:ext>
+              <a:ext uri="{C183D7F6-B498-43B3-948B-1728B52AA6E4}">
+                <adec:decorative xmlns:adec="http://schemas.microsoft.com/office/drawing/2017/decorative" val="1"/>
+              </a:ext>
+            </a:extLst>
+          </p:cNvPr>
+          <p:cNvSpPr>
+            <a:spLocks noGrp="1" noRot="1" noChangeAspect="1" noMove="1" noResize="1" noEditPoints="1" noAdjustHandles="1" noChangeArrowheads="1" noChangeShapeType="1" noTextEdit="1"/>
+          </p:cNvSpPr>
+          <p:nvPr>
+            <p:extLst>
+              <p:ext uri="{386F3935-93C4-4BCD-93E2-E3B085C9AB24}">
+                <p16:designElem xmlns:p16="http://schemas.microsoft.com/office/powerpoint/2015/main" val="1"/>
+              </p:ext>
+            </p:extLst>
+          </p:nvPr>
+        </p:nvSpPr>
+        <p:spPr>
+          <a:xfrm>
+            <a:off x="0" y="0"/>
+            <a:ext cx="12192000" cy="6858000"/>
+          </a:xfrm>
+          <a:prstGeom prst="rect">
+            <a:avLst/>
+          </a:prstGeom>
+          <a:ln>
+            <a:noFill/>
+          </a:ln>
+        </p:spPr>
+        <p:style>
+          <a:lnRef idx="2">
+            <a:schemeClr val="accent1">
+              <a:shade val="50000"/>
+            </a:schemeClr>
+          </a:lnRef>
+          <a:fillRef idx="1">
+            <a:schemeClr val="accent1"/>
+          </a:fillRef>
+          <a:effectRef idx="0">
+            <a:schemeClr val="accent1"/>
+          </a:effectRef>
+          <a:fontRef idx="minor">
+            <a:schemeClr val="lt1"/>
+          </a:fontRef>
+        </p:style>
+        <p:txBody>
+          <a:bodyPr rtlCol="0" anchor="ctr"/>
+          <a:lstStyle/>
+          <a:p>
+            <a:pPr algn="ctr"/>
+            <a:endParaRPr lang="en-US"/>
+          </a:p>
+        </p:txBody>
+      </p:sp>
+      <p:sp useBgFill="1">
+        <p:nvSpPr>
+          <p:cNvPr id="33" name="Rectangle 32">
+            <a:extLst>
+              <a:ext uri="{FF2B5EF4-FFF2-40B4-BE49-F238E27FC236}">
+                <a16:creationId xmlns:a16="http://schemas.microsoft.com/office/drawing/2014/main" id="{0990C621-3B8B-4820-8328-D47EF7CE823C}"/>
+              </a:ext>
+              <a:ext uri="{C183D7F6-B498-43B3-948B-1728B52AA6E4}">
+                <adec:decorative xmlns:adec="http://schemas.microsoft.com/office/drawing/2017/decorative" val="1"/>
+              </a:ext>
+            </a:extLst>
+          </p:cNvPr>
+          <p:cNvSpPr>
+            <a:spLocks noGrp="1" noRot="1" noChangeAspect="1" noMove="1" noResize="1" noEditPoints="1" noAdjustHandles="1" noChangeArrowheads="1" noChangeShapeType="1" noTextEdit="1"/>
+          </p:cNvSpPr>
+          <p:nvPr>
+            <p:extLst>
+              <p:ext uri="{386F3935-93C4-4BCD-93E2-E3B085C9AB24}">
+                <p16:designElem xmlns:p16="http://schemas.microsoft.com/office/powerpoint/2015/main" val="1"/>
+              </p:ext>
+            </p:extLst>
+          </p:nvPr>
+        </p:nvSpPr>
+        <p:spPr>
+          <a:xfrm>
+            <a:off x="554416" y="365125"/>
+            <a:ext cx="11167447" cy="2089317"/>
+          </a:xfrm>
+          <a:prstGeom prst="rect">
+            <a:avLst/>
+          </a:prstGeom>
+          <a:ln w="12700">
+            <a:solidFill>
+              <a:srgbClr val="DEDEDE"/>
+            </a:solidFill>
+          </a:ln>
+          <a:effectLst>
+            <a:outerShdw blurRad="50800" dist="38100" dir="2700000" algn="tl" rotWithShape="0">
+              <a:schemeClr val="bg2">
+                <a:lumMod val="85000"/>
+                <a:alpha val="50000"/>
+              </a:schemeClr>
+            </a:outerShdw>
+          </a:effectLst>
+        </p:spPr>
+        <p:style>
+          <a:lnRef idx="2">
+            <a:schemeClr val="accent1">
+              <a:shade val="50000"/>
+            </a:schemeClr>
+          </a:lnRef>
+          <a:fillRef idx="1">
+            <a:schemeClr val="accent1"/>
+          </a:fillRef>
+          <a:effectRef idx="0">
+            <a:schemeClr val="accent1"/>
+          </a:effectRef>
+          <a:fontRef idx="minor">
+            <a:schemeClr val="lt1"/>
+          </a:fontRef>
+        </p:style>
+        <p:txBody>
+          <a:bodyPr rtlCol="0" anchor="ctr"/>
+          <a:lstStyle/>
+          <a:p>
+            <a:pPr marL="0" marR="0" lvl="0" indent="0" algn="ctr" defTabSz="914400" rtl="0" eaLnBrk="1" fontAlgn="auto" latinLnBrk="0" hangingPunct="1">
+              <a:lnSpc>
+                <a:spcPct val="100000"/>
+              </a:lnSpc>
+              <a:spcBef>
+                <a:spcPts val="0"/>
+              </a:spcBef>
+              <a:spcAft>
+                <a:spcPts val="0"/>
+              </a:spcAft>
+              <a:buClrTx/>
+              <a:buSzTx/>
+              <a:buFontTx/>
+              <a:buNone/>
+              <a:tabLst/>
+              <a:defRPr/>
+            </a:pPr>
+            <a:endParaRPr kumimoji="0" lang="en-US" sz="1800" b="0" i="0" u="none" strike="noStrike" kern="1200" cap="none" spc="0" normalizeH="0" baseline="0" noProof="0">
+              <a:ln>
+                <a:noFill/>
+              </a:ln>
+              <a:solidFill>
+                <a:prstClr val="white"/>
+              </a:solidFill>
+              <a:effectLst/>
+              <a:uLnTx/>
+              <a:uFillTx/>
+              <a:latin typeface="Calibri" panose="020F0502020204030204"/>
+              <a:ea typeface="+mn-ea"/>
+              <a:cs typeface="+mn-cs"/>
+            </a:endParaRPr>
+          </a:p>
+        </p:txBody>
+      </p:sp>
       <p:sp>
         <p:nvSpPr>
           <p:cNvPr id="2" name="Title 1">
@@ -6021,48 +6649,303 @@
             <p:ph type="title"/>
           </p:nvPr>
         </p:nvSpPr>
-        <p:spPr/>
-        <p:txBody>
-          <a:bodyPr>
+        <p:spPr>
+          <a:xfrm>
+            <a:off x="1051560" y="586822"/>
+            <a:ext cx="3657600" cy="1645920"/>
+          </a:xfrm>
+        </p:spPr>
+        <p:txBody>
+          <a:bodyPr vert="horz" lIns="91440" tIns="45720" rIns="91440" bIns="45720" rtlCol="0" anchor="ctr">
             <a:normAutofit/>
           </a:bodyPr>
           <a:lstStyle/>
           <a:p>
             <a:r>
-              <a:rPr lang="en-US" sz="3200" dirty="0"/>
-              <a:t>IV. Restaurant analysis before and after game day.</a:t>
-            </a:r>
-          </a:p>
-        </p:txBody>
-      </p:sp>
-      <p:sp>
-        <p:nvSpPr>
-          <p:cNvPr id="3" name="Content Placeholder 2">
-            <a:extLst>
-              <a:ext uri="{FF2B5EF4-FFF2-40B4-BE49-F238E27FC236}">
-                <a16:creationId xmlns:a16="http://schemas.microsoft.com/office/drawing/2014/main" id="{8E146982-C493-49CE-8C32-6B0A7B2EE790}"/>
-              </a:ext>
-            </a:extLst>
-          </p:cNvPr>
-          <p:cNvSpPr>
-            <a:spLocks noGrp="1"/>
-          </p:cNvSpPr>
+              <a:rPr lang="en-US" dirty="0"/>
+              <a:t>IV. Rating analysis before and after game day.</a:t>
+            </a:r>
+          </a:p>
+        </p:txBody>
+      </p:sp>
+      <p:sp>
+        <p:nvSpPr>
+          <p:cNvPr id="35" name="Rectangle 34">
+            <a:extLst>
+              <a:ext uri="{FF2B5EF4-FFF2-40B4-BE49-F238E27FC236}">
+                <a16:creationId xmlns:a16="http://schemas.microsoft.com/office/drawing/2014/main" id="{C1A2385B-1D2A-4E17-84FA-6CB7F0AAE473}"/>
+              </a:ext>
+              <a:ext uri="{C183D7F6-B498-43B3-948B-1728B52AA6E4}">
+                <adec:decorative xmlns:adec="http://schemas.microsoft.com/office/drawing/2017/decorative" val="1"/>
+              </a:ext>
+            </a:extLst>
+          </p:cNvPr>
+          <p:cNvSpPr>
+            <a:spLocks noGrp="1" noRot="1" noChangeAspect="1" noMove="1" noResize="1" noEditPoints="1" noAdjustHandles="1" noChangeArrowheads="1" noChangeShapeType="1" noTextEdit="1"/>
+          </p:cNvSpPr>
+          <p:nvPr>
+            <p:extLst>
+              <p:ext uri="{386F3935-93C4-4BCD-93E2-E3B085C9AB24}">
+                <p16:designElem xmlns:p16="http://schemas.microsoft.com/office/powerpoint/2015/main" val="1"/>
+              </p:ext>
+            </p:extLst>
+          </p:nvPr>
+        </p:nvSpPr>
+        <p:spPr>
+          <a:xfrm>
+            <a:off x="490408" y="1057739"/>
+            <a:ext cx="128016" cy="704088"/>
+          </a:xfrm>
+          <a:prstGeom prst="rect">
+            <a:avLst/>
+          </a:prstGeom>
+          <a:solidFill>
+            <a:schemeClr val="accent2"/>
+          </a:solidFill>
+          <a:ln>
+            <a:noFill/>
+          </a:ln>
+        </p:spPr>
+        <p:style>
+          <a:lnRef idx="2">
+            <a:schemeClr val="accent1">
+              <a:shade val="50000"/>
+            </a:schemeClr>
+          </a:lnRef>
+          <a:fillRef idx="1">
+            <a:schemeClr val="accent1"/>
+          </a:fillRef>
+          <a:effectRef idx="0">
+            <a:schemeClr val="accent1"/>
+          </a:effectRef>
+          <a:fontRef idx="minor">
+            <a:schemeClr val="lt1"/>
+          </a:fontRef>
+        </p:style>
+        <p:txBody>
+          <a:bodyPr rtlCol="0" anchor="ctr"/>
+          <a:lstStyle/>
+          <a:p>
+            <a:pPr algn="ctr"/>
+            <a:endParaRPr lang="en-US" dirty="0">
+              <a:solidFill>
+                <a:prstClr val="white"/>
+              </a:solidFill>
+              <a:latin typeface="Calibri" panose="020F0502020204030204"/>
+            </a:endParaRPr>
+          </a:p>
+        </p:txBody>
+      </p:sp>
+      <p:sp>
+        <p:nvSpPr>
+          <p:cNvPr id="37" name="Rectangle 36">
+            <a:extLst>
+              <a:ext uri="{FF2B5EF4-FFF2-40B4-BE49-F238E27FC236}">
+                <a16:creationId xmlns:a16="http://schemas.microsoft.com/office/drawing/2014/main" id="{5E791F2F-79DB-4CC0-9FA1-001E3E91E8B7}"/>
+              </a:ext>
+              <a:ext uri="{C183D7F6-B498-43B3-948B-1728B52AA6E4}">
+                <adec:decorative xmlns:adec="http://schemas.microsoft.com/office/drawing/2017/decorative" val="1"/>
+              </a:ext>
+            </a:extLst>
+          </p:cNvPr>
+          <p:cNvSpPr>
+            <a:spLocks noGrp="1" noRot="1" noChangeAspect="1" noMove="1" noResize="1" noEditPoints="1" noAdjustHandles="1" noChangeArrowheads="1" noChangeShapeType="1" noTextEdit="1"/>
+          </p:cNvSpPr>
+          <p:nvPr>
+            <p:extLst>
+              <p:ext uri="{386F3935-93C4-4BCD-93E2-E3B085C9AB24}">
+                <p16:designElem xmlns:p16="http://schemas.microsoft.com/office/powerpoint/2015/main" val="1"/>
+              </p:ext>
+            </p:extLst>
+          </p:nvPr>
+        </p:nvSpPr>
+        <p:spPr>
+          <a:xfrm rot="5400000">
+            <a:off x="4243541" y="1400638"/>
+            <a:ext cx="1463040" cy="18288"/>
+          </a:xfrm>
+          <a:prstGeom prst="rect">
+            <a:avLst/>
+          </a:prstGeom>
+          <a:solidFill>
+            <a:srgbClr val="D5D5D5"/>
+          </a:solidFill>
+          <a:ln w="3175">
+            <a:noFill/>
+          </a:ln>
+          <a:effectLst/>
+        </p:spPr>
+        <p:style>
+          <a:lnRef idx="2">
+            <a:schemeClr val="accent1">
+              <a:shade val="50000"/>
+            </a:schemeClr>
+          </a:lnRef>
+          <a:fillRef idx="1">
+            <a:schemeClr val="accent1"/>
+          </a:fillRef>
+          <a:effectRef idx="0">
+            <a:schemeClr val="accent1"/>
+          </a:effectRef>
+          <a:fontRef idx="minor">
+            <a:schemeClr val="lt1"/>
+          </a:fontRef>
+        </p:style>
+        <p:txBody>
+          <a:bodyPr rtlCol="0" anchor="ctr"/>
+          <a:lstStyle/>
+          <a:p>
+            <a:pPr marL="0" marR="0" lvl="0" indent="0" algn="ctr" defTabSz="914400" rtl="0" eaLnBrk="1" fontAlgn="auto" latinLnBrk="0" hangingPunct="1">
+              <a:lnSpc>
+                <a:spcPct val="100000"/>
+              </a:lnSpc>
+              <a:spcBef>
+                <a:spcPts val="0"/>
+              </a:spcBef>
+              <a:spcAft>
+                <a:spcPts val="0"/>
+              </a:spcAft>
+              <a:buClrTx/>
+              <a:buSzTx/>
+              <a:buFontTx/>
+              <a:buNone/>
+              <a:tabLst/>
+              <a:defRPr/>
+            </a:pPr>
+            <a:endParaRPr kumimoji="0" lang="en-US" sz="1800" b="0" i="0" u="none" strike="noStrike" kern="1200" cap="none" spc="0" normalizeH="0" baseline="0" noProof="0">
+              <a:ln>
+                <a:noFill/>
+              </a:ln>
+              <a:solidFill>
+                <a:prstClr val="white"/>
+              </a:solidFill>
+              <a:effectLst/>
+              <a:uLnTx/>
+              <a:uFillTx/>
+              <a:latin typeface="Calibri" panose="020F0502020204030204"/>
+              <a:ea typeface="+mn-ea"/>
+              <a:cs typeface="+mn-cs"/>
+            </a:endParaRPr>
+          </a:p>
+        </p:txBody>
+      </p:sp>
+      <p:sp>
+        <p:nvSpPr>
+          <p:cNvPr id="4" name="Text Placeholder 3">
+            <a:extLst>
+              <a:ext uri="{FF2B5EF4-FFF2-40B4-BE49-F238E27FC236}">
+                <a16:creationId xmlns:a16="http://schemas.microsoft.com/office/drawing/2014/main" id="{EE6B924E-D8B8-44B2-8D1D-268C32D69B28}"/>
+              </a:ext>
+            </a:extLst>
+          </p:cNvPr>
+          <p:cNvSpPr>
+            <a:spLocks noGrp="1"/>
+          </p:cNvSpPr>
+          <p:nvPr>
+            <p:ph type="body" sz="half" idx="2"/>
+          </p:nvPr>
+        </p:nvSpPr>
+        <p:spPr>
+          <a:xfrm>
+            <a:off x="5250106" y="586822"/>
+            <a:ext cx="6106742" cy="1645920"/>
+          </a:xfrm>
+        </p:spPr>
+        <p:txBody>
+          <a:bodyPr vert="horz" lIns="91440" tIns="45720" rIns="91440" bIns="45720" rtlCol="0" anchor="ctr">
+            <a:normAutofit/>
+          </a:bodyPr>
+          <a:lstStyle/>
+          <a:p>
+            <a:pPr indent="-228600">
+              <a:buFont typeface="Arial" panose="020B0604020202020204" pitchFamily="34" charset="0"/>
+              <a:buChar char="•"/>
+            </a:pPr>
+            <a:r>
+              <a:rPr lang="en-US" sz="1800" dirty="0"/>
+              <a:t>The Average Rating of 1000 restaurants and the average rating of the them only changed barely for a few stadiums.</a:t>
+            </a:r>
+          </a:p>
+          <a:p>
+            <a:pPr indent="-228600">
+              <a:buFont typeface="Arial" panose="020B0604020202020204" pitchFamily="34" charset="0"/>
+              <a:buChar char="•"/>
+            </a:pPr>
+            <a:r>
+              <a:rPr lang="en-US" sz="1800" dirty="0"/>
+              <a:t>Looking at this data over the course of a longer period time for instance a month or year could produce more noticeable results.	</a:t>
+            </a:r>
+          </a:p>
+        </p:txBody>
+      </p:sp>
+      <p:pic>
+        <p:nvPicPr>
+          <p:cNvPr id="14" name="Content Placeholder 13" descr="A picture containing background pattern&#10;&#10;Description automatically generated">
+            <a:extLst>
+              <a:ext uri="{FF2B5EF4-FFF2-40B4-BE49-F238E27FC236}">
+                <a16:creationId xmlns:a16="http://schemas.microsoft.com/office/drawing/2014/main" id="{FF55BCAA-8D85-48CD-9D4C-181E4406FC24}"/>
+              </a:ext>
+            </a:extLst>
+          </p:cNvPr>
+          <p:cNvPicPr>
+            <a:picLocks noGrp="1" noChangeAspect="1"/>
+          </p:cNvPicPr>
           <p:nvPr>
             <p:ph idx="1"/>
           </p:nvPr>
-        </p:nvSpPr>
-        <p:spPr/>
-        <p:txBody>
-          <a:bodyPr/>
-          <a:lstStyle/>
-          <a:p>
-            <a:r>
-              <a:rPr lang="en-US" dirty="0"/>
-              <a:t>Chris</a:t>
-            </a:r>
-          </a:p>
-        </p:txBody>
-      </p:sp>
+        </p:nvPicPr>
+        <p:blipFill>
+          <a:blip r:embed="rId2">
+            <a:extLst>
+              <a:ext uri="{28A0092B-C50C-407E-A947-70E740481C1C}">
+                <a14:useLocalDpi xmlns:a14="http://schemas.microsoft.com/office/drawing/2010/main" val="0"/>
+              </a:ext>
+            </a:extLst>
+          </a:blip>
+          <a:stretch>
+            <a:fillRect/>
+          </a:stretch>
+        </p:blipFill>
+        <p:spPr>
+          <a:xfrm>
+            <a:off x="688902" y="2729397"/>
+            <a:ext cx="5219271" cy="3483864"/>
+          </a:xfrm>
+          <a:prstGeom prst="rect">
+            <a:avLst/>
+          </a:prstGeom>
+        </p:spPr>
+      </p:pic>
+      <p:pic>
+        <p:nvPicPr>
+          <p:cNvPr id="15" name="Picture 14">
+            <a:extLst>
+              <a:ext uri="{FF2B5EF4-FFF2-40B4-BE49-F238E27FC236}">
+                <a16:creationId xmlns:a16="http://schemas.microsoft.com/office/drawing/2014/main" id="{FB17DD91-C3FC-46A7-B9D9-FE70E5677C7B}"/>
+              </a:ext>
+            </a:extLst>
+          </p:cNvPr>
+          <p:cNvPicPr>
+            <a:picLocks noChangeAspect="1"/>
+          </p:cNvPicPr>
+          <p:nvPr/>
+        </p:nvPicPr>
+        <p:blipFill>
+          <a:blip r:embed="rId3"/>
+          <a:stretch>
+            <a:fillRect/>
+          </a:stretch>
+        </p:blipFill>
+        <p:spPr>
+          <a:xfrm>
+            <a:off x="688902" y="2676139"/>
+            <a:ext cx="10972319" cy="3595039"/>
+          </a:xfrm>
+          <a:prstGeom prst="rect">
+            <a:avLst/>
+          </a:prstGeom>
+        </p:spPr>
+      </p:pic>
     </p:spTree>
     <p:extLst>
       <p:ext uri="{BB962C8B-B14F-4D97-AF65-F5344CB8AC3E}">

--- a/Presentation/Team_4-Restaurant_Density_Analysis..pptx
+++ b/Presentation/Team_4-Restaurant_Density_Analysis..pptx
@@ -12,15 +12,19 @@
     <p:sldId id="266" r:id="rId6"/>
     <p:sldId id="267" r:id="rId7"/>
     <p:sldId id="260" r:id="rId8"/>
-    <p:sldId id="261" r:id="rId9"/>
-    <p:sldId id="262" r:id="rId10"/>
-    <p:sldId id="273" r:id="rId11"/>
-    <p:sldId id="274" r:id="rId12"/>
-    <p:sldId id="268" r:id="rId13"/>
-    <p:sldId id="269" r:id="rId14"/>
-    <p:sldId id="270" r:id="rId15"/>
-    <p:sldId id="271" r:id="rId16"/>
-    <p:sldId id="258" r:id="rId17"/>
+    <p:sldId id="275" r:id="rId9"/>
+    <p:sldId id="276" r:id="rId10"/>
+    <p:sldId id="277" r:id="rId11"/>
+    <p:sldId id="278" r:id="rId12"/>
+    <p:sldId id="262" r:id="rId13"/>
+    <p:sldId id="273" r:id="rId14"/>
+    <p:sldId id="274" r:id="rId15"/>
+    <p:sldId id="268" r:id="rId16"/>
+    <p:sldId id="269" r:id="rId17"/>
+    <p:sldId id="270" r:id="rId18"/>
+    <p:sldId id="271" r:id="rId19"/>
+    <p:sldId id="279" r:id="rId20"/>
+    <p:sldId id="258" r:id="rId21"/>
   </p:sldIdLst>
   <p:sldSz cx="12192000" cy="6858000"/>
   <p:notesSz cx="6858000" cy="9144000"/>
@@ -3468,6 +3472,785 @@
       </p:grpSpPr>
       <p:sp>
         <p:nvSpPr>
+          <p:cNvPr id="2" name="Title 1"/>
+          <p:cNvSpPr>
+            <a:spLocks noGrp="1"/>
+          </p:cNvSpPr>
+          <p:nvPr>
+            <p:ph type="title"/>
+          </p:nvPr>
+        </p:nvSpPr>
+        <p:spPr>
+          <a:xfrm>
+            <a:off x="839788" y="355600"/>
+            <a:ext cx="10515600" cy="1325563"/>
+          </a:xfrm>
+        </p:spPr>
+        <p:txBody>
+          <a:bodyPr>
+            <a:normAutofit fontScale="90000"/>
+          </a:bodyPr>
+          <a:lstStyle/>
+          <a:p>
+            <a:r>
+              <a:rPr lang="en-US" sz="3600" dirty="0"/>
+              <a:t> </a:t>
+            </a:r>
+            <a:r>
+              <a:rPr lang="en-US" sz="3600" dirty="0">
+                <a:sym typeface="+mn-ea"/>
+              </a:rPr>
+              <a:t>III. Restaurant analysis in 2 miles radius around the Stadiums.</a:t>
+            </a:r>
+            <a:br>
+              <a:rPr lang="en-US" sz="3600" dirty="0"/>
+            </a:br>
+            <a:r>
+              <a:rPr lang="en-US" sz="2800" dirty="0"/>
+              <a:t>- </a:t>
+            </a:r>
+            <a:r>
+              <a:rPr lang="en-US" sz="2800" u="sng" dirty="0"/>
+              <a:t>Stadium Capacity and attendees per restaurant.</a:t>
+            </a:r>
+            <a:br>
+              <a:rPr lang="en-US" sz="2800" dirty="0"/>
+            </a:br>
+            <a:endParaRPr lang="en-US" sz="2800" dirty="0"/>
+          </a:p>
+        </p:txBody>
+      </p:sp>
+      <p:pic>
+        <p:nvPicPr>
+          <p:cNvPr id="10" name="Content Placeholder 9" descr="stadium_capacity"/>
+          <p:cNvPicPr>
+            <a:picLocks noGrp="1" noChangeAspect="1"/>
+          </p:cNvPicPr>
+          <p:nvPr>
+            <p:ph sz="half" idx="2"/>
+          </p:nvPr>
+        </p:nvPicPr>
+        <p:blipFill>
+          <a:blip r:embed="rId2"/>
+          <a:stretch>
+            <a:fillRect/>
+          </a:stretch>
+        </p:blipFill>
+        <p:spPr>
+          <a:xfrm>
+            <a:off x="836295" y="1865442"/>
+            <a:ext cx="4011295" cy="4561205"/>
+          </a:xfrm>
+          <a:prstGeom prst="rect">
+            <a:avLst/>
+          </a:prstGeom>
+        </p:spPr>
+      </p:pic>
+      <p:sp>
+        <p:nvSpPr>
+          <p:cNvPr id="12" name="Text Placeholder 11"/>
+          <p:cNvSpPr>
+            <a:spLocks noGrp="1"/>
+          </p:cNvSpPr>
+          <p:nvPr>
+            <p:ph type="body" sz="quarter" idx="3"/>
+          </p:nvPr>
+        </p:nvSpPr>
+        <p:spPr>
+          <a:xfrm>
+            <a:off x="6172200" y="1680845"/>
+            <a:ext cx="5183505" cy="1917700"/>
+          </a:xfrm>
+        </p:spPr>
+        <p:txBody>
+          <a:bodyPr>
+            <a:normAutofit/>
+          </a:bodyPr>
+          <a:lstStyle/>
+          <a:p>
+            <a:pPr marL="342900" indent="-342900">
+              <a:buFont typeface="Arial" panose="020B0604020202020204" pitchFamily="34" charset="0"/>
+              <a:buChar char="•"/>
+            </a:pPr>
+            <a:endParaRPr lang="en-US" dirty="0"/>
+          </a:p>
+          <a:p>
+            <a:pPr marL="342900" indent="-342900">
+              <a:buFont typeface="Arial" panose="020B0604020202020204" pitchFamily="34" charset="0"/>
+              <a:buChar char="•"/>
+            </a:pPr>
+            <a:r>
+              <a:rPr lang="en-US" dirty="0"/>
+              <a:t>Not much around Arrowhead Stadium with only 18 restaurants</a:t>
+            </a:r>
+          </a:p>
+          <a:p>
+            <a:pPr marL="342900" indent="-342900">
+              <a:buFont typeface="Arial" panose="020B0604020202020204" pitchFamily="34" charset="0"/>
+              <a:buChar char="•"/>
+            </a:pPr>
+            <a:endParaRPr lang="en-US" dirty="0"/>
+          </a:p>
+        </p:txBody>
+      </p:sp>
+      <p:pic>
+        <p:nvPicPr>
+          <p:cNvPr id="14" name="Content Placeholder 13" descr="stadium attendees per restaurant"/>
+          <p:cNvPicPr>
+            <a:picLocks noGrp="1" noChangeAspect="1"/>
+          </p:cNvPicPr>
+          <p:nvPr>
+            <p:ph sz="quarter" idx="4"/>
+          </p:nvPr>
+        </p:nvPicPr>
+        <p:blipFill>
+          <a:blip r:embed="rId3"/>
+          <a:stretch>
+            <a:fillRect/>
+          </a:stretch>
+        </p:blipFill>
+        <p:spPr>
+          <a:xfrm>
+            <a:off x="6172200" y="3688715"/>
+            <a:ext cx="5183505" cy="2408555"/>
+          </a:xfrm>
+          <a:prstGeom prst="rect">
+            <a:avLst/>
+          </a:prstGeom>
+        </p:spPr>
+      </p:pic>
+    </p:spTree>
+  </p:cSld>
+  <p:clrMapOvr>
+    <a:masterClrMapping/>
+  </p:clrMapOvr>
+</p:sld>
+</file>
+
+<file path=ppt/slides/slide11.xml><?xml version="1.0" encoding="utf-8"?>
+<p:sld xmlns:a="http://schemas.openxmlformats.org/drawingml/2006/main" xmlns:r="http://schemas.openxmlformats.org/officeDocument/2006/relationships" xmlns:p="http://schemas.openxmlformats.org/presentationml/2006/main">
+  <p:cSld>
+    <p:spTree>
+      <p:nvGrpSpPr>
+        <p:cNvPr id="1" name=""/>
+        <p:cNvGrpSpPr/>
+        <p:nvPr/>
+      </p:nvGrpSpPr>
+      <p:grpSpPr>
+        <a:xfrm>
+          <a:off x="0" y="0"/>
+          <a:ext cx="0" cy="0"/>
+          <a:chOff x="0" y="0"/>
+          <a:chExt cx="0" cy="0"/>
+        </a:xfrm>
+      </p:grpSpPr>
+      <p:sp>
+        <p:nvSpPr>
+          <p:cNvPr id="2" name="Title 1"/>
+          <p:cNvSpPr>
+            <a:spLocks noGrp="1"/>
+          </p:cNvSpPr>
+          <p:nvPr>
+            <p:ph type="title"/>
+          </p:nvPr>
+        </p:nvSpPr>
+        <p:spPr/>
+        <p:txBody>
+          <a:bodyPr>
+            <a:normAutofit fontScale="90000"/>
+          </a:bodyPr>
+          <a:lstStyle/>
+          <a:p>
+            <a:r>
+              <a:rPr lang="en-US" sz="3600" dirty="0">
+                <a:sym typeface="+mn-ea"/>
+              </a:rPr>
+              <a:t>III. Restaurant analysis in 2 miles radius around the Stadiums.</a:t>
+            </a:r>
+            <a:br>
+              <a:rPr lang="en-US" sz="3200" dirty="0"/>
+            </a:br>
+            <a:br>
+              <a:rPr lang="en-US" sz="3200" dirty="0"/>
+            </a:br>
+            <a:r>
+              <a:rPr lang="en-US" sz="3200" dirty="0"/>
+              <a:t>- </a:t>
+            </a:r>
+            <a:r>
+              <a:rPr lang="en-US" sz="3100" u="sng" dirty="0"/>
+              <a:t>Avg. rating of restaurants around each stadium.</a:t>
+            </a:r>
+            <a:br>
+              <a:rPr lang="en-US" sz="3200" dirty="0"/>
+            </a:br>
+            <a:endParaRPr lang="en-US" sz="3200" dirty="0"/>
+          </a:p>
+        </p:txBody>
+      </p:sp>
+      <p:pic>
+        <p:nvPicPr>
+          <p:cNvPr id="4" name="Content Placeholder 3" descr="avg resturant rating per stadium"/>
+          <p:cNvPicPr>
+            <a:picLocks noGrp="1" noChangeAspect="1"/>
+          </p:cNvPicPr>
+          <p:nvPr>
+            <p:ph idx="1"/>
+          </p:nvPr>
+        </p:nvPicPr>
+        <p:blipFill>
+          <a:blip r:embed="rId2"/>
+          <a:stretch>
+            <a:fillRect/>
+          </a:stretch>
+        </p:blipFill>
+        <p:spPr>
+          <a:xfrm>
+            <a:off x="1409065" y="2167255"/>
+            <a:ext cx="9372600" cy="3667125"/>
+          </a:xfrm>
+          <a:prstGeom prst="rect">
+            <a:avLst/>
+          </a:prstGeom>
+        </p:spPr>
+      </p:pic>
+    </p:spTree>
+  </p:cSld>
+  <p:clrMapOvr>
+    <a:masterClrMapping/>
+  </p:clrMapOvr>
+</p:sld>
+</file>
+
+<file path=ppt/slides/slide12.xml><?xml version="1.0" encoding="utf-8"?>
+<p:sld xmlns:a="http://schemas.openxmlformats.org/drawingml/2006/main" xmlns:r="http://schemas.openxmlformats.org/officeDocument/2006/relationships" xmlns:p="http://schemas.openxmlformats.org/presentationml/2006/main">
+  <p:cSld>
+    <p:bg>
+      <p:bgPr>
+        <a:solidFill>
+          <a:schemeClr val="bg1"/>
+        </a:solidFill>
+        <a:effectLst/>
+      </p:bgPr>
+    </p:bg>
+    <p:spTree>
+      <p:nvGrpSpPr>
+        <p:cNvPr id="1" name=""/>
+        <p:cNvGrpSpPr/>
+        <p:nvPr/>
+      </p:nvGrpSpPr>
+      <p:grpSpPr>
+        <a:xfrm>
+          <a:off x="0" y="0"/>
+          <a:ext cx="0" cy="0"/>
+          <a:chOff x="0" y="0"/>
+          <a:chExt cx="0" cy="0"/>
+        </a:xfrm>
+      </p:grpSpPr>
+      <p:sp useBgFill="1">
+        <p:nvSpPr>
+          <p:cNvPr id="31" name="Rectangle 30">
+            <a:extLst>
+              <a:ext uri="{FF2B5EF4-FFF2-40B4-BE49-F238E27FC236}">
+                <a16:creationId xmlns:a16="http://schemas.microsoft.com/office/drawing/2014/main" id="{385E1BDC-A9B0-4A87-82E3-F3187F69A802}"/>
+              </a:ext>
+              <a:ext uri="{C183D7F6-B498-43B3-948B-1728B52AA6E4}">
+                <adec:decorative xmlns:adec="http://schemas.microsoft.com/office/drawing/2017/decorative" val="1"/>
+              </a:ext>
+            </a:extLst>
+          </p:cNvPr>
+          <p:cNvSpPr>
+            <a:spLocks noGrp="1" noRot="1" noChangeAspect="1" noMove="1" noResize="1" noEditPoints="1" noAdjustHandles="1" noChangeArrowheads="1" noChangeShapeType="1" noTextEdit="1"/>
+          </p:cNvSpPr>
+          <p:nvPr>
+            <p:extLst>
+              <p:ext uri="{386F3935-93C4-4BCD-93E2-E3B085C9AB24}">
+                <p16:designElem xmlns:p16="http://schemas.microsoft.com/office/powerpoint/2015/main" val="1"/>
+              </p:ext>
+            </p:extLst>
+          </p:nvPr>
+        </p:nvSpPr>
+        <p:spPr>
+          <a:xfrm>
+            <a:off x="0" y="0"/>
+            <a:ext cx="12192000" cy="6858000"/>
+          </a:xfrm>
+          <a:prstGeom prst="rect">
+            <a:avLst/>
+          </a:prstGeom>
+          <a:ln>
+            <a:noFill/>
+          </a:ln>
+        </p:spPr>
+        <p:style>
+          <a:lnRef idx="2">
+            <a:schemeClr val="accent1">
+              <a:shade val="50000"/>
+            </a:schemeClr>
+          </a:lnRef>
+          <a:fillRef idx="1">
+            <a:schemeClr val="accent1"/>
+          </a:fillRef>
+          <a:effectRef idx="0">
+            <a:schemeClr val="accent1"/>
+          </a:effectRef>
+          <a:fontRef idx="minor">
+            <a:schemeClr val="lt1"/>
+          </a:fontRef>
+        </p:style>
+        <p:txBody>
+          <a:bodyPr rtlCol="0" anchor="ctr"/>
+          <a:lstStyle/>
+          <a:p>
+            <a:pPr algn="ctr"/>
+            <a:endParaRPr lang="en-US"/>
+          </a:p>
+        </p:txBody>
+      </p:sp>
+      <p:sp useBgFill="1">
+        <p:nvSpPr>
+          <p:cNvPr id="33" name="Rectangle 32">
+            <a:extLst>
+              <a:ext uri="{FF2B5EF4-FFF2-40B4-BE49-F238E27FC236}">
+                <a16:creationId xmlns:a16="http://schemas.microsoft.com/office/drawing/2014/main" id="{0990C621-3B8B-4820-8328-D47EF7CE823C}"/>
+              </a:ext>
+              <a:ext uri="{C183D7F6-B498-43B3-948B-1728B52AA6E4}">
+                <adec:decorative xmlns:adec="http://schemas.microsoft.com/office/drawing/2017/decorative" val="1"/>
+              </a:ext>
+            </a:extLst>
+          </p:cNvPr>
+          <p:cNvSpPr>
+            <a:spLocks noGrp="1" noRot="1" noChangeAspect="1" noMove="1" noResize="1" noEditPoints="1" noAdjustHandles="1" noChangeArrowheads="1" noChangeShapeType="1" noTextEdit="1"/>
+          </p:cNvSpPr>
+          <p:nvPr>
+            <p:extLst>
+              <p:ext uri="{386F3935-93C4-4BCD-93E2-E3B085C9AB24}">
+                <p16:designElem xmlns:p16="http://schemas.microsoft.com/office/powerpoint/2015/main" val="1"/>
+              </p:ext>
+            </p:extLst>
+          </p:nvPr>
+        </p:nvSpPr>
+        <p:spPr>
+          <a:xfrm>
+            <a:off x="554416" y="365125"/>
+            <a:ext cx="11167447" cy="2089317"/>
+          </a:xfrm>
+          <a:prstGeom prst="rect">
+            <a:avLst/>
+          </a:prstGeom>
+          <a:ln w="12700">
+            <a:solidFill>
+              <a:srgbClr val="DEDEDE"/>
+            </a:solidFill>
+          </a:ln>
+          <a:effectLst>
+            <a:outerShdw blurRad="50800" dist="38100" dir="2700000" algn="tl" rotWithShape="0">
+              <a:schemeClr val="bg2">
+                <a:lumMod val="85000"/>
+                <a:alpha val="50000"/>
+              </a:schemeClr>
+            </a:outerShdw>
+          </a:effectLst>
+        </p:spPr>
+        <p:style>
+          <a:lnRef idx="2">
+            <a:schemeClr val="accent1">
+              <a:shade val="50000"/>
+            </a:schemeClr>
+          </a:lnRef>
+          <a:fillRef idx="1">
+            <a:schemeClr val="accent1"/>
+          </a:fillRef>
+          <a:effectRef idx="0">
+            <a:schemeClr val="accent1"/>
+          </a:effectRef>
+          <a:fontRef idx="minor">
+            <a:schemeClr val="lt1"/>
+          </a:fontRef>
+        </p:style>
+        <p:txBody>
+          <a:bodyPr rtlCol="0" anchor="ctr"/>
+          <a:lstStyle/>
+          <a:p>
+            <a:pPr marL="0" marR="0" lvl="0" indent="0" algn="ctr" defTabSz="914400" rtl="0" eaLnBrk="1" fontAlgn="auto" latinLnBrk="0" hangingPunct="1">
+              <a:lnSpc>
+                <a:spcPct val="100000"/>
+              </a:lnSpc>
+              <a:spcBef>
+                <a:spcPts val="0"/>
+              </a:spcBef>
+              <a:spcAft>
+                <a:spcPts val="0"/>
+              </a:spcAft>
+              <a:buClrTx/>
+              <a:buSzTx/>
+              <a:buFontTx/>
+              <a:buNone/>
+              <a:tabLst/>
+              <a:defRPr/>
+            </a:pPr>
+            <a:endParaRPr kumimoji="0" lang="en-US" sz="1800" b="0" i="0" u="none" strike="noStrike" kern="1200" cap="none" spc="0" normalizeH="0" baseline="0" noProof="0">
+              <a:ln>
+                <a:noFill/>
+              </a:ln>
+              <a:solidFill>
+                <a:prstClr val="white"/>
+              </a:solidFill>
+              <a:effectLst/>
+              <a:uLnTx/>
+              <a:uFillTx/>
+              <a:latin typeface="Calibri" panose="020F0502020204030204"/>
+              <a:ea typeface="+mn-ea"/>
+              <a:cs typeface="+mn-cs"/>
+            </a:endParaRPr>
+          </a:p>
+        </p:txBody>
+      </p:sp>
+      <p:sp>
+        <p:nvSpPr>
+          <p:cNvPr id="2" name="Title 1">
+            <a:extLst>
+              <a:ext uri="{FF2B5EF4-FFF2-40B4-BE49-F238E27FC236}">
+                <a16:creationId xmlns:a16="http://schemas.microsoft.com/office/drawing/2014/main" id="{E463C399-5906-42EC-882D-53521017C73D}"/>
+              </a:ext>
+            </a:extLst>
+          </p:cNvPr>
+          <p:cNvSpPr>
+            <a:spLocks noGrp="1"/>
+          </p:cNvSpPr>
+          <p:nvPr>
+            <p:ph type="title"/>
+          </p:nvPr>
+        </p:nvSpPr>
+        <p:spPr>
+          <a:xfrm>
+            <a:off x="1051560" y="586822"/>
+            <a:ext cx="3657600" cy="1645920"/>
+          </a:xfrm>
+        </p:spPr>
+        <p:txBody>
+          <a:bodyPr vert="horz" lIns="91440" tIns="45720" rIns="91440" bIns="45720" rtlCol="0" anchor="ctr">
+            <a:normAutofit/>
+          </a:bodyPr>
+          <a:lstStyle/>
+          <a:p>
+            <a:r>
+              <a:rPr lang="en-US" dirty="0"/>
+              <a:t>IV. Rating analysis before and after game day.</a:t>
+            </a:r>
+          </a:p>
+        </p:txBody>
+      </p:sp>
+      <p:sp>
+        <p:nvSpPr>
+          <p:cNvPr id="35" name="Rectangle 34">
+            <a:extLst>
+              <a:ext uri="{FF2B5EF4-FFF2-40B4-BE49-F238E27FC236}">
+                <a16:creationId xmlns:a16="http://schemas.microsoft.com/office/drawing/2014/main" id="{C1A2385B-1D2A-4E17-84FA-6CB7F0AAE473}"/>
+              </a:ext>
+              <a:ext uri="{C183D7F6-B498-43B3-948B-1728B52AA6E4}">
+                <adec:decorative xmlns:adec="http://schemas.microsoft.com/office/drawing/2017/decorative" val="1"/>
+              </a:ext>
+            </a:extLst>
+          </p:cNvPr>
+          <p:cNvSpPr>
+            <a:spLocks noGrp="1" noRot="1" noChangeAspect="1" noMove="1" noResize="1" noEditPoints="1" noAdjustHandles="1" noChangeArrowheads="1" noChangeShapeType="1" noTextEdit="1"/>
+          </p:cNvSpPr>
+          <p:nvPr>
+            <p:extLst>
+              <p:ext uri="{386F3935-93C4-4BCD-93E2-E3B085C9AB24}">
+                <p16:designElem xmlns:p16="http://schemas.microsoft.com/office/powerpoint/2015/main" val="1"/>
+              </p:ext>
+            </p:extLst>
+          </p:nvPr>
+        </p:nvSpPr>
+        <p:spPr>
+          <a:xfrm>
+            <a:off x="490408" y="1057739"/>
+            <a:ext cx="128016" cy="704088"/>
+          </a:xfrm>
+          <a:prstGeom prst="rect">
+            <a:avLst/>
+          </a:prstGeom>
+          <a:solidFill>
+            <a:schemeClr val="accent2"/>
+          </a:solidFill>
+          <a:ln>
+            <a:noFill/>
+          </a:ln>
+        </p:spPr>
+        <p:style>
+          <a:lnRef idx="2">
+            <a:schemeClr val="accent1">
+              <a:shade val="50000"/>
+            </a:schemeClr>
+          </a:lnRef>
+          <a:fillRef idx="1">
+            <a:schemeClr val="accent1"/>
+          </a:fillRef>
+          <a:effectRef idx="0">
+            <a:schemeClr val="accent1"/>
+          </a:effectRef>
+          <a:fontRef idx="minor">
+            <a:schemeClr val="lt1"/>
+          </a:fontRef>
+        </p:style>
+        <p:txBody>
+          <a:bodyPr rtlCol="0" anchor="ctr"/>
+          <a:lstStyle/>
+          <a:p>
+            <a:pPr algn="ctr"/>
+            <a:endParaRPr lang="en-US" dirty="0">
+              <a:solidFill>
+                <a:prstClr val="white"/>
+              </a:solidFill>
+              <a:latin typeface="Calibri" panose="020F0502020204030204"/>
+            </a:endParaRPr>
+          </a:p>
+        </p:txBody>
+      </p:sp>
+      <p:sp>
+        <p:nvSpPr>
+          <p:cNvPr id="37" name="Rectangle 36">
+            <a:extLst>
+              <a:ext uri="{FF2B5EF4-FFF2-40B4-BE49-F238E27FC236}">
+                <a16:creationId xmlns:a16="http://schemas.microsoft.com/office/drawing/2014/main" id="{5E791F2F-79DB-4CC0-9FA1-001E3E91E8B7}"/>
+              </a:ext>
+              <a:ext uri="{C183D7F6-B498-43B3-948B-1728B52AA6E4}">
+                <adec:decorative xmlns:adec="http://schemas.microsoft.com/office/drawing/2017/decorative" val="1"/>
+              </a:ext>
+            </a:extLst>
+          </p:cNvPr>
+          <p:cNvSpPr>
+            <a:spLocks noGrp="1" noRot="1" noChangeAspect="1" noMove="1" noResize="1" noEditPoints="1" noAdjustHandles="1" noChangeArrowheads="1" noChangeShapeType="1" noTextEdit="1"/>
+          </p:cNvSpPr>
+          <p:nvPr>
+            <p:extLst>
+              <p:ext uri="{386F3935-93C4-4BCD-93E2-E3B085C9AB24}">
+                <p16:designElem xmlns:p16="http://schemas.microsoft.com/office/powerpoint/2015/main" val="1"/>
+              </p:ext>
+            </p:extLst>
+          </p:nvPr>
+        </p:nvSpPr>
+        <p:spPr>
+          <a:xfrm rot="5400000">
+            <a:off x="4243541" y="1400638"/>
+            <a:ext cx="1463040" cy="18288"/>
+          </a:xfrm>
+          <a:prstGeom prst="rect">
+            <a:avLst/>
+          </a:prstGeom>
+          <a:solidFill>
+            <a:srgbClr val="D5D5D5"/>
+          </a:solidFill>
+          <a:ln w="3175">
+            <a:noFill/>
+          </a:ln>
+          <a:effectLst/>
+        </p:spPr>
+        <p:style>
+          <a:lnRef idx="2">
+            <a:schemeClr val="accent1">
+              <a:shade val="50000"/>
+            </a:schemeClr>
+          </a:lnRef>
+          <a:fillRef idx="1">
+            <a:schemeClr val="accent1"/>
+          </a:fillRef>
+          <a:effectRef idx="0">
+            <a:schemeClr val="accent1"/>
+          </a:effectRef>
+          <a:fontRef idx="minor">
+            <a:schemeClr val="lt1"/>
+          </a:fontRef>
+        </p:style>
+        <p:txBody>
+          <a:bodyPr rtlCol="0" anchor="ctr"/>
+          <a:lstStyle/>
+          <a:p>
+            <a:pPr marL="0" marR="0" lvl="0" indent="0" algn="ctr" defTabSz="914400" rtl="0" eaLnBrk="1" fontAlgn="auto" latinLnBrk="0" hangingPunct="1">
+              <a:lnSpc>
+                <a:spcPct val="100000"/>
+              </a:lnSpc>
+              <a:spcBef>
+                <a:spcPts val="0"/>
+              </a:spcBef>
+              <a:spcAft>
+                <a:spcPts val="0"/>
+              </a:spcAft>
+              <a:buClrTx/>
+              <a:buSzTx/>
+              <a:buFontTx/>
+              <a:buNone/>
+              <a:tabLst/>
+              <a:defRPr/>
+            </a:pPr>
+            <a:endParaRPr kumimoji="0" lang="en-US" sz="1800" b="0" i="0" u="none" strike="noStrike" kern="1200" cap="none" spc="0" normalizeH="0" baseline="0" noProof="0">
+              <a:ln>
+                <a:noFill/>
+              </a:ln>
+              <a:solidFill>
+                <a:prstClr val="white"/>
+              </a:solidFill>
+              <a:effectLst/>
+              <a:uLnTx/>
+              <a:uFillTx/>
+              <a:latin typeface="Calibri" panose="020F0502020204030204"/>
+              <a:ea typeface="+mn-ea"/>
+              <a:cs typeface="+mn-cs"/>
+            </a:endParaRPr>
+          </a:p>
+        </p:txBody>
+      </p:sp>
+      <p:sp>
+        <p:nvSpPr>
+          <p:cNvPr id="4" name="Text Placeholder 3">
+            <a:extLst>
+              <a:ext uri="{FF2B5EF4-FFF2-40B4-BE49-F238E27FC236}">
+                <a16:creationId xmlns:a16="http://schemas.microsoft.com/office/drawing/2014/main" id="{EE6B924E-D8B8-44B2-8D1D-268C32D69B28}"/>
+              </a:ext>
+            </a:extLst>
+          </p:cNvPr>
+          <p:cNvSpPr>
+            <a:spLocks noGrp="1"/>
+          </p:cNvSpPr>
+          <p:nvPr>
+            <p:ph type="body" sz="half" idx="2"/>
+          </p:nvPr>
+        </p:nvSpPr>
+        <p:spPr>
+          <a:xfrm>
+            <a:off x="5250106" y="586822"/>
+            <a:ext cx="6106742" cy="1645920"/>
+          </a:xfrm>
+        </p:spPr>
+        <p:txBody>
+          <a:bodyPr vert="horz" lIns="91440" tIns="45720" rIns="91440" bIns="45720" rtlCol="0" anchor="ctr">
+            <a:normAutofit/>
+          </a:bodyPr>
+          <a:lstStyle/>
+          <a:p>
+            <a:pPr indent="-228600">
+              <a:buFont typeface="Arial" panose="020B0604020202020204" pitchFamily="34" charset="0"/>
+              <a:buChar char="•"/>
+            </a:pPr>
+            <a:r>
+              <a:rPr lang="en-US" sz="1800" dirty="0"/>
+              <a:t>The Average Rating of 1000 restaurants and the average rating of the them only changed barely for a few stadiums.</a:t>
+            </a:r>
+          </a:p>
+          <a:p>
+            <a:pPr indent="-228600">
+              <a:buFont typeface="Arial" panose="020B0604020202020204" pitchFamily="34" charset="0"/>
+              <a:buChar char="•"/>
+            </a:pPr>
+            <a:r>
+              <a:rPr lang="en-US" sz="1800" dirty="0"/>
+              <a:t>Looking at this data over the course of a longer period time for instance a month or year could produce more noticeable results.	</a:t>
+            </a:r>
+          </a:p>
+        </p:txBody>
+      </p:sp>
+      <p:pic>
+        <p:nvPicPr>
+          <p:cNvPr id="14" name="Content Placeholder 13" descr="A picture containing background pattern&#10;&#10;Description automatically generated">
+            <a:extLst>
+              <a:ext uri="{FF2B5EF4-FFF2-40B4-BE49-F238E27FC236}">
+                <a16:creationId xmlns:a16="http://schemas.microsoft.com/office/drawing/2014/main" id="{FF55BCAA-8D85-48CD-9D4C-181E4406FC24}"/>
+              </a:ext>
+            </a:extLst>
+          </p:cNvPr>
+          <p:cNvPicPr>
+            <a:picLocks noGrp="1" noChangeAspect="1"/>
+          </p:cNvPicPr>
+          <p:nvPr>
+            <p:ph idx="1"/>
+          </p:nvPr>
+        </p:nvPicPr>
+        <p:blipFill>
+          <a:blip r:embed="rId2">
+            <a:extLst>
+              <a:ext uri="{28A0092B-C50C-407E-A947-70E740481C1C}">
+                <a14:useLocalDpi xmlns:a14="http://schemas.microsoft.com/office/drawing/2010/main" val="0"/>
+              </a:ext>
+            </a:extLst>
+          </a:blip>
+          <a:stretch>
+            <a:fillRect/>
+          </a:stretch>
+        </p:blipFill>
+        <p:spPr>
+          <a:xfrm>
+            <a:off x="688902" y="2729397"/>
+            <a:ext cx="5219271" cy="3483864"/>
+          </a:xfrm>
+          <a:prstGeom prst="rect">
+            <a:avLst/>
+          </a:prstGeom>
+        </p:spPr>
+      </p:pic>
+      <p:pic>
+        <p:nvPicPr>
+          <p:cNvPr id="15" name="Picture 14">
+            <a:extLst>
+              <a:ext uri="{FF2B5EF4-FFF2-40B4-BE49-F238E27FC236}">
+                <a16:creationId xmlns:a16="http://schemas.microsoft.com/office/drawing/2014/main" id="{FB17DD91-C3FC-46A7-B9D9-FE70E5677C7B}"/>
+              </a:ext>
+            </a:extLst>
+          </p:cNvPr>
+          <p:cNvPicPr>
+            <a:picLocks noChangeAspect="1"/>
+          </p:cNvPicPr>
+          <p:nvPr/>
+        </p:nvPicPr>
+        <p:blipFill>
+          <a:blip r:embed="rId3"/>
+          <a:stretch>
+            <a:fillRect/>
+          </a:stretch>
+        </p:blipFill>
+        <p:spPr>
+          <a:xfrm>
+            <a:off x="688902" y="2676139"/>
+            <a:ext cx="10972319" cy="3595039"/>
+          </a:xfrm>
+          <a:prstGeom prst="rect">
+            <a:avLst/>
+          </a:prstGeom>
+        </p:spPr>
+      </p:pic>
+    </p:spTree>
+    <p:extLst>
+      <p:ext uri="{BB962C8B-B14F-4D97-AF65-F5344CB8AC3E}">
+        <p14:creationId xmlns:p14="http://schemas.microsoft.com/office/powerpoint/2010/main" val="2019740083"/>
+      </p:ext>
+    </p:extLst>
+  </p:cSld>
+  <p:clrMapOvr>
+    <a:masterClrMapping/>
+  </p:clrMapOvr>
+</p:sld>
+</file>
+
+<file path=ppt/slides/slide13.xml><?xml version="1.0" encoding="utf-8"?>
+<p:sld xmlns:a="http://schemas.openxmlformats.org/drawingml/2006/main" xmlns:r="http://schemas.openxmlformats.org/officeDocument/2006/relationships" xmlns:p="http://schemas.openxmlformats.org/presentationml/2006/main">
+  <p:cSld>
+    <p:spTree>
+      <p:nvGrpSpPr>
+        <p:cNvPr id="1" name=""/>
+        <p:cNvGrpSpPr/>
+        <p:nvPr/>
+      </p:nvGrpSpPr>
+      <p:grpSpPr>
+        <a:xfrm>
+          <a:off x="0" y="0"/>
+          <a:ext cx="0" cy="0"/>
+          <a:chOff x="0" y="0"/>
+          <a:chExt cx="0" cy="0"/>
+        </a:xfrm>
+      </p:grpSpPr>
+      <p:sp>
+        <p:nvSpPr>
           <p:cNvPr id="2" name="Title 1">
             <a:extLst>
               <a:ext uri="{FF2B5EF4-FFF2-40B4-BE49-F238E27FC236}">
@@ -3602,7 +4385,7 @@
 </p:sld>
 </file>
 
-<file path=ppt/slides/slide11.xml><?xml version="1.0" encoding="utf-8"?>
+<file path=ppt/slides/slide14.xml><?xml version="1.0" encoding="utf-8"?>
 <p:sld xmlns:a="http://schemas.openxmlformats.org/drawingml/2006/main" xmlns:r="http://schemas.openxmlformats.org/officeDocument/2006/relationships" xmlns:p="http://schemas.openxmlformats.org/presentationml/2006/main">
   <p:cSld>
     <p:bg>
@@ -3887,8 +4670,8 @@
         </p:blipFill>
         <p:spPr>
           <a:xfrm>
-            <a:off x="838200" y="1845426"/>
-            <a:ext cx="10512547" cy="4450303"/>
+            <a:off x="1926913" y="2306314"/>
+            <a:ext cx="8335122" cy="3528528"/>
           </a:xfrm>
           <a:prstGeom prst="rect">
             <a:avLst/>
@@ -3908,7 +4691,7 @@
 </p:sld>
 </file>
 
-<file path=ppt/slides/slide12.xml><?xml version="1.0" encoding="utf-8"?>
+<file path=ppt/slides/slide15.xml><?xml version="1.0" encoding="utf-8"?>
 <p:sld xmlns:a="http://schemas.openxmlformats.org/drawingml/2006/main" xmlns:r="http://schemas.openxmlformats.org/officeDocument/2006/relationships" xmlns:p="http://schemas.openxmlformats.org/presentationml/2006/main">
   <p:cSld>
     <p:spTree>
@@ -3948,13 +4731,27 @@
           </a:xfrm>
         </p:spPr>
         <p:txBody>
-          <a:bodyPr/>
-          <a:lstStyle/>
-          <a:p>
-            <a:r>
-              <a:rPr lang="en-US" dirty="0"/>
+          <a:bodyPr>
+            <a:noAutofit/>
+          </a:bodyPr>
+          <a:lstStyle/>
+          <a:p>
+            <a:r>
+              <a:rPr lang="en-US" sz="3200" dirty="0"/>
+              <a:t>V. Restaurants in most popular cities in the US vs most and least popular NFL teams.</a:t>
+            </a:r>
+            <a:br>
+              <a:rPr lang="en-US" sz="3200" dirty="0"/>
+            </a:br>
+            <a:r>
+              <a:rPr lang="en-US" sz="3200" dirty="0"/>
+              <a:t> - </a:t>
+            </a:r>
+            <a:r>
+              <a:rPr lang="en-US" sz="2800" u="sng" dirty="0"/>
               <a:t>Comparing Restaurants by Team/City Popularity </a:t>
             </a:r>
+            <a:endParaRPr lang="en-US" sz="3200" u="sng" dirty="0"/>
           </a:p>
         </p:txBody>
       </p:sp>
@@ -4184,500 +4981,6 @@
 </p:sld>
 </file>
 
-<file path=ppt/slides/slide13.xml><?xml version="1.0" encoding="utf-8"?>
-<p:sld xmlns:a="http://schemas.openxmlformats.org/drawingml/2006/main" xmlns:r="http://schemas.openxmlformats.org/officeDocument/2006/relationships" xmlns:p="http://schemas.openxmlformats.org/presentationml/2006/main">
-  <p:cSld>
-    <p:spTree>
-      <p:nvGrpSpPr>
-        <p:cNvPr id="1" name=""/>
-        <p:cNvGrpSpPr/>
-        <p:nvPr/>
-      </p:nvGrpSpPr>
-      <p:grpSpPr>
-        <a:xfrm>
-          <a:off x="0" y="0"/>
-          <a:ext cx="0" cy="0"/>
-          <a:chOff x="0" y="0"/>
-          <a:chExt cx="0" cy="0"/>
-        </a:xfrm>
-      </p:grpSpPr>
-      <p:sp>
-        <p:nvSpPr>
-          <p:cNvPr id="2" name="Title 1">
-            <a:extLst>
-              <a:ext uri="{FF2B5EF4-FFF2-40B4-BE49-F238E27FC236}">
-                <a16:creationId xmlns:a16="http://schemas.microsoft.com/office/drawing/2014/main" id="{BFAE5B6D-65C3-4026-94D4-B3D2DC0A6AF8}"/>
-              </a:ext>
-            </a:extLst>
-          </p:cNvPr>
-          <p:cNvSpPr>
-            <a:spLocks noGrp="1"/>
-          </p:cNvSpPr>
-          <p:nvPr>
-            <p:ph type="title"/>
-          </p:nvPr>
-        </p:nvSpPr>
-        <p:spPr/>
-        <p:txBody>
-          <a:bodyPr/>
-          <a:lstStyle/>
-          <a:p>
-            <a:r>
-              <a:rPr lang="en-US" dirty="0"/>
-              <a:t>Comparing Ratings by Team/City Popularity</a:t>
-            </a:r>
-          </a:p>
-        </p:txBody>
-      </p:sp>
-      <p:pic>
-        <p:nvPicPr>
-          <p:cNvPr id="5" name="Content Placeholder 4" descr="Chart, bar chart&#10;&#10;Description automatically generated">
-            <a:extLst>
-              <a:ext uri="{FF2B5EF4-FFF2-40B4-BE49-F238E27FC236}">
-                <a16:creationId xmlns:a16="http://schemas.microsoft.com/office/drawing/2014/main" id="{F854096F-D27D-49DA-A7D6-154A14A84CC8}"/>
-              </a:ext>
-            </a:extLst>
-          </p:cNvPr>
-          <p:cNvPicPr>
-            <a:picLocks noGrp="1" noChangeAspect="1"/>
-          </p:cNvPicPr>
-          <p:nvPr>
-            <p:ph idx="1"/>
-          </p:nvPr>
-        </p:nvPicPr>
-        <p:blipFill>
-          <a:blip r:embed="rId2">
-            <a:extLst>
-              <a:ext uri="{28A0092B-C50C-407E-A947-70E740481C1C}">
-                <a14:useLocalDpi xmlns:a14="http://schemas.microsoft.com/office/drawing/2010/main" val="0"/>
-              </a:ext>
-            </a:extLst>
-          </a:blip>
-          <a:stretch>
-            <a:fillRect/>
-          </a:stretch>
-        </p:blipFill>
-        <p:spPr>
-          <a:xfrm>
-            <a:off x="6773633" y="1690688"/>
-            <a:ext cx="4580167" cy="4351338"/>
-          </a:xfrm>
-        </p:spPr>
-      </p:pic>
-      <p:sp>
-        <p:nvSpPr>
-          <p:cNvPr id="6" name="TextBox 5">
-            <a:extLst>
-              <a:ext uri="{FF2B5EF4-FFF2-40B4-BE49-F238E27FC236}">
-                <a16:creationId xmlns:a16="http://schemas.microsoft.com/office/drawing/2014/main" id="{9C87DBCC-D137-4E86-9CEA-C6514CF27614}"/>
-              </a:ext>
-            </a:extLst>
-          </p:cNvPr>
-          <p:cNvSpPr txBox="1"/>
-          <p:nvPr/>
-        </p:nvSpPr>
-        <p:spPr>
-          <a:xfrm>
-            <a:off x="587829" y="1506022"/>
-            <a:ext cx="5999583" cy="2862322"/>
-          </a:xfrm>
-          <a:prstGeom prst="rect">
-            <a:avLst/>
-          </a:prstGeom>
-          <a:noFill/>
-        </p:spPr>
-        <p:txBody>
-          <a:bodyPr wrap="square" rtlCol="0">
-            <a:spAutoFit/>
-          </a:bodyPr>
-          <a:lstStyle/>
-          <a:p>
-            <a:pPr marL="285750" indent="-285750">
-              <a:buFont typeface="Arial" panose="020B0604020202020204" pitchFamily="34" charset="0"/>
-              <a:buChar char="•"/>
-            </a:pPr>
-            <a:r>
-              <a:rPr lang="en-US" dirty="0"/>
-              <a:t>In this chart, we are showing the team’s stadiums and the average restaurant rating that each has in a 3000 mile radius around it.</a:t>
-            </a:r>
-          </a:p>
-          <a:p>
-            <a:pPr marL="742950" lvl="1" indent="-285750">
-              <a:buFont typeface="Arial" panose="020B0604020202020204" pitchFamily="34" charset="0"/>
-              <a:buChar char="•"/>
-            </a:pPr>
-            <a:r>
-              <a:rPr lang="en-US" dirty="0"/>
-              <a:t>CenturyLink Stadium (3.92, Seattle Seahawks) has the highest rating while Gillette Stadium (3.12, New England Patriots) had the lowest.</a:t>
-            </a:r>
-          </a:p>
-          <a:p>
-            <a:pPr marL="1200150" lvl="2" indent="-285750">
-              <a:buFont typeface="Arial" panose="020B0604020202020204" pitchFamily="34" charset="0"/>
-              <a:buChar char="•"/>
-            </a:pPr>
-            <a:r>
-              <a:rPr lang="en-US" dirty="0"/>
-              <a:t>The average rating for each team in this part of the study was 3.55.</a:t>
-            </a:r>
-          </a:p>
-          <a:p>
-            <a:pPr marL="285750" indent="-285750">
-              <a:buFont typeface="Arial" panose="020B0604020202020204" pitchFamily="34" charset="0"/>
-              <a:buChar char="•"/>
-            </a:pPr>
-            <a:endParaRPr lang="en-US" dirty="0"/>
-          </a:p>
-          <a:p>
-            <a:pPr marL="742950" lvl="1" indent="-285750">
-              <a:buFont typeface="Arial" panose="020B0604020202020204" pitchFamily="34" charset="0"/>
-              <a:buChar char="•"/>
-            </a:pPr>
-            <a:endParaRPr lang="en-US" dirty="0"/>
-          </a:p>
-        </p:txBody>
-      </p:sp>
-    </p:spTree>
-    <p:extLst>
-      <p:ext uri="{BB962C8B-B14F-4D97-AF65-F5344CB8AC3E}">
-        <p14:creationId xmlns:p14="http://schemas.microsoft.com/office/powerpoint/2010/main" val="3790938244"/>
-      </p:ext>
-    </p:extLst>
-  </p:cSld>
-  <p:clrMapOvr>
-    <a:masterClrMapping/>
-  </p:clrMapOvr>
-</p:sld>
-</file>
-
-<file path=ppt/slides/slide14.xml><?xml version="1.0" encoding="utf-8"?>
-<p:sld xmlns:a="http://schemas.openxmlformats.org/drawingml/2006/main" xmlns:r="http://schemas.openxmlformats.org/officeDocument/2006/relationships" xmlns:p="http://schemas.openxmlformats.org/presentationml/2006/main">
-  <p:cSld>
-    <p:spTree>
-      <p:nvGrpSpPr>
-        <p:cNvPr id="1" name=""/>
-        <p:cNvGrpSpPr/>
-        <p:nvPr/>
-      </p:nvGrpSpPr>
-      <p:grpSpPr>
-        <a:xfrm>
-          <a:off x="0" y="0"/>
-          <a:ext cx="0" cy="0"/>
-          <a:chOff x="0" y="0"/>
-          <a:chExt cx="0" cy="0"/>
-        </a:xfrm>
-      </p:grpSpPr>
-      <p:sp>
-        <p:nvSpPr>
-          <p:cNvPr id="2" name="Title 1">
-            <a:extLst>
-              <a:ext uri="{FF2B5EF4-FFF2-40B4-BE49-F238E27FC236}">
-                <a16:creationId xmlns:a16="http://schemas.microsoft.com/office/drawing/2014/main" id="{705D58F1-2237-4978-A54D-CEAC42C382DA}"/>
-              </a:ext>
-            </a:extLst>
-          </p:cNvPr>
-          <p:cNvSpPr>
-            <a:spLocks noGrp="1"/>
-          </p:cNvSpPr>
-          <p:nvPr>
-            <p:ph type="title"/>
-          </p:nvPr>
-        </p:nvSpPr>
-        <p:spPr/>
-        <p:txBody>
-          <a:bodyPr/>
-          <a:lstStyle/>
-          <a:p>
-            <a:r>
-              <a:rPr lang="en-US" dirty="0"/>
-              <a:t>Comparing Number of Reviews by Team/City Popularity</a:t>
-            </a:r>
-          </a:p>
-        </p:txBody>
-      </p:sp>
-      <p:pic>
-        <p:nvPicPr>
-          <p:cNvPr id="5" name="Content Placeholder 4" descr="Chart, bar chart&#10;&#10;Description automatically generated">
-            <a:extLst>
-              <a:ext uri="{FF2B5EF4-FFF2-40B4-BE49-F238E27FC236}">
-                <a16:creationId xmlns:a16="http://schemas.microsoft.com/office/drawing/2014/main" id="{84282BE2-C752-4BE7-A2F8-72BB27B0F7AF}"/>
-              </a:ext>
-            </a:extLst>
-          </p:cNvPr>
-          <p:cNvPicPr>
-            <a:picLocks noGrp="1" noChangeAspect="1"/>
-          </p:cNvPicPr>
-          <p:nvPr>
-            <p:ph idx="1"/>
-          </p:nvPr>
-        </p:nvPicPr>
-        <p:blipFill>
-          <a:blip r:embed="rId2">
-            <a:extLst>
-              <a:ext uri="{28A0092B-C50C-407E-A947-70E740481C1C}">
-                <a14:useLocalDpi xmlns:a14="http://schemas.microsoft.com/office/drawing/2010/main" val="0"/>
-              </a:ext>
-            </a:extLst>
-          </a:blip>
-          <a:stretch>
-            <a:fillRect/>
-          </a:stretch>
-        </p:blipFill>
-        <p:spPr>
-          <a:xfrm>
-            <a:off x="6095999" y="1558093"/>
-            <a:ext cx="5110065" cy="4854761"/>
-          </a:xfrm>
-        </p:spPr>
-      </p:pic>
-      <p:sp>
-        <p:nvSpPr>
-          <p:cNvPr id="6" name="TextBox 5">
-            <a:extLst>
-              <a:ext uri="{FF2B5EF4-FFF2-40B4-BE49-F238E27FC236}">
-                <a16:creationId xmlns:a16="http://schemas.microsoft.com/office/drawing/2014/main" id="{CE36B57E-92F9-40A4-AE63-4F24390AAD0C}"/>
-              </a:ext>
-            </a:extLst>
-          </p:cNvPr>
-          <p:cNvSpPr txBox="1"/>
-          <p:nvPr/>
-        </p:nvSpPr>
-        <p:spPr>
-          <a:xfrm>
-            <a:off x="457200" y="1940767"/>
-            <a:ext cx="5110065" cy="2862322"/>
-          </a:xfrm>
-          <a:prstGeom prst="rect">
-            <a:avLst/>
-          </a:prstGeom>
-          <a:noFill/>
-        </p:spPr>
-        <p:txBody>
-          <a:bodyPr wrap="square" rtlCol="0">
-            <a:spAutoFit/>
-          </a:bodyPr>
-          <a:lstStyle/>
-          <a:p>
-            <a:pPr marL="285750" indent="-285750">
-              <a:buFont typeface="Arial" panose="020B0604020202020204" pitchFamily="34" charset="0"/>
-              <a:buChar char="•"/>
-            </a:pPr>
-            <a:r>
-              <a:rPr lang="en-US" dirty="0"/>
-              <a:t>Here is a comparison of the average number of reviews around each stadium.</a:t>
-            </a:r>
-          </a:p>
-          <a:p>
-            <a:pPr marL="742950" lvl="1" indent="-285750">
-              <a:buFont typeface="Arial" panose="020B0604020202020204" pitchFamily="34" charset="0"/>
-              <a:buChar char="•"/>
-            </a:pPr>
-            <a:r>
-              <a:rPr lang="en-US" dirty="0"/>
-              <a:t>Allegiant Stadium (Las Vegas), Soldier Field (Chicago), CenturyLink Stadium (Seattle) all had large numbers of reviews left on average.</a:t>
-            </a:r>
-          </a:p>
-          <a:p>
-            <a:pPr marL="742950" lvl="1" indent="-285750">
-              <a:buFont typeface="Arial" panose="020B0604020202020204" pitchFamily="34" charset="0"/>
-              <a:buChar char="•"/>
-            </a:pPr>
-            <a:r>
-              <a:rPr lang="en-US" dirty="0"/>
-              <a:t>This could potentially be due to their popularity as tourist spots since all 3 are included in the list of America’s popular travel destinations. </a:t>
-            </a:r>
-          </a:p>
-        </p:txBody>
-      </p:sp>
-    </p:spTree>
-    <p:extLst>
-      <p:ext uri="{BB962C8B-B14F-4D97-AF65-F5344CB8AC3E}">
-        <p14:creationId xmlns:p14="http://schemas.microsoft.com/office/powerpoint/2010/main" val="459810575"/>
-      </p:ext>
-    </p:extLst>
-  </p:cSld>
-  <p:clrMapOvr>
-    <a:masterClrMapping/>
-  </p:clrMapOvr>
-</p:sld>
-</file>
-
-<file path=ppt/slides/slide15.xml><?xml version="1.0" encoding="utf-8"?>
-<p:sld xmlns:a="http://schemas.openxmlformats.org/drawingml/2006/main" xmlns:r="http://schemas.openxmlformats.org/officeDocument/2006/relationships" xmlns:p="http://schemas.openxmlformats.org/presentationml/2006/main">
-  <p:cSld>
-    <p:spTree>
-      <p:nvGrpSpPr>
-        <p:cNvPr id="1" name=""/>
-        <p:cNvGrpSpPr/>
-        <p:nvPr/>
-      </p:nvGrpSpPr>
-      <p:grpSpPr>
-        <a:xfrm>
-          <a:off x="0" y="0"/>
-          <a:ext cx="0" cy="0"/>
-          <a:chOff x="0" y="0"/>
-          <a:chExt cx="0" cy="0"/>
-        </a:xfrm>
-      </p:grpSpPr>
-      <p:sp>
-        <p:nvSpPr>
-          <p:cNvPr id="2" name="Title 1">
-            <a:extLst>
-              <a:ext uri="{FF2B5EF4-FFF2-40B4-BE49-F238E27FC236}">
-                <a16:creationId xmlns:a16="http://schemas.microsoft.com/office/drawing/2014/main" id="{B7BCCE2A-CC40-4246-9354-B16F41AE66C5}"/>
-              </a:ext>
-            </a:extLst>
-          </p:cNvPr>
-          <p:cNvSpPr>
-            <a:spLocks noGrp="1"/>
-          </p:cNvSpPr>
-          <p:nvPr>
-            <p:ph type="title"/>
-          </p:nvPr>
-        </p:nvSpPr>
-        <p:spPr/>
-        <p:txBody>
-          <a:bodyPr/>
-          <a:lstStyle/>
-          <a:p>
-            <a:r>
-              <a:rPr lang="en-US" dirty="0"/>
-              <a:t>Comparing Price by Team/City Popularity</a:t>
-            </a:r>
-          </a:p>
-        </p:txBody>
-      </p:sp>
-      <p:pic>
-        <p:nvPicPr>
-          <p:cNvPr id="5" name="Content Placeholder 4" descr="Chart, bar chart&#10;&#10;Description automatically generated">
-            <a:extLst>
-              <a:ext uri="{FF2B5EF4-FFF2-40B4-BE49-F238E27FC236}">
-                <a16:creationId xmlns:a16="http://schemas.microsoft.com/office/drawing/2014/main" id="{E1EBC4B3-BAEE-4E4A-8D05-2AB23B12677D}"/>
-              </a:ext>
-            </a:extLst>
-          </p:cNvPr>
-          <p:cNvPicPr>
-            <a:picLocks noGrp="1" noChangeAspect="1"/>
-          </p:cNvPicPr>
-          <p:nvPr>
-            <p:ph idx="1"/>
-          </p:nvPr>
-        </p:nvPicPr>
-        <p:blipFill>
-          <a:blip r:embed="rId2">
-            <a:extLst>
-              <a:ext uri="{28A0092B-C50C-407E-A947-70E740481C1C}">
-                <a14:useLocalDpi xmlns:a14="http://schemas.microsoft.com/office/drawing/2010/main" val="0"/>
-              </a:ext>
-            </a:extLst>
-          </a:blip>
-          <a:stretch>
-            <a:fillRect/>
-          </a:stretch>
-        </p:blipFill>
-        <p:spPr>
-          <a:xfrm>
-            <a:off x="6773633" y="1690687"/>
-            <a:ext cx="4580167" cy="4579483"/>
-          </a:xfrm>
-        </p:spPr>
-      </p:pic>
-      <p:sp>
-        <p:nvSpPr>
-          <p:cNvPr id="3" name="TextBox 2">
-            <a:extLst>
-              <a:ext uri="{FF2B5EF4-FFF2-40B4-BE49-F238E27FC236}">
-                <a16:creationId xmlns:a16="http://schemas.microsoft.com/office/drawing/2014/main" id="{46F5FD86-AFF7-47E5-9453-06759AD92A02}"/>
-              </a:ext>
-            </a:extLst>
-          </p:cNvPr>
-          <p:cNvSpPr txBox="1"/>
-          <p:nvPr/>
-        </p:nvSpPr>
-        <p:spPr>
-          <a:xfrm>
-            <a:off x="457200" y="1940767"/>
-            <a:ext cx="5110065" cy="3970318"/>
-          </a:xfrm>
-          <a:prstGeom prst="rect">
-            <a:avLst/>
-          </a:prstGeom>
-          <a:noFill/>
-        </p:spPr>
-        <p:txBody>
-          <a:bodyPr wrap="square" rtlCol="0">
-            <a:spAutoFit/>
-          </a:bodyPr>
-          <a:lstStyle/>
-          <a:p>
-            <a:pPr marL="285750" indent="-285750">
-              <a:buFont typeface="Arial" panose="020B0604020202020204" pitchFamily="34" charset="0"/>
-              <a:buChar char="•"/>
-            </a:pPr>
-            <a:r>
-              <a:rPr lang="en-US" dirty="0"/>
-              <a:t>Yelp has a price system using the dollar sign to signify the average price of a dish at that restaurant.</a:t>
-            </a:r>
-          </a:p>
-          <a:p>
-            <a:pPr marL="742950" lvl="1" indent="-285750">
-              <a:buFont typeface="Arial" panose="020B0604020202020204" pitchFamily="34" charset="0"/>
-              <a:buChar char="•"/>
-            </a:pPr>
-            <a:r>
-              <a:rPr lang="en-US" dirty="0"/>
-              <a:t> $ (least expensive) - $$$$ (most expensive)</a:t>
-            </a:r>
-          </a:p>
-          <a:p>
-            <a:pPr marL="285750" indent="-285750">
-              <a:buFont typeface="Arial" panose="020B0604020202020204" pitchFamily="34" charset="0"/>
-              <a:buChar char="•"/>
-            </a:pPr>
-            <a:r>
-              <a:rPr lang="en-US" dirty="0"/>
-              <a:t>Based on the results to the right the restaurants around stadiums average between 1.5 and 2.0 $ signs. This means that they are relatively low priced, and we cannot conclude that there is price gouging around stadiums.</a:t>
-            </a:r>
-          </a:p>
-          <a:p>
-            <a:pPr marL="285750" indent="-285750">
-              <a:buFont typeface="Arial" panose="020B0604020202020204" pitchFamily="34" charset="0"/>
-              <a:buChar char="•"/>
-            </a:pPr>
-            <a:r>
-              <a:rPr lang="en-US" dirty="0" err="1"/>
-              <a:t>Alliegiant</a:t>
-            </a:r>
-            <a:r>
-              <a:rPr lang="en-US" dirty="0"/>
-              <a:t> Stadium (Las Vegas) has the highest price on average while AT&amp;T (Dallas) has the lowest.</a:t>
-            </a:r>
-          </a:p>
-          <a:p>
-            <a:pPr marL="742950" lvl="1" indent="-285750">
-              <a:buFont typeface="Arial" panose="020B0604020202020204" pitchFamily="34" charset="0"/>
-              <a:buChar char="•"/>
-            </a:pPr>
-            <a:r>
-              <a:rPr lang="en-US" dirty="0"/>
-              <a:t> Las Vegas’s high-priced restaurants may be due to the city being a tourist hot spot.</a:t>
-            </a:r>
-          </a:p>
-        </p:txBody>
-      </p:sp>
-    </p:spTree>
-    <p:extLst>
-      <p:ext uri="{BB962C8B-B14F-4D97-AF65-F5344CB8AC3E}">
-        <p14:creationId xmlns:p14="http://schemas.microsoft.com/office/powerpoint/2010/main" val="1903262264"/>
-      </p:ext>
-    </p:extLst>
-  </p:cSld>
-  <p:clrMapOvr>
-    <a:masterClrMapping/>
-  </p:clrMapOvr>
-</p:sld>
-</file>
-
 <file path=ppt/slides/slide16.xml><?xml version="1.0" encoding="utf-8"?>
 <p:sld xmlns:a="http://schemas.openxmlformats.org/drawingml/2006/main" xmlns:r="http://schemas.openxmlformats.org/officeDocument/2006/relationships" xmlns:p="http://schemas.openxmlformats.org/presentationml/2006/main">
   <p:cSld>
@@ -4700,7 +5003,7 @@
           <p:cNvPr id="2" name="Title 1">
             <a:extLst>
               <a:ext uri="{FF2B5EF4-FFF2-40B4-BE49-F238E27FC236}">
-                <a16:creationId xmlns:a16="http://schemas.microsoft.com/office/drawing/2014/main" id="{1528E662-6DCC-4221-AF6F-1AA9AEB3BDAB}"/>
+                <a16:creationId xmlns:a16="http://schemas.microsoft.com/office/drawing/2014/main" id="{BFAE5B6D-65C3-4026-94D4-B3D2DC0A6AF8}"/>
               </a:ext>
             </a:extLst>
           </p:cNvPr>
@@ -4713,12 +5016,540 @@
         </p:nvSpPr>
         <p:spPr/>
         <p:txBody>
-          <a:bodyPr/>
-          <a:lstStyle/>
-          <a:p>
+          <a:bodyPr>
+            <a:normAutofit fontScale="90000"/>
+          </a:bodyPr>
+          <a:lstStyle/>
+          <a:p>
+            <a:r>
+              <a:rPr lang="en-US" sz="3600" dirty="0"/>
+              <a:t>V. Restaurants in most popular cities in the US vs most and least popular NFL teams.</a:t>
+            </a:r>
+            <a:br>
+              <a:rPr lang="en-US" sz="3200" dirty="0"/>
+            </a:br>
+            <a:r>
+              <a:rPr lang="en-US" sz="3100" dirty="0"/>
+              <a:t> - </a:t>
+            </a:r>
+            <a:r>
+              <a:rPr lang="en-US" sz="3100" u="sng" dirty="0"/>
+              <a:t>Comparing Ratings by Team/City Popularity</a:t>
+            </a:r>
+            <a:endParaRPr lang="en-US" sz="3200" u="sng" dirty="0"/>
+          </a:p>
+        </p:txBody>
+      </p:sp>
+      <p:pic>
+        <p:nvPicPr>
+          <p:cNvPr id="5" name="Content Placeholder 4" descr="Chart, bar chart&#10;&#10;Description automatically generated">
+            <a:extLst>
+              <a:ext uri="{FF2B5EF4-FFF2-40B4-BE49-F238E27FC236}">
+                <a16:creationId xmlns:a16="http://schemas.microsoft.com/office/drawing/2014/main" id="{F854096F-D27D-49DA-A7D6-154A14A84CC8}"/>
+              </a:ext>
+            </a:extLst>
+          </p:cNvPr>
+          <p:cNvPicPr>
+            <a:picLocks noGrp="1" noChangeAspect="1"/>
+          </p:cNvPicPr>
+          <p:nvPr>
+            <p:ph idx="1"/>
+          </p:nvPr>
+        </p:nvPicPr>
+        <p:blipFill>
+          <a:blip r:embed="rId2">
+            <a:extLst>
+              <a:ext uri="{28A0092B-C50C-407E-A947-70E740481C1C}">
+                <a14:useLocalDpi xmlns:a14="http://schemas.microsoft.com/office/drawing/2010/main" val="0"/>
+              </a:ext>
+            </a:extLst>
+          </a:blip>
+          <a:stretch>
+            <a:fillRect/>
+          </a:stretch>
+        </p:blipFill>
+        <p:spPr>
+          <a:xfrm>
+            <a:off x="6773633" y="1690688"/>
+            <a:ext cx="4580167" cy="4351338"/>
+          </a:xfrm>
+        </p:spPr>
+      </p:pic>
+      <p:sp>
+        <p:nvSpPr>
+          <p:cNvPr id="6" name="TextBox 5">
+            <a:extLst>
+              <a:ext uri="{FF2B5EF4-FFF2-40B4-BE49-F238E27FC236}">
+                <a16:creationId xmlns:a16="http://schemas.microsoft.com/office/drawing/2014/main" id="{9C87DBCC-D137-4E86-9CEA-C6514CF27614}"/>
+              </a:ext>
+            </a:extLst>
+          </p:cNvPr>
+          <p:cNvSpPr txBox="1"/>
+          <p:nvPr/>
+        </p:nvSpPr>
+        <p:spPr>
+          <a:xfrm>
+            <a:off x="556433" y="1902393"/>
+            <a:ext cx="5999583" cy="2862322"/>
+          </a:xfrm>
+          <a:prstGeom prst="rect">
+            <a:avLst/>
+          </a:prstGeom>
+          <a:noFill/>
+        </p:spPr>
+        <p:txBody>
+          <a:bodyPr wrap="square" rtlCol="0">
+            <a:spAutoFit/>
+          </a:bodyPr>
+          <a:lstStyle/>
+          <a:p>
+            <a:pPr marL="285750" indent="-285750">
+              <a:buFont typeface="Arial" panose="020B0604020202020204" pitchFamily="34" charset="0"/>
+              <a:buChar char="•"/>
+            </a:pPr>
             <a:r>
               <a:rPr lang="en-US" dirty="0"/>
-              <a:t>Team</a:t>
+              <a:t>In this chart, we are showing the team’s stadiums and the average restaurant rating that each has in a 3000 meters radius around it.</a:t>
+            </a:r>
+          </a:p>
+          <a:p>
+            <a:pPr marL="742950" lvl="1" indent="-285750">
+              <a:buFont typeface="Arial" panose="020B0604020202020204" pitchFamily="34" charset="0"/>
+              <a:buChar char="•"/>
+            </a:pPr>
+            <a:r>
+              <a:rPr lang="en-US" dirty="0"/>
+              <a:t>CenturyLink Stadium (3.92, Seattle Seahawks) has the highest rating while Gillette Stadium (3.12, New England Patriots) had the lowest.</a:t>
+            </a:r>
+          </a:p>
+          <a:p>
+            <a:pPr marL="1200150" lvl="2" indent="-285750">
+              <a:buFont typeface="Arial" panose="020B0604020202020204" pitchFamily="34" charset="0"/>
+              <a:buChar char="•"/>
+            </a:pPr>
+            <a:r>
+              <a:rPr lang="en-US" dirty="0"/>
+              <a:t>The average rating for each team in this part of the study was 3.55.</a:t>
+            </a:r>
+          </a:p>
+          <a:p>
+            <a:pPr marL="285750" indent="-285750">
+              <a:buFont typeface="Arial" panose="020B0604020202020204" pitchFamily="34" charset="0"/>
+              <a:buChar char="•"/>
+            </a:pPr>
+            <a:endParaRPr lang="en-US" dirty="0"/>
+          </a:p>
+          <a:p>
+            <a:pPr marL="742950" lvl="1" indent="-285750">
+              <a:buFont typeface="Arial" panose="020B0604020202020204" pitchFamily="34" charset="0"/>
+              <a:buChar char="•"/>
+            </a:pPr>
+            <a:endParaRPr lang="en-US" dirty="0"/>
+          </a:p>
+        </p:txBody>
+      </p:sp>
+    </p:spTree>
+    <p:extLst>
+      <p:ext uri="{BB962C8B-B14F-4D97-AF65-F5344CB8AC3E}">
+        <p14:creationId xmlns:p14="http://schemas.microsoft.com/office/powerpoint/2010/main" val="3790938244"/>
+      </p:ext>
+    </p:extLst>
+  </p:cSld>
+  <p:clrMapOvr>
+    <a:masterClrMapping/>
+  </p:clrMapOvr>
+</p:sld>
+</file>
+
+<file path=ppt/slides/slide17.xml><?xml version="1.0" encoding="utf-8"?>
+<p:sld xmlns:a="http://schemas.openxmlformats.org/drawingml/2006/main" xmlns:r="http://schemas.openxmlformats.org/officeDocument/2006/relationships" xmlns:p="http://schemas.openxmlformats.org/presentationml/2006/main">
+  <p:cSld>
+    <p:spTree>
+      <p:nvGrpSpPr>
+        <p:cNvPr id="1" name=""/>
+        <p:cNvGrpSpPr/>
+        <p:nvPr/>
+      </p:nvGrpSpPr>
+      <p:grpSpPr>
+        <a:xfrm>
+          <a:off x="0" y="0"/>
+          <a:ext cx="0" cy="0"/>
+          <a:chOff x="0" y="0"/>
+          <a:chExt cx="0" cy="0"/>
+        </a:xfrm>
+      </p:grpSpPr>
+      <p:sp>
+        <p:nvSpPr>
+          <p:cNvPr id="2" name="Title 1">
+            <a:extLst>
+              <a:ext uri="{FF2B5EF4-FFF2-40B4-BE49-F238E27FC236}">
+                <a16:creationId xmlns:a16="http://schemas.microsoft.com/office/drawing/2014/main" id="{705D58F1-2237-4978-A54D-CEAC42C382DA}"/>
+              </a:ext>
+            </a:extLst>
+          </p:cNvPr>
+          <p:cNvSpPr>
+            <a:spLocks noGrp="1"/>
+          </p:cNvSpPr>
+          <p:nvPr>
+            <p:ph type="title"/>
+          </p:nvPr>
+        </p:nvSpPr>
+        <p:spPr/>
+        <p:txBody>
+          <a:bodyPr>
+            <a:normAutofit fontScale="90000"/>
+          </a:bodyPr>
+          <a:lstStyle/>
+          <a:p>
+            <a:r>
+              <a:rPr lang="en-US" sz="3600" dirty="0"/>
+              <a:t>V. Restaurants in most popular cities in the US vs most and least popular NFL teams.</a:t>
+            </a:r>
+            <a:br>
+              <a:rPr lang="en-US" sz="2800" u="sng" dirty="0"/>
+            </a:br>
+            <a:r>
+              <a:rPr lang="en-US" sz="2800" u="sng" dirty="0"/>
+              <a:t>-Comparing Number of Reviews by Team/City Popularity</a:t>
+            </a:r>
+          </a:p>
+        </p:txBody>
+      </p:sp>
+      <p:pic>
+        <p:nvPicPr>
+          <p:cNvPr id="5" name="Content Placeholder 4" descr="Chart, bar chart&#10;&#10;Description automatically generated">
+            <a:extLst>
+              <a:ext uri="{FF2B5EF4-FFF2-40B4-BE49-F238E27FC236}">
+                <a16:creationId xmlns:a16="http://schemas.microsoft.com/office/drawing/2014/main" id="{84282BE2-C752-4BE7-A2F8-72BB27B0F7AF}"/>
+              </a:ext>
+            </a:extLst>
+          </p:cNvPr>
+          <p:cNvPicPr>
+            <a:picLocks noGrp="1" noChangeAspect="1"/>
+          </p:cNvPicPr>
+          <p:nvPr>
+            <p:ph idx="1"/>
+          </p:nvPr>
+        </p:nvPicPr>
+        <p:blipFill>
+          <a:blip r:embed="rId2">
+            <a:extLst>
+              <a:ext uri="{28A0092B-C50C-407E-A947-70E740481C1C}">
+                <a14:useLocalDpi xmlns:a14="http://schemas.microsoft.com/office/drawing/2010/main" val="0"/>
+              </a:ext>
+            </a:extLst>
+          </a:blip>
+          <a:stretch>
+            <a:fillRect/>
+          </a:stretch>
+        </p:blipFill>
+        <p:spPr>
+          <a:xfrm>
+            <a:off x="6131319" y="1730769"/>
+            <a:ext cx="5110065" cy="4854761"/>
+          </a:xfrm>
+        </p:spPr>
+      </p:pic>
+      <p:sp>
+        <p:nvSpPr>
+          <p:cNvPr id="6" name="TextBox 5">
+            <a:extLst>
+              <a:ext uri="{FF2B5EF4-FFF2-40B4-BE49-F238E27FC236}">
+                <a16:creationId xmlns:a16="http://schemas.microsoft.com/office/drawing/2014/main" id="{CE36B57E-92F9-40A4-AE63-4F24390AAD0C}"/>
+              </a:ext>
+            </a:extLst>
+          </p:cNvPr>
+          <p:cNvSpPr txBox="1"/>
+          <p:nvPr/>
+        </p:nvSpPr>
+        <p:spPr>
+          <a:xfrm>
+            <a:off x="457200" y="1940767"/>
+            <a:ext cx="5110065" cy="2862322"/>
+          </a:xfrm>
+          <a:prstGeom prst="rect">
+            <a:avLst/>
+          </a:prstGeom>
+          <a:noFill/>
+        </p:spPr>
+        <p:txBody>
+          <a:bodyPr wrap="square" rtlCol="0">
+            <a:spAutoFit/>
+          </a:bodyPr>
+          <a:lstStyle/>
+          <a:p>
+            <a:pPr marL="285750" indent="-285750">
+              <a:buFont typeface="Arial" panose="020B0604020202020204" pitchFamily="34" charset="0"/>
+              <a:buChar char="•"/>
+            </a:pPr>
+            <a:r>
+              <a:rPr lang="en-US" dirty="0"/>
+              <a:t>Here is a comparison of the average number of reviews around each stadium.</a:t>
+            </a:r>
+          </a:p>
+          <a:p>
+            <a:pPr marL="742950" lvl="1" indent="-285750">
+              <a:buFont typeface="Arial" panose="020B0604020202020204" pitchFamily="34" charset="0"/>
+              <a:buChar char="•"/>
+            </a:pPr>
+            <a:r>
+              <a:rPr lang="en-US" dirty="0"/>
+              <a:t>Allegiant Stadium (Las Vegas), Soldier Field (Chicago), CenturyLink Stadium (Seattle) all had large numbers of reviews left on average.</a:t>
+            </a:r>
+          </a:p>
+          <a:p>
+            <a:pPr marL="742950" lvl="1" indent="-285750">
+              <a:buFont typeface="Arial" panose="020B0604020202020204" pitchFamily="34" charset="0"/>
+              <a:buChar char="•"/>
+            </a:pPr>
+            <a:r>
+              <a:rPr lang="en-US" dirty="0"/>
+              <a:t>This could potentially be due to their popularity as tourist spots since all 3 are included in the list of America’s popular travel destinations. </a:t>
+            </a:r>
+          </a:p>
+        </p:txBody>
+      </p:sp>
+    </p:spTree>
+    <p:extLst>
+      <p:ext uri="{BB962C8B-B14F-4D97-AF65-F5344CB8AC3E}">
+        <p14:creationId xmlns:p14="http://schemas.microsoft.com/office/powerpoint/2010/main" val="459810575"/>
+      </p:ext>
+    </p:extLst>
+  </p:cSld>
+  <p:clrMapOvr>
+    <a:masterClrMapping/>
+  </p:clrMapOvr>
+</p:sld>
+</file>
+
+<file path=ppt/slides/slide18.xml><?xml version="1.0" encoding="utf-8"?>
+<p:sld xmlns:a="http://schemas.openxmlformats.org/drawingml/2006/main" xmlns:r="http://schemas.openxmlformats.org/officeDocument/2006/relationships" xmlns:p="http://schemas.openxmlformats.org/presentationml/2006/main">
+  <p:cSld>
+    <p:spTree>
+      <p:nvGrpSpPr>
+        <p:cNvPr id="1" name=""/>
+        <p:cNvGrpSpPr/>
+        <p:nvPr/>
+      </p:nvGrpSpPr>
+      <p:grpSpPr>
+        <a:xfrm>
+          <a:off x="0" y="0"/>
+          <a:ext cx="0" cy="0"/>
+          <a:chOff x="0" y="0"/>
+          <a:chExt cx="0" cy="0"/>
+        </a:xfrm>
+      </p:grpSpPr>
+      <p:sp>
+        <p:nvSpPr>
+          <p:cNvPr id="2" name="Title 1">
+            <a:extLst>
+              <a:ext uri="{FF2B5EF4-FFF2-40B4-BE49-F238E27FC236}">
+                <a16:creationId xmlns:a16="http://schemas.microsoft.com/office/drawing/2014/main" id="{B7BCCE2A-CC40-4246-9354-B16F41AE66C5}"/>
+              </a:ext>
+            </a:extLst>
+          </p:cNvPr>
+          <p:cNvSpPr>
+            <a:spLocks noGrp="1"/>
+          </p:cNvSpPr>
+          <p:nvPr>
+            <p:ph type="title"/>
+          </p:nvPr>
+        </p:nvSpPr>
+        <p:spPr/>
+        <p:txBody>
+          <a:bodyPr>
+            <a:normAutofit fontScale="90000"/>
+          </a:bodyPr>
+          <a:lstStyle/>
+          <a:p>
+            <a:r>
+              <a:rPr lang="en-US" sz="3600" dirty="0"/>
+              <a:t>V. Restaurants in most popular cities in the US vs most and least popular NFL teams.</a:t>
+            </a:r>
+            <a:br>
+              <a:rPr lang="en-US" u="sng" dirty="0"/>
+            </a:br>
+            <a:r>
+              <a:rPr lang="en-US" sz="3100" u="sng" dirty="0"/>
+              <a:t>- Comparing Price by Team/City Popularity</a:t>
+            </a:r>
+          </a:p>
+        </p:txBody>
+      </p:sp>
+      <p:pic>
+        <p:nvPicPr>
+          <p:cNvPr id="5" name="Content Placeholder 4" descr="Chart, bar chart&#10;&#10;Description automatically generated">
+            <a:extLst>
+              <a:ext uri="{FF2B5EF4-FFF2-40B4-BE49-F238E27FC236}">
+                <a16:creationId xmlns:a16="http://schemas.microsoft.com/office/drawing/2014/main" id="{E1EBC4B3-BAEE-4E4A-8D05-2AB23B12677D}"/>
+              </a:ext>
+            </a:extLst>
+          </p:cNvPr>
+          <p:cNvPicPr>
+            <a:picLocks noGrp="1" noChangeAspect="1"/>
+          </p:cNvPicPr>
+          <p:nvPr>
+            <p:ph idx="1"/>
+          </p:nvPr>
+        </p:nvPicPr>
+        <p:blipFill>
+          <a:blip r:embed="rId2">
+            <a:extLst>
+              <a:ext uri="{28A0092B-C50C-407E-A947-70E740481C1C}">
+                <a14:useLocalDpi xmlns:a14="http://schemas.microsoft.com/office/drawing/2010/main" val="0"/>
+              </a:ext>
+            </a:extLst>
+          </a:blip>
+          <a:stretch>
+            <a:fillRect/>
+          </a:stretch>
+        </p:blipFill>
+        <p:spPr>
+          <a:xfrm>
+            <a:off x="6805029" y="1847666"/>
+            <a:ext cx="4580167" cy="4579483"/>
+          </a:xfrm>
+        </p:spPr>
+      </p:pic>
+      <p:sp>
+        <p:nvSpPr>
+          <p:cNvPr id="3" name="TextBox 2">
+            <a:extLst>
+              <a:ext uri="{FF2B5EF4-FFF2-40B4-BE49-F238E27FC236}">
+                <a16:creationId xmlns:a16="http://schemas.microsoft.com/office/drawing/2014/main" id="{46F5FD86-AFF7-47E5-9453-06759AD92A02}"/>
+              </a:ext>
+            </a:extLst>
+          </p:cNvPr>
+          <p:cNvSpPr txBox="1"/>
+          <p:nvPr/>
+        </p:nvSpPr>
+        <p:spPr>
+          <a:xfrm>
+            <a:off x="457200" y="1940767"/>
+            <a:ext cx="5110065" cy="3970318"/>
+          </a:xfrm>
+          <a:prstGeom prst="rect">
+            <a:avLst/>
+          </a:prstGeom>
+          <a:noFill/>
+        </p:spPr>
+        <p:txBody>
+          <a:bodyPr wrap="square" rtlCol="0">
+            <a:spAutoFit/>
+          </a:bodyPr>
+          <a:lstStyle/>
+          <a:p>
+            <a:pPr marL="285750" indent="-285750">
+              <a:buFont typeface="Arial" panose="020B0604020202020204" pitchFamily="34" charset="0"/>
+              <a:buChar char="•"/>
+            </a:pPr>
+            <a:r>
+              <a:rPr lang="en-US" dirty="0"/>
+              <a:t>Yelp has a price system using the dollar sign to signify the average price of a dish at that restaurant.</a:t>
+            </a:r>
+          </a:p>
+          <a:p>
+            <a:pPr marL="742950" lvl="1" indent="-285750">
+              <a:buFont typeface="Arial" panose="020B0604020202020204" pitchFamily="34" charset="0"/>
+              <a:buChar char="•"/>
+            </a:pPr>
+            <a:r>
+              <a:rPr lang="en-US" dirty="0"/>
+              <a:t> $ (least expensive) - $$$$ (most expensive)</a:t>
+            </a:r>
+          </a:p>
+          <a:p>
+            <a:pPr marL="285750" indent="-285750">
+              <a:buFont typeface="Arial" panose="020B0604020202020204" pitchFamily="34" charset="0"/>
+              <a:buChar char="•"/>
+            </a:pPr>
+            <a:r>
+              <a:rPr lang="en-US" dirty="0"/>
+              <a:t>Based on the results to the right the restaurants around stadiums average between 1.5 and 2.0 $ signs. This means that they are relatively low priced, and we cannot conclude that there is price gouging around stadiums.</a:t>
+            </a:r>
+          </a:p>
+          <a:p>
+            <a:pPr marL="285750" indent="-285750">
+              <a:buFont typeface="Arial" panose="020B0604020202020204" pitchFamily="34" charset="0"/>
+              <a:buChar char="•"/>
+            </a:pPr>
+            <a:r>
+              <a:rPr lang="en-US" dirty="0" err="1"/>
+              <a:t>Alliegiant</a:t>
+            </a:r>
+            <a:r>
+              <a:rPr lang="en-US" dirty="0"/>
+              <a:t> Stadium (Las Vegas) has the highest price on average while AT&amp;T (Dallas) has the lowest.</a:t>
+            </a:r>
+          </a:p>
+          <a:p>
+            <a:pPr marL="742950" lvl="1" indent="-285750">
+              <a:buFont typeface="Arial" panose="020B0604020202020204" pitchFamily="34" charset="0"/>
+              <a:buChar char="•"/>
+            </a:pPr>
+            <a:r>
+              <a:rPr lang="en-US" dirty="0"/>
+              <a:t> Las Vegas’s high-priced restaurants may be due to the city being a tourist hot spot.</a:t>
+            </a:r>
+          </a:p>
+        </p:txBody>
+      </p:sp>
+    </p:spTree>
+    <p:extLst>
+      <p:ext uri="{BB962C8B-B14F-4D97-AF65-F5344CB8AC3E}">
+        <p14:creationId xmlns:p14="http://schemas.microsoft.com/office/powerpoint/2010/main" val="1903262264"/>
+      </p:ext>
+    </p:extLst>
+  </p:cSld>
+  <p:clrMapOvr>
+    <a:masterClrMapping/>
+  </p:clrMapOvr>
+</p:sld>
+</file>
+
+<file path=ppt/slides/slide19.xml><?xml version="1.0" encoding="utf-8"?>
+<p:sld xmlns:a="http://schemas.openxmlformats.org/drawingml/2006/main" xmlns:r="http://schemas.openxmlformats.org/officeDocument/2006/relationships" xmlns:p="http://schemas.openxmlformats.org/presentationml/2006/main">
+  <p:cSld>
+    <p:spTree>
+      <p:nvGrpSpPr>
+        <p:cNvPr id="1" name=""/>
+        <p:cNvGrpSpPr/>
+        <p:nvPr/>
+      </p:nvGrpSpPr>
+      <p:grpSpPr>
+        <a:xfrm>
+          <a:off x="0" y="0"/>
+          <a:ext cx="0" cy="0"/>
+          <a:chOff x="0" y="0"/>
+          <a:chExt cx="0" cy="0"/>
+        </a:xfrm>
+      </p:grpSpPr>
+      <p:sp>
+        <p:nvSpPr>
+          <p:cNvPr id="2" name="Title 1">
+            <a:extLst>
+              <a:ext uri="{FF2B5EF4-FFF2-40B4-BE49-F238E27FC236}">
+                <a16:creationId xmlns:a16="http://schemas.microsoft.com/office/drawing/2014/main" id="{D1D6093A-B5E7-4EE0-974B-A4F21F6C6838}"/>
+              </a:ext>
+            </a:extLst>
+          </p:cNvPr>
+          <p:cNvSpPr>
+            <a:spLocks noGrp="1"/>
+          </p:cNvSpPr>
+          <p:nvPr>
+            <p:ph type="title"/>
+          </p:nvPr>
+        </p:nvSpPr>
+        <p:spPr/>
+        <p:txBody>
+          <a:bodyPr>
+            <a:normAutofit/>
+          </a:bodyPr>
+          <a:lstStyle/>
+          <a:p>
+            <a:r>
+              <a:rPr lang="en-US" sz="3200" dirty="0"/>
+              <a:t>V. Conclusions.</a:t>
             </a:r>
           </a:p>
         </p:txBody>
@@ -4728,7 +5559,7 @@
           <p:cNvPr id="3" name="Content Placeholder 2">
             <a:extLst>
               <a:ext uri="{FF2B5EF4-FFF2-40B4-BE49-F238E27FC236}">
-                <a16:creationId xmlns:a16="http://schemas.microsoft.com/office/drawing/2014/main" id="{E59C5B16-17B7-44EC-9598-555DD37C6D4D}"/>
+                <a16:creationId xmlns:a16="http://schemas.microsoft.com/office/drawing/2014/main" id="{02E95412-8A63-48E2-9A05-BAB35BD788FB}"/>
               </a:ext>
             </a:extLst>
           </p:cNvPr>
@@ -4741,36 +5572,64 @@
         </p:nvSpPr>
         <p:spPr/>
         <p:txBody>
-          <a:bodyPr/>
-          <a:lstStyle/>
-          <a:p>
-            <a:r>
-              <a:rPr lang="en-US" dirty="0"/>
-              <a:t>Javier: Gatekeeper, Yelp API (code request, clean and format data, statistics output)</a:t>
-            </a:r>
-          </a:p>
-          <a:p>
-            <a:r>
-              <a:rPr lang="en-US" dirty="0"/>
-              <a:t>Eric: plotting categories data, question 5.</a:t>
-            </a:r>
-          </a:p>
-          <a:p>
-            <a:r>
-              <a:rPr lang="en-US" dirty="0"/>
-              <a:t>Justin: plotting summary, question 1.</a:t>
-            </a:r>
-          </a:p>
-          <a:p>
-            <a:r>
-              <a:rPr lang="en-US" dirty="0"/>
-              <a:t>Chris: plotting Saturday &amp; Monday data, questions 2 &amp; 3</a:t>
+          <a:bodyPr>
+            <a:normAutofit/>
+          </a:bodyPr>
+          <a:lstStyle/>
+          <a:p>
+            <a:r>
+              <a:rPr lang="en-US" sz="2000" dirty="0"/>
+              <a:t>Our initial hypothesis: </a:t>
             </a:r>
           </a:p>
           <a:p>
             <a:pPr marL="0" indent="0">
               <a:buNone/>
             </a:pPr>
+            <a:r>
+              <a:rPr lang="en-US" sz="2000" dirty="0"/>
+              <a:t>The density of restaurants/bars around stadiums amount to a significant percentage of the    total     restaurants of the country.</a:t>
+            </a:r>
+          </a:p>
+          <a:p>
+            <a:r>
+              <a:rPr lang="en-US" sz="2000" dirty="0"/>
+              <a:t>According to statistica.com, there are 660,755 restaurants in the US as of spring 2018.</a:t>
+            </a:r>
+          </a:p>
+          <a:p>
+            <a:r>
+              <a:rPr lang="en-US" sz="2000" dirty="0"/>
+              <a:t>Results: There are more than 12000 restaurants around the NFL Stadiums in a 3000 meters radius. That amounts to a </a:t>
+            </a:r>
+            <a:r>
+              <a:rPr lang="en-US" sz="2000" u="sng" dirty="0"/>
+              <a:t>2%</a:t>
+            </a:r>
+            <a:r>
+              <a:rPr lang="en-US" sz="2000" dirty="0"/>
+              <a:t> of all restaurants in the USA.</a:t>
+            </a:r>
+          </a:p>
+          <a:p>
+            <a:pPr marL="0" indent="0">
+              <a:buNone/>
+            </a:pPr>
+            <a:endParaRPr lang="en-US" sz="2800" dirty="0"/>
+          </a:p>
+          <a:p>
+            <a:endParaRPr lang="en-US" sz="2800" dirty="0"/>
+          </a:p>
+          <a:p>
+            <a:endParaRPr lang="en-US" dirty="0"/>
+          </a:p>
+          <a:p>
+            <a:endParaRPr lang="en-US" dirty="0"/>
+          </a:p>
+          <a:p>
+            <a:endParaRPr lang="en-US" dirty="0"/>
+          </a:p>
+          <a:p>
             <a:endParaRPr lang="en-US" dirty="0"/>
           </a:p>
         </p:txBody>
@@ -4778,7 +5637,7 @@
     </p:spTree>
     <p:extLst>
       <p:ext uri="{BB962C8B-B14F-4D97-AF65-F5344CB8AC3E}">
-        <p14:creationId xmlns:p14="http://schemas.microsoft.com/office/powerpoint/2010/main" val="3884135527"/>
+        <p14:creationId xmlns:p14="http://schemas.microsoft.com/office/powerpoint/2010/main" val="274272113"/>
       </p:ext>
     </p:extLst>
   </p:cSld>
@@ -4910,6 +5769,16 @@
             </a:pPr>
             <a:r>
               <a:rPr lang="en-US" dirty="0"/>
+              <a:t>Conclusions.</a:t>
+            </a:r>
+          </a:p>
+          <a:p>
+            <a:pPr marL="571500" indent="-571500">
+              <a:buFont typeface="+mj-lt"/>
+              <a:buAutoNum type="romanUcPeriod"/>
+            </a:pPr>
+            <a:r>
+              <a:rPr lang="en-US" dirty="0"/>
               <a:t>Team.</a:t>
             </a:r>
           </a:p>
@@ -4934,6 +5803,116 @@
     <p:extLst>
       <p:ext uri="{BB962C8B-B14F-4D97-AF65-F5344CB8AC3E}">
         <p14:creationId xmlns:p14="http://schemas.microsoft.com/office/powerpoint/2010/main" val="692838755"/>
+      </p:ext>
+    </p:extLst>
+  </p:cSld>
+  <p:clrMapOvr>
+    <a:masterClrMapping/>
+  </p:clrMapOvr>
+</p:sld>
+</file>
+
+<file path=ppt/slides/slide20.xml><?xml version="1.0" encoding="utf-8"?>
+<p:sld xmlns:a="http://schemas.openxmlformats.org/drawingml/2006/main" xmlns:r="http://schemas.openxmlformats.org/officeDocument/2006/relationships" xmlns:p="http://schemas.openxmlformats.org/presentationml/2006/main">
+  <p:cSld>
+    <p:spTree>
+      <p:nvGrpSpPr>
+        <p:cNvPr id="1" name=""/>
+        <p:cNvGrpSpPr/>
+        <p:nvPr/>
+      </p:nvGrpSpPr>
+      <p:grpSpPr>
+        <a:xfrm>
+          <a:off x="0" y="0"/>
+          <a:ext cx="0" cy="0"/>
+          <a:chOff x="0" y="0"/>
+          <a:chExt cx="0" cy="0"/>
+        </a:xfrm>
+      </p:grpSpPr>
+      <p:sp>
+        <p:nvSpPr>
+          <p:cNvPr id="2" name="Title 1">
+            <a:extLst>
+              <a:ext uri="{FF2B5EF4-FFF2-40B4-BE49-F238E27FC236}">
+                <a16:creationId xmlns:a16="http://schemas.microsoft.com/office/drawing/2014/main" id="{1528E662-6DCC-4221-AF6F-1AA9AEB3BDAB}"/>
+              </a:ext>
+            </a:extLst>
+          </p:cNvPr>
+          <p:cNvSpPr>
+            <a:spLocks noGrp="1"/>
+          </p:cNvSpPr>
+          <p:nvPr>
+            <p:ph type="title"/>
+          </p:nvPr>
+        </p:nvSpPr>
+        <p:spPr/>
+        <p:txBody>
+          <a:bodyPr/>
+          <a:lstStyle/>
+          <a:p>
+            <a:r>
+              <a:rPr lang="en-US" dirty="0"/>
+              <a:t>Team</a:t>
+            </a:r>
+          </a:p>
+        </p:txBody>
+      </p:sp>
+      <p:sp>
+        <p:nvSpPr>
+          <p:cNvPr id="3" name="Content Placeholder 2">
+            <a:extLst>
+              <a:ext uri="{FF2B5EF4-FFF2-40B4-BE49-F238E27FC236}">
+                <a16:creationId xmlns:a16="http://schemas.microsoft.com/office/drawing/2014/main" id="{E59C5B16-17B7-44EC-9598-555DD37C6D4D}"/>
+              </a:ext>
+            </a:extLst>
+          </p:cNvPr>
+          <p:cNvSpPr>
+            <a:spLocks noGrp="1"/>
+          </p:cNvSpPr>
+          <p:nvPr>
+            <p:ph idx="1"/>
+          </p:nvPr>
+        </p:nvSpPr>
+        <p:spPr/>
+        <p:txBody>
+          <a:bodyPr/>
+          <a:lstStyle/>
+          <a:p>
+            <a:r>
+              <a:rPr lang="en-US" dirty="0"/>
+              <a:t>Javier: Gatekeeper, Yelp API (code request, clean and format data, statistics output)</a:t>
+            </a:r>
+          </a:p>
+          <a:p>
+            <a:r>
+              <a:rPr lang="en-US" dirty="0"/>
+              <a:t>Eric: plotting categories data, question 5.</a:t>
+            </a:r>
+          </a:p>
+          <a:p>
+            <a:r>
+              <a:rPr lang="en-US" dirty="0"/>
+              <a:t>Justin: plotting summary, question 1.</a:t>
+            </a:r>
+          </a:p>
+          <a:p>
+            <a:r>
+              <a:rPr lang="en-US" dirty="0"/>
+              <a:t>Chris: plotting Saturday &amp; Monday data, questions 2 &amp; 3</a:t>
+            </a:r>
+          </a:p>
+          <a:p>
+            <a:pPr marL="0" indent="0">
+              <a:buNone/>
+            </a:pPr>
+            <a:endParaRPr lang="en-US" dirty="0"/>
+          </a:p>
+        </p:txBody>
+      </p:sp>
+    </p:spTree>
+    <p:extLst>
+      <p:ext uri="{BB962C8B-B14F-4D97-AF65-F5344CB8AC3E}">
+        <p14:creationId xmlns:p14="http://schemas.microsoft.com/office/powerpoint/2010/main" val="3884135527"/>
       </p:ext>
     </p:extLst>
   </p:cSld>
@@ -5068,7 +6047,7 @@
             </a:pPr>
             <a:r>
               <a:rPr lang="en-US" sz="1400" dirty="0"/>
-              <a:t>How many restaurants in a 3000 meters radius (approx.. 2 miles) are around the stadiums? – Justin (heatmap) plots</a:t>
+              <a:t>How many restaurants in a 3000 meters radius (approx. 2 miles) are around the stadiums? </a:t>
             </a:r>
           </a:p>
           <a:p>
@@ -5078,7 +6057,7 @@
             </a:pPr>
             <a:r>
               <a:rPr lang="en-US" sz="1400" dirty="0"/>
-              <a:t>How the restaurants (number, type, price, etc.) differ between cities? –Chris plots</a:t>
+              <a:t>How the restaurants (number, type, price, etc.) differ between cities?</a:t>
             </a:r>
           </a:p>
           <a:p>
@@ -5088,7 +6067,7 @@
             </a:pPr>
             <a:r>
               <a:rPr lang="en-US" sz="1400" dirty="0"/>
-              <a:t>How the restaurants reviews compare before game day to the after game day? – Chris </a:t>
+              <a:t>How the restaurants reviews compare before game day to the after game day? </a:t>
             </a:r>
           </a:p>
           <a:p>
@@ -5098,7 +6077,7 @@
             </a:pPr>
             <a:r>
               <a:rPr lang="en-US" sz="1400" dirty="0"/>
-              <a:t>How do restaurants/bars score in cities with more popular franchises compare to less popular ones? – Eric</a:t>
+              <a:t>How do restaurants/bars score in cities with more popular franchises compare to less popular ones? </a:t>
             </a:r>
           </a:p>
           <a:p>
@@ -5479,121 +6458,6 @@
           </a:prstGeom>
         </p:spPr>
       </p:pic>
-      <p:sp>
-        <p:nvSpPr>
-          <p:cNvPr id="9" name="Rectangle 2">
-            <a:extLst>
-              <a:ext uri="{FF2B5EF4-FFF2-40B4-BE49-F238E27FC236}">
-                <a16:creationId xmlns:a16="http://schemas.microsoft.com/office/drawing/2014/main" id="{63C3A20F-6DC1-4234-AED1-0E95F6986D50}"/>
-              </a:ext>
-            </a:extLst>
-          </p:cNvPr>
-          <p:cNvSpPr>
-            <a:spLocks noChangeArrowheads="1"/>
-          </p:cNvSpPr>
-          <p:nvPr/>
-        </p:nvSpPr>
-        <p:spPr bwMode="auto">
-          <a:xfrm>
-            <a:off x="0" y="0"/>
-            <a:ext cx="12192000" cy="457200"/>
-          </a:xfrm>
-          <a:prstGeom prst="rect">
-            <a:avLst/>
-          </a:prstGeom>
-          <a:solidFill>
-            <a:srgbClr val="F7F7F7"/>
-          </a:solidFill>
-          <a:ln>
-            <a:noFill/>
-          </a:ln>
-          <a:effectLst/>
-          <a:extLst>
-            <a:ext uri="{91240B29-F687-4F45-9708-019B960494DF}">
-              <a14:hiddenLine xmlns:a14="http://schemas.microsoft.com/office/drawing/2010/main" w="9525">
-                <a:solidFill>
-                  <a:schemeClr val="tx1"/>
-                </a:solidFill>
-                <a:miter lim="800000"/>
-                <a:headEnd/>
-                <a:tailEnd/>
-              </a14:hiddenLine>
-            </a:ext>
-            <a:ext uri="{AF507438-7753-43E0-B8FC-AC1667EBCBE1}">
-              <a14:hiddenEffects xmlns:a14="http://schemas.microsoft.com/office/drawing/2010/main">
-                <a:effectLst>
-                  <a:outerShdw dist="35921" dir="2700000" algn="ctr" rotWithShape="0">
-                    <a:schemeClr val="bg2"/>
-                  </a:outerShdw>
-                </a:effectLst>
-              </a14:hiddenEffects>
-            </a:ext>
-          </a:extLst>
-        </p:spPr>
-        <p:txBody>
-          <a:bodyPr vert="horz" wrap="none" lIns="0" tIns="0" rIns="0" bIns="0" numCol="1" anchor="ctr" anchorCtr="0" compatLnSpc="1">
-            <a:prstTxWarp prst="textNoShape">
-              <a:avLst/>
-            </a:prstTxWarp>
-            <a:spAutoFit/>
-          </a:bodyPr>
-          <a:lstStyle/>
-          <a:p>
-            <a:pPr marL="0" marR="0" lvl="0" indent="0" algn="l" defTabSz="914400" rtl="0" eaLnBrk="0" fontAlgn="base" latinLnBrk="0" hangingPunct="0">
-              <a:lnSpc>
-                <a:spcPct val="100000"/>
-              </a:lnSpc>
-              <a:spcBef>
-                <a:spcPct val="0"/>
-              </a:spcBef>
-              <a:spcAft>
-                <a:spcPct val="0"/>
-              </a:spcAft>
-              <a:buClrTx/>
-              <a:buSzTx/>
-              <a:buFontTx/>
-              <a:buNone/>
-              <a:tabLst/>
-            </a:pPr>
-            <a:r>
-              <a:rPr kumimoji="0" lang="en-US" altLang="en-US" sz="1000" b="0" i="1" u="none" strike="noStrike" cap="none" normalizeH="0" baseline="0">
-                <a:ln>
-                  <a:noFill/>
-                </a:ln>
-                <a:solidFill>
-                  <a:srgbClr val="408080"/>
-                </a:solidFill>
-                <a:effectLst/>
-                <a:latin typeface="Courier New" panose="02070309020205020404" pitchFamily="49" charset="0"/>
-                <a:cs typeface="Courier New" panose="02070309020205020404" pitchFamily="49" charset="0"/>
-              </a:rPr>
-              <a:t>sport bars, cocktail bars &amp; pubs</a:t>
-            </a:r>
-            <a:r>
-              <a:rPr kumimoji="0" lang="en-US" altLang="en-US" sz="400" b="0" i="0" u="none" strike="noStrike" cap="none" normalizeH="0" baseline="0">
-                <a:ln>
-                  <a:noFill/>
-                </a:ln>
-                <a:solidFill>
-                  <a:schemeClr val="tx1"/>
-                </a:solidFill>
-                <a:effectLst/>
-              </a:rPr>
-              <a:t> </a:t>
-            </a:r>
-            <a:endParaRPr kumimoji="0" lang="en-US" altLang="en-US" sz="1800" b="0" i="0" u="none" strike="noStrike" cap="none" normalizeH="0" baseline="0">
-              <a:ln>
-                <a:noFill/>
-              </a:ln>
-              <a:solidFill>
-                <a:schemeClr val="tx1"/>
-              </a:solidFill>
-              <a:effectLst/>
-              <a:latin typeface="Arial" panose="020B0604020202020204" pitchFamily="34" charset="0"/>
-            </a:endParaRPr>
-          </a:p>
-        </p:txBody>
-      </p:sp>
     </p:spTree>
     <p:extLst>
       <p:ext uri="{BB962C8B-B14F-4D97-AF65-F5344CB8AC3E}">
@@ -5936,7 +6800,7 @@
           <a:p>
             <a:r>
               <a:rPr lang="en-US" sz="3200" dirty="0"/>
-              <a:t>II. Data request, coding challenges and solutions</a:t>
+              <a:t>II. Data request, coding challenges and solutions.</a:t>
             </a:r>
           </a:p>
         </p:txBody>
@@ -6376,13 +7240,7 @@
       </p:grpSpPr>
       <p:sp>
         <p:nvSpPr>
-          <p:cNvPr id="2" name="Title 1">
-            <a:extLst>
-              <a:ext uri="{FF2B5EF4-FFF2-40B4-BE49-F238E27FC236}">
-                <a16:creationId xmlns:a16="http://schemas.microsoft.com/office/drawing/2014/main" id="{E463C399-5906-42EC-882D-53521017C73D}"/>
-              </a:ext>
-            </a:extLst>
-          </p:cNvPr>
+          <p:cNvPr id="2" name="Title 1"/>
           <p:cNvSpPr>
             <a:spLocks noGrp="1"/>
           </p:cNvSpPr>
@@ -6393,55 +7251,47 @@
         <p:spPr/>
         <p:txBody>
           <a:bodyPr>
-            <a:normAutofit fontScale="90000"/>
+            <a:normAutofit/>
           </a:bodyPr>
           <a:lstStyle/>
           <a:p>
             <a:r>
-              <a:rPr lang="en-US" sz="3600" dirty="0"/>
+              <a:rPr lang="en-US" sz="3200" dirty="0">
+                <a:sym typeface="+mn-ea"/>
+              </a:rPr>
               <a:t>III. Restaurant analysis in 2 miles radius around the Stadiums.</a:t>
             </a:r>
-            <a:br>
-              <a:rPr lang="en-US" dirty="0"/>
-            </a:br>
-            <a:endParaRPr lang="en-US" dirty="0"/>
-          </a:p>
-        </p:txBody>
-      </p:sp>
-      <p:sp>
-        <p:nvSpPr>
-          <p:cNvPr id="3" name="Content Placeholder 2">
-            <a:extLst>
-              <a:ext uri="{FF2B5EF4-FFF2-40B4-BE49-F238E27FC236}">
-                <a16:creationId xmlns:a16="http://schemas.microsoft.com/office/drawing/2014/main" id="{8E146982-C493-49CE-8C32-6B0A7B2EE790}"/>
-              </a:ext>
-            </a:extLst>
-          </p:cNvPr>
-          <p:cNvSpPr>
-            <a:spLocks noGrp="1"/>
-          </p:cNvSpPr>
+            <a:endParaRPr lang="en-US" sz="3200" dirty="0"/>
+          </a:p>
+        </p:txBody>
+      </p:sp>
+      <p:pic>
+        <p:nvPicPr>
+          <p:cNvPr id="4" name="Content Placeholder 3"/>
+          <p:cNvPicPr>
+            <a:picLocks noGrp="1" noChangeAspect="1"/>
+          </p:cNvPicPr>
           <p:nvPr>
             <p:ph idx="1"/>
           </p:nvPr>
-        </p:nvSpPr>
-        <p:spPr/>
-        <p:txBody>
-          <a:bodyPr/>
-          <a:lstStyle/>
-          <a:p>
-            <a:r>
-              <a:rPr lang="en-US" dirty="0"/>
-              <a:t>Justin</a:t>
-            </a:r>
-          </a:p>
-        </p:txBody>
-      </p:sp>
+        </p:nvPicPr>
+        <p:blipFill>
+          <a:blip r:embed="rId2"/>
+          <a:stretch>
+            <a:fillRect/>
+          </a:stretch>
+        </p:blipFill>
+        <p:spPr>
+          <a:xfrm>
+            <a:off x="2012315" y="1825625"/>
+            <a:ext cx="8166100" cy="4351655"/>
+          </a:xfrm>
+          <a:prstGeom prst="rect">
+            <a:avLst/>
+          </a:prstGeom>
+        </p:spPr>
+      </p:pic>
     </p:spTree>
-    <p:extLst>
-      <p:ext uri="{BB962C8B-B14F-4D97-AF65-F5344CB8AC3E}">
-        <p14:creationId xmlns:p14="http://schemas.microsoft.com/office/powerpoint/2010/main" val="4032917355"/>
-      </p:ext>
-    </p:extLst>
   </p:cSld>
   <p:clrMapOvr>
     <a:masterClrMapping/>
@@ -6452,14 +7302,6 @@
 <file path=ppt/slides/slide9.xml><?xml version="1.0" encoding="utf-8"?>
 <p:sld xmlns:a="http://schemas.openxmlformats.org/drawingml/2006/main" xmlns:r="http://schemas.openxmlformats.org/officeDocument/2006/relationships" xmlns:p="http://schemas.openxmlformats.org/presentationml/2006/main">
   <p:cSld>
-    <p:bg>
-      <p:bgPr>
-        <a:solidFill>
-          <a:schemeClr val="bg1"/>
-        </a:solidFill>
-        <a:effectLst/>
-      </p:bgPr>
-    </p:bg>
     <p:spTree>
       <p:nvGrpSpPr>
         <p:cNvPr id="1" name=""/>
@@ -6474,419 +7316,55 @@
           <a:chExt cx="0" cy="0"/>
         </a:xfrm>
       </p:grpSpPr>
-      <p:sp useBgFill="1">
-        <p:nvSpPr>
-          <p:cNvPr id="31" name="Rectangle 30">
-            <a:extLst>
-              <a:ext uri="{FF2B5EF4-FFF2-40B4-BE49-F238E27FC236}">
-                <a16:creationId xmlns:a16="http://schemas.microsoft.com/office/drawing/2014/main" id="{385E1BDC-A9B0-4A87-82E3-F3187F69A802}"/>
-              </a:ext>
-              <a:ext uri="{C183D7F6-B498-43B3-948B-1728B52AA6E4}">
-                <adec:decorative xmlns:adec="http://schemas.microsoft.com/office/drawing/2017/decorative" val="1"/>
-              </a:ext>
-            </a:extLst>
-          </p:cNvPr>
-          <p:cNvSpPr>
-            <a:spLocks noGrp="1" noRot="1" noChangeAspect="1" noMove="1" noResize="1" noEditPoints="1" noAdjustHandles="1" noChangeArrowheads="1" noChangeShapeType="1" noTextEdit="1"/>
-          </p:cNvSpPr>
-          <p:nvPr>
-            <p:extLst>
-              <p:ext uri="{386F3935-93C4-4BCD-93E2-E3B085C9AB24}">
-                <p16:designElem xmlns:p16="http://schemas.microsoft.com/office/powerpoint/2015/main" val="1"/>
-              </p:ext>
-            </p:extLst>
+      <p:sp>
+        <p:nvSpPr>
+          <p:cNvPr id="2" name="Title 1"/>
+          <p:cNvSpPr>
+            <a:spLocks noGrp="1"/>
+          </p:cNvSpPr>
+          <p:nvPr>
+            <p:ph type="title"/>
           </p:nvPr>
         </p:nvSpPr>
         <p:spPr>
           <a:xfrm>
-            <a:off x="0" y="0"/>
-            <a:ext cx="12192000" cy="6858000"/>
-          </a:xfrm>
-          <a:prstGeom prst="rect">
-            <a:avLst/>
-          </a:prstGeom>
-          <a:ln>
-            <a:noFill/>
-          </a:ln>
-        </p:spPr>
-        <p:style>
-          <a:lnRef idx="2">
-            <a:schemeClr val="accent1">
-              <a:shade val="50000"/>
-            </a:schemeClr>
-          </a:lnRef>
-          <a:fillRef idx="1">
-            <a:schemeClr val="accent1"/>
-          </a:fillRef>
-          <a:effectRef idx="0">
-            <a:schemeClr val="accent1"/>
-          </a:effectRef>
-          <a:fontRef idx="minor">
-            <a:schemeClr val="lt1"/>
-          </a:fontRef>
-        </p:style>
-        <p:txBody>
-          <a:bodyPr rtlCol="0" anchor="ctr"/>
-          <a:lstStyle/>
-          <a:p>
-            <a:pPr algn="ctr"/>
-            <a:endParaRPr lang="en-US"/>
-          </a:p>
-        </p:txBody>
-      </p:sp>
-      <p:sp useBgFill="1">
-        <p:nvSpPr>
-          <p:cNvPr id="33" name="Rectangle 32">
-            <a:extLst>
-              <a:ext uri="{FF2B5EF4-FFF2-40B4-BE49-F238E27FC236}">
-                <a16:creationId xmlns:a16="http://schemas.microsoft.com/office/drawing/2014/main" id="{0990C621-3B8B-4820-8328-D47EF7CE823C}"/>
-              </a:ext>
-              <a:ext uri="{C183D7F6-B498-43B3-948B-1728B52AA6E4}">
-                <adec:decorative xmlns:adec="http://schemas.microsoft.com/office/drawing/2017/decorative" val="1"/>
-              </a:ext>
-            </a:extLst>
-          </p:cNvPr>
-          <p:cNvSpPr>
-            <a:spLocks noGrp="1" noRot="1" noChangeAspect="1" noMove="1" noResize="1" noEditPoints="1" noAdjustHandles="1" noChangeArrowheads="1" noChangeShapeType="1" noTextEdit="1"/>
-          </p:cNvSpPr>
-          <p:nvPr>
-            <p:extLst>
-              <p:ext uri="{386F3935-93C4-4BCD-93E2-E3B085C9AB24}">
-                <p16:designElem xmlns:p16="http://schemas.microsoft.com/office/powerpoint/2015/main" val="1"/>
-              </p:ext>
-            </p:extLst>
-          </p:nvPr>
-        </p:nvSpPr>
-        <p:spPr>
-          <a:xfrm>
-            <a:off x="554416" y="365125"/>
-            <a:ext cx="11167447" cy="2089317"/>
-          </a:xfrm>
-          <a:prstGeom prst="rect">
-            <a:avLst/>
-          </a:prstGeom>
-          <a:ln w="12700">
-            <a:solidFill>
-              <a:srgbClr val="DEDEDE"/>
-            </a:solidFill>
-          </a:ln>
-          <a:effectLst>
-            <a:outerShdw blurRad="50800" dist="38100" dir="2700000" algn="tl" rotWithShape="0">
-              <a:schemeClr val="bg2">
-                <a:lumMod val="85000"/>
-                <a:alpha val="50000"/>
-              </a:schemeClr>
-            </a:outerShdw>
-          </a:effectLst>
-        </p:spPr>
-        <p:style>
-          <a:lnRef idx="2">
-            <a:schemeClr val="accent1">
-              <a:shade val="50000"/>
-            </a:schemeClr>
-          </a:lnRef>
-          <a:fillRef idx="1">
-            <a:schemeClr val="accent1"/>
-          </a:fillRef>
-          <a:effectRef idx="0">
-            <a:schemeClr val="accent1"/>
-          </a:effectRef>
-          <a:fontRef idx="minor">
-            <a:schemeClr val="lt1"/>
-          </a:fontRef>
-        </p:style>
-        <p:txBody>
-          <a:bodyPr rtlCol="0" anchor="ctr"/>
-          <a:lstStyle/>
-          <a:p>
-            <a:pPr marL="0" marR="0" lvl="0" indent="0" algn="ctr" defTabSz="914400" rtl="0" eaLnBrk="1" fontAlgn="auto" latinLnBrk="0" hangingPunct="1">
-              <a:lnSpc>
-                <a:spcPct val="100000"/>
-              </a:lnSpc>
-              <a:spcBef>
-                <a:spcPts val="0"/>
-              </a:spcBef>
-              <a:spcAft>
-                <a:spcPts val="0"/>
-              </a:spcAft>
-              <a:buClrTx/>
-              <a:buSzTx/>
-              <a:buFontTx/>
-              <a:buNone/>
-              <a:tabLst/>
-              <a:defRPr/>
-            </a:pPr>
-            <a:endParaRPr kumimoji="0" lang="en-US" sz="1800" b="0" i="0" u="none" strike="noStrike" kern="1200" cap="none" spc="0" normalizeH="0" baseline="0" noProof="0">
-              <a:ln>
-                <a:noFill/>
-              </a:ln>
-              <a:solidFill>
-                <a:prstClr val="white"/>
-              </a:solidFill>
-              <a:effectLst/>
-              <a:uLnTx/>
-              <a:uFillTx/>
-              <a:latin typeface="Calibri" panose="020F0502020204030204"/>
-              <a:ea typeface="+mn-ea"/>
-              <a:cs typeface="+mn-cs"/>
-            </a:endParaRPr>
-          </a:p>
-        </p:txBody>
-      </p:sp>
-      <p:sp>
-        <p:nvSpPr>
-          <p:cNvPr id="2" name="Title 1">
-            <a:extLst>
-              <a:ext uri="{FF2B5EF4-FFF2-40B4-BE49-F238E27FC236}">
-                <a16:creationId xmlns:a16="http://schemas.microsoft.com/office/drawing/2014/main" id="{E463C399-5906-42EC-882D-53521017C73D}"/>
-              </a:ext>
-            </a:extLst>
-          </p:cNvPr>
-          <p:cNvSpPr>
-            <a:spLocks noGrp="1"/>
-          </p:cNvSpPr>
-          <p:nvPr>
-            <p:ph type="title"/>
-          </p:nvPr>
-        </p:nvSpPr>
-        <p:spPr>
-          <a:xfrm>
-            <a:off x="1051560" y="586822"/>
-            <a:ext cx="3657600" cy="1645920"/>
+            <a:off x="838200" y="337820"/>
+            <a:ext cx="10515600" cy="1325563"/>
           </a:xfrm>
         </p:spPr>
         <p:txBody>
-          <a:bodyPr vert="horz" lIns="91440" tIns="45720" rIns="91440" bIns="45720" rtlCol="0" anchor="ctr">
+          <a:bodyPr>
             <a:normAutofit/>
           </a:bodyPr>
           <a:lstStyle/>
           <a:p>
-            <a:r>
-              <a:rPr lang="en-US" dirty="0"/>
-              <a:t>IV. Rating analysis before and after game day.</a:t>
-            </a:r>
-          </a:p>
-        </p:txBody>
-      </p:sp>
-      <p:sp>
-        <p:nvSpPr>
-          <p:cNvPr id="35" name="Rectangle 34">
-            <a:extLst>
-              <a:ext uri="{FF2B5EF4-FFF2-40B4-BE49-F238E27FC236}">
-                <a16:creationId xmlns:a16="http://schemas.microsoft.com/office/drawing/2014/main" id="{C1A2385B-1D2A-4E17-84FA-6CB7F0AAE473}"/>
-              </a:ext>
-              <a:ext uri="{C183D7F6-B498-43B3-948B-1728B52AA6E4}">
-                <adec:decorative xmlns:adec="http://schemas.microsoft.com/office/drawing/2017/decorative" val="1"/>
-              </a:ext>
-            </a:extLst>
-          </p:cNvPr>
-          <p:cNvSpPr>
-            <a:spLocks noGrp="1" noRot="1" noChangeAspect="1" noMove="1" noResize="1" noEditPoints="1" noAdjustHandles="1" noChangeArrowheads="1" noChangeShapeType="1" noTextEdit="1"/>
-          </p:cNvSpPr>
-          <p:nvPr>
-            <p:extLst>
-              <p:ext uri="{386F3935-93C4-4BCD-93E2-E3B085C9AB24}">
-                <p16:designElem xmlns:p16="http://schemas.microsoft.com/office/powerpoint/2015/main" val="1"/>
-              </p:ext>
-            </p:extLst>
-          </p:nvPr>
-        </p:nvSpPr>
-        <p:spPr>
-          <a:xfrm>
-            <a:off x="490408" y="1057739"/>
-            <a:ext cx="128016" cy="704088"/>
-          </a:xfrm>
-          <a:prstGeom prst="rect">
-            <a:avLst/>
-          </a:prstGeom>
-          <a:solidFill>
-            <a:schemeClr val="accent2"/>
-          </a:solidFill>
-          <a:ln>
-            <a:noFill/>
-          </a:ln>
-        </p:spPr>
-        <p:style>
-          <a:lnRef idx="2">
-            <a:schemeClr val="accent1">
-              <a:shade val="50000"/>
-            </a:schemeClr>
-          </a:lnRef>
-          <a:fillRef idx="1">
-            <a:schemeClr val="accent1"/>
-          </a:fillRef>
-          <a:effectRef idx="0">
-            <a:schemeClr val="accent1"/>
-          </a:effectRef>
-          <a:fontRef idx="minor">
-            <a:schemeClr val="lt1"/>
-          </a:fontRef>
-        </p:style>
-        <p:txBody>
-          <a:bodyPr rtlCol="0" anchor="ctr"/>
-          <a:lstStyle/>
-          <a:p>
-            <a:pPr algn="ctr"/>
-            <a:endParaRPr lang="en-US" dirty="0">
-              <a:solidFill>
-                <a:prstClr val="white"/>
-              </a:solidFill>
-              <a:latin typeface="Calibri" panose="020F0502020204030204"/>
-            </a:endParaRPr>
-          </a:p>
-        </p:txBody>
-      </p:sp>
-      <p:sp>
-        <p:nvSpPr>
-          <p:cNvPr id="37" name="Rectangle 36">
-            <a:extLst>
-              <a:ext uri="{FF2B5EF4-FFF2-40B4-BE49-F238E27FC236}">
-                <a16:creationId xmlns:a16="http://schemas.microsoft.com/office/drawing/2014/main" id="{5E791F2F-79DB-4CC0-9FA1-001E3E91E8B7}"/>
-              </a:ext>
-              <a:ext uri="{C183D7F6-B498-43B3-948B-1728B52AA6E4}">
-                <adec:decorative xmlns:adec="http://schemas.microsoft.com/office/drawing/2017/decorative" val="1"/>
-              </a:ext>
-            </a:extLst>
-          </p:cNvPr>
-          <p:cNvSpPr>
-            <a:spLocks noGrp="1" noRot="1" noChangeAspect="1" noMove="1" noResize="1" noEditPoints="1" noAdjustHandles="1" noChangeArrowheads="1" noChangeShapeType="1" noTextEdit="1"/>
-          </p:cNvSpPr>
-          <p:nvPr>
-            <p:extLst>
-              <p:ext uri="{386F3935-93C4-4BCD-93E2-E3B085C9AB24}">
-                <p16:designElem xmlns:p16="http://schemas.microsoft.com/office/powerpoint/2015/main" val="1"/>
-              </p:ext>
-            </p:extLst>
-          </p:nvPr>
-        </p:nvSpPr>
-        <p:spPr>
-          <a:xfrm rot="5400000">
-            <a:off x="4243541" y="1400638"/>
-            <a:ext cx="1463040" cy="18288"/>
-          </a:xfrm>
-          <a:prstGeom prst="rect">
-            <a:avLst/>
-          </a:prstGeom>
-          <a:solidFill>
-            <a:srgbClr val="D5D5D5"/>
-          </a:solidFill>
-          <a:ln w="3175">
-            <a:noFill/>
-          </a:ln>
-          <a:effectLst/>
-        </p:spPr>
-        <p:style>
-          <a:lnRef idx="2">
-            <a:schemeClr val="accent1">
-              <a:shade val="50000"/>
-            </a:schemeClr>
-          </a:lnRef>
-          <a:fillRef idx="1">
-            <a:schemeClr val="accent1"/>
-          </a:fillRef>
-          <a:effectRef idx="0">
-            <a:schemeClr val="accent1"/>
-          </a:effectRef>
-          <a:fontRef idx="minor">
-            <a:schemeClr val="lt1"/>
-          </a:fontRef>
-        </p:style>
-        <p:txBody>
-          <a:bodyPr rtlCol="0" anchor="ctr"/>
-          <a:lstStyle/>
-          <a:p>
-            <a:pPr marL="0" marR="0" lvl="0" indent="0" algn="ctr" defTabSz="914400" rtl="0" eaLnBrk="1" fontAlgn="auto" latinLnBrk="0" hangingPunct="1">
-              <a:lnSpc>
-                <a:spcPct val="100000"/>
-              </a:lnSpc>
-              <a:spcBef>
-                <a:spcPts val="0"/>
-              </a:spcBef>
-              <a:spcAft>
-                <a:spcPts val="0"/>
-              </a:spcAft>
-              <a:buClrTx/>
-              <a:buSzTx/>
-              <a:buFontTx/>
-              <a:buNone/>
-              <a:tabLst/>
-              <a:defRPr/>
+            <a:pPr marL="0" indent="0">
+              <a:buFont typeface="Arial" panose="020B0604020202020204" pitchFamily="34" charset="0"/>
             </a:pPr>
-            <a:endParaRPr kumimoji="0" lang="en-US" sz="1800" b="0" i="0" u="none" strike="noStrike" kern="1200" cap="none" spc="0" normalizeH="0" baseline="0" noProof="0">
-              <a:ln>
-                <a:noFill/>
-              </a:ln>
-              <a:solidFill>
-                <a:prstClr val="white"/>
-              </a:solidFill>
-              <a:effectLst/>
-              <a:uLnTx/>
-              <a:uFillTx/>
-              <a:latin typeface="Calibri" panose="020F0502020204030204"/>
-              <a:ea typeface="+mn-ea"/>
-              <a:cs typeface="+mn-cs"/>
-            </a:endParaRPr>
-          </a:p>
-        </p:txBody>
-      </p:sp>
-      <p:sp>
-        <p:nvSpPr>
-          <p:cNvPr id="4" name="Text Placeholder 3">
-            <a:extLst>
-              <a:ext uri="{FF2B5EF4-FFF2-40B4-BE49-F238E27FC236}">
-                <a16:creationId xmlns:a16="http://schemas.microsoft.com/office/drawing/2014/main" id="{EE6B924E-D8B8-44B2-8D1D-268C32D69B28}"/>
-              </a:ext>
-            </a:extLst>
-          </p:cNvPr>
-          <p:cNvSpPr>
-            <a:spLocks noGrp="1"/>
-          </p:cNvSpPr>
-          <p:nvPr>
-            <p:ph type="body" sz="half" idx="2"/>
-          </p:nvPr>
-        </p:nvSpPr>
-        <p:spPr>
-          <a:xfrm>
-            <a:off x="5250106" y="586822"/>
-            <a:ext cx="6106742" cy="1645920"/>
-          </a:xfrm>
-        </p:spPr>
-        <p:txBody>
-          <a:bodyPr vert="horz" lIns="91440" tIns="45720" rIns="91440" bIns="45720" rtlCol="0" anchor="ctr">
-            <a:normAutofit/>
-          </a:bodyPr>
-          <a:lstStyle/>
-          <a:p>
-            <a:pPr indent="-228600">
-              <a:buFont typeface="Arial" panose="020B0604020202020204" pitchFamily="34" charset="0"/>
-              <a:buChar char="•"/>
-            </a:pPr>
-            <a:r>
-              <a:rPr lang="en-US" sz="1800" dirty="0"/>
-              <a:t>The Average Rating of 1000 restaurants and the average rating of the them only changed barely for a few stadiums.</a:t>
-            </a:r>
-          </a:p>
-          <a:p>
-            <a:pPr indent="-228600">
-              <a:buFont typeface="Arial" panose="020B0604020202020204" pitchFamily="34" charset="0"/>
-              <a:buChar char="•"/>
-            </a:pPr>
-            <a:r>
-              <a:rPr lang="en-US" sz="1800" dirty="0"/>
-              <a:t>Looking at this data over the course of a longer period time for instance a month or year could produce more noticeable results.	</a:t>
-            </a:r>
+            <a:r>
+              <a:rPr lang="en-US" sz="3200" dirty="0">
+                <a:sym typeface="+mn-ea"/>
+              </a:rPr>
+              <a:t>III. Restaurant analysis in 2 miles radius around the Stadiums.</a:t>
+            </a:r>
+            <a:br>
+              <a:rPr lang="en-US" sz="3200" dirty="0"/>
+            </a:br>
+            <a:r>
+              <a:rPr lang="en-US" sz="3200" dirty="0"/>
+              <a:t>- </a:t>
+            </a:r>
+            <a:r>
+              <a:rPr lang="en-US" sz="2800" u="sng" dirty="0"/>
+              <a:t>Number of restaurants around each NFL stadium</a:t>
+            </a:r>
+            <a:endParaRPr lang="en-US" sz="3200" u="sng" dirty="0"/>
           </a:p>
         </p:txBody>
       </p:sp>
       <p:pic>
         <p:nvPicPr>
-          <p:cNvPr id="14" name="Content Placeholder 13" descr="A picture containing background pattern&#10;&#10;Description automatically generated">
-            <a:extLst>
-              <a:ext uri="{FF2B5EF4-FFF2-40B4-BE49-F238E27FC236}">
-                <a16:creationId xmlns:a16="http://schemas.microsoft.com/office/drawing/2014/main" id="{FF55BCAA-8D85-48CD-9D4C-181E4406FC24}"/>
-              </a:ext>
-            </a:extLst>
-          </p:cNvPr>
+          <p:cNvPr id="4" name="Content Placeholder 3" descr="restaurant per stadium"/>
           <p:cNvPicPr>
             <a:picLocks noGrp="1" noChangeAspect="1"/>
           </p:cNvPicPr>
@@ -6895,51 +7373,15 @@
           </p:nvPr>
         </p:nvPicPr>
         <p:blipFill>
-          <a:blip r:embed="rId2">
-            <a:extLst>
-              <a:ext uri="{28A0092B-C50C-407E-A947-70E740481C1C}">
-                <a14:useLocalDpi xmlns:a14="http://schemas.microsoft.com/office/drawing/2010/main" val="0"/>
-              </a:ext>
-            </a:extLst>
-          </a:blip>
+          <a:blip r:embed="rId2"/>
           <a:stretch>
             <a:fillRect/>
           </a:stretch>
         </p:blipFill>
         <p:spPr>
           <a:xfrm>
-            <a:off x="688902" y="2729397"/>
-            <a:ext cx="5219271" cy="3483864"/>
-          </a:xfrm>
-          <a:prstGeom prst="rect">
-            <a:avLst/>
-          </a:prstGeom>
-        </p:spPr>
-      </p:pic>
-      <p:pic>
-        <p:nvPicPr>
-          <p:cNvPr id="15" name="Picture 14">
-            <a:extLst>
-              <a:ext uri="{FF2B5EF4-FFF2-40B4-BE49-F238E27FC236}">
-                <a16:creationId xmlns:a16="http://schemas.microsoft.com/office/drawing/2014/main" id="{FB17DD91-C3FC-46A7-B9D9-FE70E5677C7B}"/>
-              </a:ext>
-            </a:extLst>
-          </p:cNvPr>
-          <p:cNvPicPr>
-            <a:picLocks noChangeAspect="1"/>
-          </p:cNvPicPr>
-          <p:nvPr/>
-        </p:nvPicPr>
-        <p:blipFill>
-          <a:blip r:embed="rId3"/>
-          <a:stretch>
-            <a:fillRect/>
-          </a:stretch>
-        </p:blipFill>
-        <p:spPr>
-          <a:xfrm>
-            <a:off x="688902" y="2676139"/>
-            <a:ext cx="10972319" cy="3595039"/>
+            <a:off x="1409700" y="2196465"/>
+            <a:ext cx="9372600" cy="3667125"/>
           </a:xfrm>
           <a:prstGeom prst="rect">
             <a:avLst/>
@@ -6947,11 +7389,6 @@
         </p:spPr>
       </p:pic>
     </p:spTree>
-    <p:extLst>
-      <p:ext uri="{BB962C8B-B14F-4D97-AF65-F5344CB8AC3E}">
-        <p14:creationId xmlns:p14="http://schemas.microsoft.com/office/powerpoint/2010/main" val="2019740083"/>
-      </p:ext>
-    </p:extLst>
   </p:cSld>
   <p:clrMapOvr>
     <a:masterClrMapping/>
